--- a/Doxygen/physics/10. Box2D Cannon Game with Stars/Images/figures.pptx
+++ b/Doxygen/physics/10. Box2D Cannon Game with Stars/Images/figures.pptx
@@ -3,9 +3,14 @@
 <p:presentation xmlns:a="http://schemas.openxmlformats.org/drawingml/2006/main" xmlns:r="http://schemas.openxmlformats.org/officeDocument/2006/relationships" xmlns:p="http://schemas.openxmlformats.org/presentationml/2006/main" saveSubsetFonts="1">
   <p:sldMasterIdLst>
     <p:sldMasterId id="2147483660" r:id="rId1"/>
+    <p:sldMasterId id="2147483672" r:id="rId2"/>
   </p:sldMasterIdLst>
+  <p:notesMasterIdLst>
+    <p:notesMasterId r:id="rId5"/>
+  </p:notesMasterIdLst>
   <p:sldIdLst>
-    <p:sldId id="475" r:id="rId2"/>
+    <p:sldId id="475" r:id="rId3"/>
+    <p:sldId id="508" r:id="rId4"/>
   </p:sldIdLst>
   <p:sldSz cx="9144000" cy="6858000" type="screen4x3"/>
   <p:notesSz cx="6858000" cy="9144000"/>
@@ -112,6 +117,499 @@
 </p:presentation>
 </file>
 
+<file path=ppt/notesMasters/notesMaster1.xml><?xml version="1.0" encoding="utf-8"?>
+<p:notesMaster xmlns:a="http://schemas.openxmlformats.org/drawingml/2006/main" xmlns:r="http://schemas.openxmlformats.org/officeDocument/2006/relationships" xmlns:p="http://schemas.openxmlformats.org/presentationml/2006/main">
+  <p:cSld>
+    <p:bg>
+      <p:bgRef idx="1001">
+        <a:schemeClr val="bg1"/>
+      </p:bgRef>
+    </p:bg>
+    <p:spTree>
+      <p:nvGrpSpPr>
+        <p:cNvPr id="1" name=""/>
+        <p:cNvGrpSpPr/>
+        <p:nvPr/>
+      </p:nvGrpSpPr>
+      <p:grpSpPr>
+        <a:xfrm>
+          <a:off x="0" y="0"/>
+          <a:ext cx="0" cy="0"/>
+          <a:chOff x="0" y="0"/>
+          <a:chExt cx="0" cy="0"/>
+        </a:xfrm>
+      </p:grpSpPr>
+      <p:sp>
+        <p:nvSpPr>
+          <p:cNvPr id="2" name="Header Placeholder 1"/>
+          <p:cNvSpPr>
+            <a:spLocks noGrp="1"/>
+          </p:cNvSpPr>
+          <p:nvPr>
+            <p:ph type="hdr" sz="quarter"/>
+          </p:nvPr>
+        </p:nvSpPr>
+        <p:spPr>
+          <a:xfrm>
+            <a:off x="0" y="0"/>
+            <a:ext cx="2971800" cy="458788"/>
+          </a:xfrm>
+          <a:prstGeom prst="rect">
+            <a:avLst/>
+          </a:prstGeom>
+        </p:spPr>
+        <p:txBody>
+          <a:bodyPr vert="horz" lIns="91440" tIns="45720" rIns="91440" bIns="45720" rtlCol="0"/>
+          <a:lstStyle>
+            <a:lvl1pPr algn="l">
+              <a:defRPr sz="1200"/>
+            </a:lvl1pPr>
+          </a:lstStyle>
+          <a:p>
+            <a:endParaRPr lang="en-US"/>
+          </a:p>
+        </p:txBody>
+      </p:sp>
+      <p:sp>
+        <p:nvSpPr>
+          <p:cNvPr id="3" name="Date Placeholder 2"/>
+          <p:cNvSpPr>
+            <a:spLocks noGrp="1"/>
+          </p:cNvSpPr>
+          <p:nvPr>
+            <p:ph type="dt" idx="1"/>
+          </p:nvPr>
+        </p:nvSpPr>
+        <p:spPr>
+          <a:xfrm>
+            <a:off x="3884613" y="0"/>
+            <a:ext cx="2971800" cy="458788"/>
+          </a:xfrm>
+          <a:prstGeom prst="rect">
+            <a:avLst/>
+          </a:prstGeom>
+        </p:spPr>
+        <p:txBody>
+          <a:bodyPr vert="horz" lIns="91440" tIns="45720" rIns="91440" bIns="45720" rtlCol="0"/>
+          <a:lstStyle>
+            <a:lvl1pPr algn="r">
+              <a:defRPr sz="1200"/>
+            </a:lvl1pPr>
+          </a:lstStyle>
+          <a:p>
+            <a:fld id="{D385A659-7CA7-4DB6-8785-174E471F03B2}" type="datetimeFigureOut">
+              <a:rPr lang="en-US" smtClean="0"/>
+              <a:t>9/18/2024</a:t>
+            </a:fld>
+            <a:endParaRPr lang="en-US"/>
+          </a:p>
+        </p:txBody>
+      </p:sp>
+      <p:sp>
+        <p:nvSpPr>
+          <p:cNvPr id="4" name="Slide Image Placeholder 3"/>
+          <p:cNvSpPr>
+            <a:spLocks noGrp="1" noRot="1" noChangeAspect="1"/>
+          </p:cNvSpPr>
+          <p:nvPr>
+            <p:ph type="sldImg" idx="2"/>
+          </p:nvPr>
+        </p:nvSpPr>
+        <p:spPr>
+          <a:xfrm>
+            <a:off x="1371600" y="1143000"/>
+            <a:ext cx="4114800" cy="3086100"/>
+          </a:xfrm>
+          <a:prstGeom prst="rect">
+            <a:avLst/>
+          </a:prstGeom>
+          <a:noFill/>
+          <a:ln w="12700">
+            <a:solidFill>
+              <a:prstClr val="black"/>
+            </a:solidFill>
+          </a:ln>
+        </p:spPr>
+        <p:txBody>
+          <a:bodyPr vert="horz" lIns="91440" tIns="45720" rIns="91440" bIns="45720" rtlCol="0" anchor="ctr"/>
+          <a:lstStyle/>
+          <a:p>
+            <a:endParaRPr lang="en-US"/>
+          </a:p>
+        </p:txBody>
+      </p:sp>
+      <p:sp>
+        <p:nvSpPr>
+          <p:cNvPr id="5" name="Notes Placeholder 4"/>
+          <p:cNvSpPr>
+            <a:spLocks noGrp="1"/>
+          </p:cNvSpPr>
+          <p:nvPr>
+            <p:ph type="body" sz="quarter" idx="3"/>
+          </p:nvPr>
+        </p:nvSpPr>
+        <p:spPr>
+          <a:xfrm>
+            <a:off x="685800" y="4400550"/>
+            <a:ext cx="5486400" cy="3600450"/>
+          </a:xfrm>
+          <a:prstGeom prst="rect">
+            <a:avLst/>
+          </a:prstGeom>
+        </p:spPr>
+        <p:txBody>
+          <a:bodyPr vert="horz" lIns="91440" tIns="45720" rIns="91440" bIns="45720" rtlCol="0"/>
+          <a:lstStyle/>
+          <a:p>
+            <a:pPr lvl="0"/>
+            <a:r>
+              <a:rPr lang="en-US"/>
+              <a:t>Click to edit Master text styles</a:t>
+            </a:r>
+          </a:p>
+          <a:p>
+            <a:pPr lvl="1"/>
+            <a:r>
+              <a:rPr lang="en-US"/>
+              <a:t>Second level</a:t>
+            </a:r>
+          </a:p>
+          <a:p>
+            <a:pPr lvl="2"/>
+            <a:r>
+              <a:rPr lang="en-US"/>
+              <a:t>Third level</a:t>
+            </a:r>
+          </a:p>
+          <a:p>
+            <a:pPr lvl="3"/>
+            <a:r>
+              <a:rPr lang="en-US"/>
+              <a:t>Fourth level</a:t>
+            </a:r>
+          </a:p>
+          <a:p>
+            <a:pPr lvl="4"/>
+            <a:r>
+              <a:rPr lang="en-US"/>
+              <a:t>Fifth level</a:t>
+            </a:r>
+          </a:p>
+        </p:txBody>
+      </p:sp>
+      <p:sp>
+        <p:nvSpPr>
+          <p:cNvPr id="6" name="Footer Placeholder 5"/>
+          <p:cNvSpPr>
+            <a:spLocks noGrp="1"/>
+          </p:cNvSpPr>
+          <p:nvPr>
+            <p:ph type="ftr" sz="quarter" idx="4"/>
+          </p:nvPr>
+        </p:nvSpPr>
+        <p:spPr>
+          <a:xfrm>
+            <a:off x="0" y="8685213"/>
+            <a:ext cx="2971800" cy="458787"/>
+          </a:xfrm>
+          <a:prstGeom prst="rect">
+            <a:avLst/>
+          </a:prstGeom>
+        </p:spPr>
+        <p:txBody>
+          <a:bodyPr vert="horz" lIns="91440" tIns="45720" rIns="91440" bIns="45720" rtlCol="0" anchor="b"/>
+          <a:lstStyle>
+            <a:lvl1pPr algn="l">
+              <a:defRPr sz="1200"/>
+            </a:lvl1pPr>
+          </a:lstStyle>
+          <a:p>
+            <a:endParaRPr lang="en-US"/>
+          </a:p>
+        </p:txBody>
+      </p:sp>
+      <p:sp>
+        <p:nvSpPr>
+          <p:cNvPr id="7" name="Slide Number Placeholder 6"/>
+          <p:cNvSpPr>
+            <a:spLocks noGrp="1"/>
+          </p:cNvSpPr>
+          <p:nvPr>
+            <p:ph type="sldNum" sz="quarter" idx="5"/>
+          </p:nvPr>
+        </p:nvSpPr>
+        <p:spPr>
+          <a:xfrm>
+            <a:off x="3884613" y="8685213"/>
+            <a:ext cx="2971800" cy="458787"/>
+          </a:xfrm>
+          <a:prstGeom prst="rect">
+            <a:avLst/>
+          </a:prstGeom>
+        </p:spPr>
+        <p:txBody>
+          <a:bodyPr vert="horz" lIns="91440" tIns="45720" rIns="91440" bIns="45720" rtlCol="0" anchor="b"/>
+          <a:lstStyle>
+            <a:lvl1pPr algn="r">
+              <a:defRPr sz="1200"/>
+            </a:lvl1pPr>
+          </a:lstStyle>
+          <a:p>
+            <a:fld id="{B409C59C-6FC9-4F8D-A106-E5169F41AB14}" type="slidenum">
+              <a:rPr lang="en-US" smtClean="0"/>
+              <a:t>‹#›</a:t>
+            </a:fld>
+            <a:endParaRPr lang="en-US"/>
+          </a:p>
+        </p:txBody>
+      </p:sp>
+    </p:spTree>
+    <p:extLst>
+      <p:ext uri="{BB962C8B-B14F-4D97-AF65-F5344CB8AC3E}">
+        <p14:creationId xmlns:p14="http://schemas.microsoft.com/office/powerpoint/2010/main" val="3858164528"/>
+      </p:ext>
+    </p:extLst>
+  </p:cSld>
+  <p:clrMap bg1="lt1" tx1="dk1" bg2="lt2" tx2="dk2" accent1="accent1" accent2="accent2" accent3="accent3" accent4="accent4" accent5="accent5" accent6="accent6" hlink="hlink" folHlink="folHlink"/>
+  <p:notesStyle>
+    <a:lvl1pPr marL="0" algn="l" defTabSz="914400" rtl="0" eaLnBrk="1" latinLnBrk="0" hangingPunct="1">
+      <a:defRPr sz="1200" kern="1200">
+        <a:solidFill>
+          <a:schemeClr val="tx1"/>
+        </a:solidFill>
+        <a:latin typeface="+mn-lt"/>
+        <a:ea typeface="+mn-ea"/>
+        <a:cs typeface="+mn-cs"/>
+      </a:defRPr>
+    </a:lvl1pPr>
+    <a:lvl2pPr marL="457200" algn="l" defTabSz="914400" rtl="0" eaLnBrk="1" latinLnBrk="0" hangingPunct="1">
+      <a:defRPr sz="1200" kern="1200">
+        <a:solidFill>
+          <a:schemeClr val="tx1"/>
+        </a:solidFill>
+        <a:latin typeface="+mn-lt"/>
+        <a:ea typeface="+mn-ea"/>
+        <a:cs typeface="+mn-cs"/>
+      </a:defRPr>
+    </a:lvl2pPr>
+    <a:lvl3pPr marL="914400" algn="l" defTabSz="914400" rtl="0" eaLnBrk="1" latinLnBrk="0" hangingPunct="1">
+      <a:defRPr sz="1200" kern="1200">
+        <a:solidFill>
+          <a:schemeClr val="tx1"/>
+        </a:solidFill>
+        <a:latin typeface="+mn-lt"/>
+        <a:ea typeface="+mn-ea"/>
+        <a:cs typeface="+mn-cs"/>
+      </a:defRPr>
+    </a:lvl3pPr>
+    <a:lvl4pPr marL="1371600" algn="l" defTabSz="914400" rtl="0" eaLnBrk="1" latinLnBrk="0" hangingPunct="1">
+      <a:defRPr sz="1200" kern="1200">
+        <a:solidFill>
+          <a:schemeClr val="tx1"/>
+        </a:solidFill>
+        <a:latin typeface="+mn-lt"/>
+        <a:ea typeface="+mn-ea"/>
+        <a:cs typeface="+mn-cs"/>
+      </a:defRPr>
+    </a:lvl4pPr>
+    <a:lvl5pPr marL="1828800" algn="l" defTabSz="914400" rtl="0" eaLnBrk="1" latinLnBrk="0" hangingPunct="1">
+      <a:defRPr sz="1200" kern="1200">
+        <a:solidFill>
+          <a:schemeClr val="tx1"/>
+        </a:solidFill>
+        <a:latin typeface="+mn-lt"/>
+        <a:ea typeface="+mn-ea"/>
+        <a:cs typeface="+mn-cs"/>
+      </a:defRPr>
+    </a:lvl5pPr>
+    <a:lvl6pPr marL="2286000" algn="l" defTabSz="914400" rtl="0" eaLnBrk="1" latinLnBrk="0" hangingPunct="1">
+      <a:defRPr sz="1200" kern="1200">
+        <a:solidFill>
+          <a:schemeClr val="tx1"/>
+        </a:solidFill>
+        <a:latin typeface="+mn-lt"/>
+        <a:ea typeface="+mn-ea"/>
+        <a:cs typeface="+mn-cs"/>
+      </a:defRPr>
+    </a:lvl6pPr>
+    <a:lvl7pPr marL="2743200" algn="l" defTabSz="914400" rtl="0" eaLnBrk="1" latinLnBrk="0" hangingPunct="1">
+      <a:defRPr sz="1200" kern="1200">
+        <a:solidFill>
+          <a:schemeClr val="tx1"/>
+        </a:solidFill>
+        <a:latin typeface="+mn-lt"/>
+        <a:ea typeface="+mn-ea"/>
+        <a:cs typeface="+mn-cs"/>
+      </a:defRPr>
+    </a:lvl7pPr>
+    <a:lvl8pPr marL="3200400" algn="l" defTabSz="914400" rtl="0" eaLnBrk="1" latinLnBrk="0" hangingPunct="1">
+      <a:defRPr sz="1200" kern="1200">
+        <a:solidFill>
+          <a:schemeClr val="tx1"/>
+        </a:solidFill>
+        <a:latin typeface="+mn-lt"/>
+        <a:ea typeface="+mn-ea"/>
+        <a:cs typeface="+mn-cs"/>
+      </a:defRPr>
+    </a:lvl8pPr>
+    <a:lvl9pPr marL="3657600" algn="l" defTabSz="914400" rtl="0" eaLnBrk="1" latinLnBrk="0" hangingPunct="1">
+      <a:defRPr sz="1200" kern="1200">
+        <a:solidFill>
+          <a:schemeClr val="tx1"/>
+        </a:solidFill>
+        <a:latin typeface="+mn-lt"/>
+        <a:ea typeface="+mn-ea"/>
+        <a:cs typeface="+mn-cs"/>
+      </a:defRPr>
+    </a:lvl9pPr>
+  </p:notesStyle>
+</p:notesMaster>
+</file>
+
+<file path=ppt/notesSlides/notesSlide1.xml><?xml version="1.0" encoding="utf-8"?>
+<p:notes xmlns:a="http://schemas.openxmlformats.org/drawingml/2006/main" xmlns:r="http://schemas.openxmlformats.org/officeDocument/2006/relationships" xmlns:p="http://schemas.openxmlformats.org/presentationml/2006/main">
+  <p:cSld>
+    <p:spTree>
+      <p:nvGrpSpPr>
+        <p:cNvPr id="1" name=""/>
+        <p:cNvGrpSpPr/>
+        <p:nvPr/>
+      </p:nvGrpSpPr>
+      <p:grpSpPr>
+        <a:xfrm>
+          <a:off x="0" y="0"/>
+          <a:ext cx="0" cy="0"/>
+          <a:chOff x="0" y="0"/>
+          <a:chExt cx="0" cy="0"/>
+        </a:xfrm>
+      </p:grpSpPr>
+      <p:sp>
+        <p:nvSpPr>
+          <p:cNvPr id="2" name="Slide Image Placeholder 1"/>
+          <p:cNvSpPr>
+            <a:spLocks noGrp="1" noRot="1" noChangeAspect="1"/>
+          </p:cNvSpPr>
+          <p:nvPr>
+            <p:ph type="sldImg"/>
+          </p:nvPr>
+        </p:nvSpPr>
+        <p:spPr/>
+      </p:sp>
+      <p:sp>
+        <p:nvSpPr>
+          <p:cNvPr id="3" name="Notes Placeholder 2"/>
+          <p:cNvSpPr>
+            <a:spLocks noGrp="1"/>
+          </p:cNvSpPr>
+          <p:nvPr>
+            <p:ph type="body" idx="1"/>
+          </p:nvPr>
+        </p:nvSpPr>
+        <p:spPr/>
+        <p:txBody>
+          <a:bodyPr/>
+          <a:lstStyle/>
+          <a:p>
+            <a:endParaRPr lang="en-US" dirty="0"/>
+          </a:p>
+        </p:txBody>
+      </p:sp>
+      <p:sp>
+        <p:nvSpPr>
+          <p:cNvPr id="4" name="Slide Number Placeholder 3"/>
+          <p:cNvSpPr>
+            <a:spLocks noGrp="1"/>
+          </p:cNvSpPr>
+          <p:nvPr>
+            <p:ph type="sldNum" sz="quarter" idx="10"/>
+          </p:nvPr>
+        </p:nvSpPr>
+        <p:spPr/>
+        <p:txBody>
+          <a:bodyPr/>
+          <a:lstStyle/>
+          <a:p>
+            <a:pPr marL="0" marR="0" lvl="0" indent="0" algn="r" defTabSz="914400" rtl="0" eaLnBrk="1" fontAlgn="auto" latinLnBrk="0" hangingPunct="1">
+              <a:lnSpc>
+                <a:spcPct val="100000"/>
+              </a:lnSpc>
+              <a:spcBef>
+                <a:spcPts val="0"/>
+              </a:spcBef>
+              <a:spcAft>
+                <a:spcPts val="0"/>
+              </a:spcAft>
+              <a:buClrTx/>
+              <a:buSzTx/>
+              <a:buFontTx/>
+              <a:buNone/>
+              <a:tabLst/>
+              <a:defRPr/>
+            </a:pPr>
+            <a:fld id="{126C7370-1126-4CB4-A486-49B27BFF7F38}" type="slidenum">
+              <a:rPr kumimoji="0" lang="en-US" sz="1200" b="0" i="0" u="none" strike="noStrike" kern="1200" cap="none" spc="0" normalizeH="0" baseline="0" noProof="0" smtClean="0">
+                <a:ln>
+                  <a:noFill/>
+                </a:ln>
+                <a:solidFill>
+                  <a:prstClr val="black"/>
+                </a:solidFill>
+                <a:effectLst/>
+                <a:uLnTx/>
+                <a:uFillTx/>
+                <a:latin typeface="Calibri"/>
+                <a:ea typeface="+mn-ea"/>
+                <a:cs typeface="+mn-cs"/>
+              </a:rPr>
+              <a:pPr marL="0" marR="0" lvl="0" indent="0" algn="r" defTabSz="914400" rtl="0" eaLnBrk="1" fontAlgn="auto" latinLnBrk="0" hangingPunct="1">
+                <a:lnSpc>
+                  <a:spcPct val="100000"/>
+                </a:lnSpc>
+                <a:spcBef>
+                  <a:spcPts val="0"/>
+                </a:spcBef>
+                <a:spcAft>
+                  <a:spcPts val="0"/>
+                </a:spcAft>
+                <a:buClrTx/>
+                <a:buSzTx/>
+                <a:buFontTx/>
+                <a:buNone/>
+                <a:tabLst/>
+                <a:defRPr/>
+              </a:pPr>
+              <a:t>2</a:t>
+            </a:fld>
+            <a:endParaRPr kumimoji="0" lang="en-US" sz="1200" b="0" i="0" u="none" strike="noStrike" kern="1200" cap="none" spc="0" normalizeH="0" baseline="0" noProof="0">
+              <a:ln>
+                <a:noFill/>
+              </a:ln>
+              <a:solidFill>
+                <a:prstClr val="black"/>
+              </a:solidFill>
+              <a:effectLst/>
+              <a:uLnTx/>
+              <a:uFillTx/>
+              <a:latin typeface="Calibri"/>
+              <a:ea typeface="+mn-ea"/>
+              <a:cs typeface="+mn-cs"/>
+            </a:endParaRPr>
+          </a:p>
+        </p:txBody>
+      </p:sp>
+    </p:spTree>
+    <p:extLst>
+      <p:ext uri="{BB962C8B-B14F-4D97-AF65-F5344CB8AC3E}">
+        <p14:creationId xmlns:p14="http://schemas.microsoft.com/office/powerpoint/2010/main" val="683244979"/>
+      </p:ext>
+    </p:extLst>
+  </p:cSld>
+  <p:clrMapOvr>
+    <a:masterClrMapping/>
+  </p:clrMapOvr>
+</p:notes>
+</file>
+
 <file path=ppt/slideLayouts/slideLayout1.xml><?xml version="1.0" encoding="utf-8"?>
 <p:sldLayout xmlns:a="http://schemas.openxmlformats.org/drawingml/2006/main" xmlns:r="http://schemas.openxmlformats.org/officeDocument/2006/relationships" xmlns:p="http://schemas.openxmlformats.org/presentationml/2006/main" type="title" preserve="1">
   <p:cSld name="Title Slide">
@@ -243,7 +741,7 @@
           <a:p>
             <a:fld id="{C5F54AF0-DD67-41F0-897B-AA0BF403EE70}" type="datetimeFigureOut">
               <a:rPr lang="en-US" smtClean="0"/>
-              <a:t>9/16/2024</a:t>
+              <a:t>9/18/2024</a:t>
             </a:fld>
             <a:endParaRPr lang="en-US"/>
           </a:p>
@@ -413,7 +911,7 @@
           <a:p>
             <a:fld id="{C5F54AF0-DD67-41F0-897B-AA0BF403EE70}" type="datetimeFigureOut">
               <a:rPr lang="en-US" smtClean="0"/>
-              <a:t>9/16/2024</a:t>
+              <a:t>9/18/2024</a:t>
             </a:fld>
             <a:endParaRPr lang="en-US"/>
           </a:p>
@@ -593,7 +1091,7 @@
           <a:p>
             <a:fld id="{C5F54AF0-DD67-41F0-897B-AA0BF403EE70}" type="datetimeFigureOut">
               <a:rPr lang="en-US" smtClean="0"/>
-              <a:t>9/16/2024</a:t>
+              <a:t>9/18/2024</a:t>
             </a:fld>
             <a:endParaRPr lang="en-US"/>
           </a:p>
@@ -651,6 +1149,1961 @@
   <p:clrMapOvr>
     <a:masterClrMapping/>
   </p:clrMapOvr>
+</p:sldLayout>
+</file>
+
+<file path=ppt/slideLayouts/slideLayout12.xml><?xml version="1.0" encoding="utf-8"?>
+<p:sldLayout xmlns:a="http://schemas.openxmlformats.org/drawingml/2006/main" xmlns:r="http://schemas.openxmlformats.org/officeDocument/2006/relationships" xmlns:p="http://schemas.openxmlformats.org/presentationml/2006/main" type="title" preserve="1">
+  <p:cSld name="Title Slide">
+    <p:spTree>
+      <p:nvGrpSpPr>
+        <p:cNvPr id="1" name=""/>
+        <p:cNvGrpSpPr/>
+        <p:nvPr/>
+      </p:nvGrpSpPr>
+      <p:grpSpPr>
+        <a:xfrm>
+          <a:off x="0" y="0"/>
+          <a:ext cx="0" cy="0"/>
+          <a:chOff x="0" y="0"/>
+          <a:chExt cx="0" cy="0"/>
+        </a:xfrm>
+      </p:grpSpPr>
+      <p:sp>
+        <p:nvSpPr>
+          <p:cNvPr id="2" name="Title 1"/>
+          <p:cNvSpPr>
+            <a:spLocks noGrp="1"/>
+          </p:cNvSpPr>
+          <p:nvPr>
+            <p:ph type="ctrTitle"/>
+          </p:nvPr>
+        </p:nvSpPr>
+        <p:spPr>
+          <a:xfrm>
+            <a:off x="685800" y="2130425"/>
+            <a:ext cx="7772400" cy="1470025"/>
+          </a:xfrm>
+        </p:spPr>
+        <p:txBody>
+          <a:bodyPr/>
+          <a:lstStyle>
+            <a:lvl1pPr>
+              <a:defRPr>
+                <a:latin typeface="Calibri Light" panose="020F0302020204030204" pitchFamily="34" charset="0"/>
+                <a:cs typeface="Calibri Light" panose="020F0302020204030204" pitchFamily="34" charset="0"/>
+              </a:defRPr>
+            </a:lvl1pPr>
+          </a:lstStyle>
+          <a:p>
+            <a:r>
+              <a:rPr lang="en-US" dirty="0"/>
+              <a:t>Click to edit Master title style</a:t>
+            </a:r>
+          </a:p>
+        </p:txBody>
+      </p:sp>
+      <p:sp>
+        <p:nvSpPr>
+          <p:cNvPr id="3" name="Subtitle 2"/>
+          <p:cNvSpPr>
+            <a:spLocks noGrp="1"/>
+          </p:cNvSpPr>
+          <p:nvPr>
+            <p:ph type="subTitle" idx="1"/>
+          </p:nvPr>
+        </p:nvSpPr>
+        <p:spPr>
+          <a:xfrm>
+            <a:off x="1371600" y="3886200"/>
+            <a:ext cx="6400800" cy="1752600"/>
+          </a:xfrm>
+        </p:spPr>
+        <p:txBody>
+          <a:bodyPr/>
+          <a:lstStyle>
+            <a:lvl1pPr marL="0" indent="0" algn="ctr">
+              <a:buNone/>
+              <a:defRPr>
+                <a:solidFill>
+                  <a:schemeClr val="tx1">
+                    <a:tint val="75000"/>
+                  </a:schemeClr>
+                </a:solidFill>
+                <a:latin typeface="Calibri Light" panose="020F0302020204030204" pitchFamily="34" charset="0"/>
+                <a:cs typeface="Calibri Light" panose="020F0302020204030204" pitchFamily="34" charset="0"/>
+              </a:defRPr>
+            </a:lvl1pPr>
+            <a:lvl2pPr marL="457200" indent="0" algn="ctr">
+              <a:buNone/>
+              <a:defRPr>
+                <a:solidFill>
+                  <a:schemeClr val="tx1">
+                    <a:tint val="75000"/>
+                  </a:schemeClr>
+                </a:solidFill>
+              </a:defRPr>
+            </a:lvl2pPr>
+            <a:lvl3pPr marL="914400" indent="0" algn="ctr">
+              <a:buNone/>
+              <a:defRPr>
+                <a:solidFill>
+                  <a:schemeClr val="tx1">
+                    <a:tint val="75000"/>
+                  </a:schemeClr>
+                </a:solidFill>
+              </a:defRPr>
+            </a:lvl3pPr>
+            <a:lvl4pPr marL="1371600" indent="0" algn="ctr">
+              <a:buNone/>
+              <a:defRPr>
+                <a:solidFill>
+                  <a:schemeClr val="tx1">
+                    <a:tint val="75000"/>
+                  </a:schemeClr>
+                </a:solidFill>
+              </a:defRPr>
+            </a:lvl4pPr>
+            <a:lvl5pPr marL="1828800" indent="0" algn="ctr">
+              <a:buNone/>
+              <a:defRPr>
+                <a:solidFill>
+                  <a:schemeClr val="tx1">
+                    <a:tint val="75000"/>
+                  </a:schemeClr>
+                </a:solidFill>
+              </a:defRPr>
+            </a:lvl5pPr>
+            <a:lvl6pPr marL="2286000" indent="0" algn="ctr">
+              <a:buNone/>
+              <a:defRPr>
+                <a:solidFill>
+                  <a:schemeClr val="tx1">
+                    <a:tint val="75000"/>
+                  </a:schemeClr>
+                </a:solidFill>
+              </a:defRPr>
+            </a:lvl6pPr>
+            <a:lvl7pPr marL="2743200" indent="0" algn="ctr">
+              <a:buNone/>
+              <a:defRPr>
+                <a:solidFill>
+                  <a:schemeClr val="tx1">
+                    <a:tint val="75000"/>
+                  </a:schemeClr>
+                </a:solidFill>
+              </a:defRPr>
+            </a:lvl7pPr>
+            <a:lvl8pPr marL="3200400" indent="0" algn="ctr">
+              <a:buNone/>
+              <a:defRPr>
+                <a:solidFill>
+                  <a:schemeClr val="tx1">
+                    <a:tint val="75000"/>
+                  </a:schemeClr>
+                </a:solidFill>
+              </a:defRPr>
+            </a:lvl8pPr>
+            <a:lvl9pPr marL="3657600" indent="0" algn="ctr">
+              <a:buNone/>
+              <a:defRPr>
+                <a:solidFill>
+                  <a:schemeClr val="tx1">
+                    <a:tint val="75000"/>
+                  </a:schemeClr>
+                </a:solidFill>
+              </a:defRPr>
+            </a:lvl9pPr>
+          </a:lstStyle>
+          <a:p>
+            <a:r>
+              <a:rPr lang="en-US" dirty="0"/>
+              <a:t>Click to edit Master subtitle style</a:t>
+            </a:r>
+          </a:p>
+        </p:txBody>
+      </p:sp>
+      <p:sp>
+        <p:nvSpPr>
+          <p:cNvPr id="4" name="Date Placeholder 3"/>
+          <p:cNvSpPr>
+            <a:spLocks noGrp="1"/>
+          </p:cNvSpPr>
+          <p:nvPr>
+            <p:ph type="dt" sz="half" idx="10"/>
+          </p:nvPr>
+        </p:nvSpPr>
+        <p:spPr/>
+        <p:txBody>
+          <a:bodyPr/>
+          <a:lstStyle/>
+          <a:p>
+            <a:r>
+              <a:rPr lang="en-US"/>
+              <a:t>Chapter 8</a:t>
+            </a:r>
+          </a:p>
+        </p:txBody>
+      </p:sp>
+      <p:sp>
+        <p:nvSpPr>
+          <p:cNvPr id="5" name="Footer Placeholder 4"/>
+          <p:cNvSpPr>
+            <a:spLocks noGrp="1"/>
+          </p:cNvSpPr>
+          <p:nvPr>
+            <p:ph type="ftr" sz="quarter" idx="11"/>
+          </p:nvPr>
+        </p:nvSpPr>
+        <p:spPr/>
+        <p:txBody>
+          <a:bodyPr/>
+          <a:lstStyle/>
+          <a:p>
+            <a:r>
+              <a:rPr lang="en-US"/>
+              <a:t>The Cannon Game</a:t>
+            </a:r>
+          </a:p>
+        </p:txBody>
+      </p:sp>
+      <p:sp>
+        <p:nvSpPr>
+          <p:cNvPr id="6" name="Slide Number Placeholder 5"/>
+          <p:cNvSpPr>
+            <a:spLocks noGrp="1"/>
+          </p:cNvSpPr>
+          <p:nvPr>
+            <p:ph type="sldNum" sz="quarter" idx="12"/>
+          </p:nvPr>
+        </p:nvSpPr>
+        <p:spPr/>
+        <p:txBody>
+          <a:bodyPr/>
+          <a:lstStyle/>
+          <a:p>
+            <a:fld id="{B6F15528-21DE-4FAA-801E-634DDDAF4B2B}" type="slidenum">
+              <a:rPr lang="en-US" smtClean="0"/>
+              <a:pPr/>
+              <a:t>‹#›</a:t>
+            </a:fld>
+            <a:endParaRPr lang="en-US"/>
+          </a:p>
+        </p:txBody>
+      </p:sp>
+    </p:spTree>
+    <p:extLst>
+      <p:ext uri="{BB962C8B-B14F-4D97-AF65-F5344CB8AC3E}">
+        <p14:creationId xmlns:p14="http://schemas.microsoft.com/office/powerpoint/2010/main" val="762656724"/>
+      </p:ext>
+    </p:extLst>
+  </p:cSld>
+  <p:clrMapOvr>
+    <a:masterClrMapping/>
+  </p:clrMapOvr>
+  <mc:AlternateContent xmlns:mc="http://schemas.openxmlformats.org/markup-compatibility/2006" xmlns:p14="http://schemas.microsoft.com/office/powerpoint/2010/main">
+    <mc:Choice Requires="p14">
+      <p:transition p14:dur="10"/>
+    </mc:Choice>
+    <mc:Fallback xmlns="">
+      <p:transition/>
+    </mc:Fallback>
+  </mc:AlternateContent>
+</p:sldLayout>
+</file>
+
+<file path=ppt/slideLayouts/slideLayout13.xml><?xml version="1.0" encoding="utf-8"?>
+<p:sldLayout xmlns:a="http://schemas.openxmlformats.org/drawingml/2006/main" xmlns:r="http://schemas.openxmlformats.org/officeDocument/2006/relationships" xmlns:p="http://schemas.openxmlformats.org/presentationml/2006/main" type="obj" preserve="1">
+  <p:cSld name="Title and Content">
+    <p:spTree>
+      <p:nvGrpSpPr>
+        <p:cNvPr id="1" name=""/>
+        <p:cNvGrpSpPr/>
+        <p:nvPr/>
+      </p:nvGrpSpPr>
+      <p:grpSpPr>
+        <a:xfrm>
+          <a:off x="0" y="0"/>
+          <a:ext cx="0" cy="0"/>
+          <a:chOff x="0" y="0"/>
+          <a:chExt cx="0" cy="0"/>
+        </a:xfrm>
+      </p:grpSpPr>
+      <p:sp>
+        <p:nvSpPr>
+          <p:cNvPr id="2" name="Title 1"/>
+          <p:cNvSpPr>
+            <a:spLocks noGrp="1"/>
+          </p:cNvSpPr>
+          <p:nvPr>
+            <p:ph type="title"/>
+          </p:nvPr>
+        </p:nvSpPr>
+        <p:spPr/>
+        <p:txBody>
+          <a:bodyPr/>
+          <a:lstStyle>
+            <a:lvl1pPr>
+              <a:defRPr>
+                <a:latin typeface="Calibri Light" panose="020F0302020204030204" pitchFamily="34" charset="0"/>
+                <a:cs typeface="Calibri Light" panose="020F0302020204030204" pitchFamily="34" charset="0"/>
+              </a:defRPr>
+            </a:lvl1pPr>
+          </a:lstStyle>
+          <a:p>
+            <a:r>
+              <a:rPr lang="en-US" dirty="0"/>
+              <a:t>Click to edit Master title style</a:t>
+            </a:r>
+          </a:p>
+        </p:txBody>
+      </p:sp>
+      <p:sp>
+        <p:nvSpPr>
+          <p:cNvPr id="3" name="Content Placeholder 2"/>
+          <p:cNvSpPr>
+            <a:spLocks noGrp="1"/>
+          </p:cNvSpPr>
+          <p:nvPr>
+            <p:ph idx="1"/>
+          </p:nvPr>
+        </p:nvSpPr>
+        <p:spPr/>
+        <p:txBody>
+          <a:bodyPr/>
+          <a:lstStyle/>
+          <a:p>
+            <a:pPr lvl="0"/>
+            <a:r>
+              <a:rPr lang="en-US"/>
+              <a:t>Click to edit Master text styles</a:t>
+            </a:r>
+          </a:p>
+          <a:p>
+            <a:pPr lvl="1"/>
+            <a:r>
+              <a:rPr lang="en-US"/>
+              <a:t>Second level</a:t>
+            </a:r>
+          </a:p>
+          <a:p>
+            <a:pPr lvl="2"/>
+            <a:r>
+              <a:rPr lang="en-US"/>
+              <a:t>Third level</a:t>
+            </a:r>
+          </a:p>
+          <a:p>
+            <a:pPr lvl="3"/>
+            <a:r>
+              <a:rPr lang="en-US"/>
+              <a:t>Fourth level</a:t>
+            </a:r>
+          </a:p>
+          <a:p>
+            <a:pPr lvl="4"/>
+            <a:r>
+              <a:rPr lang="en-US"/>
+              <a:t>Fifth level</a:t>
+            </a:r>
+          </a:p>
+        </p:txBody>
+      </p:sp>
+      <p:sp>
+        <p:nvSpPr>
+          <p:cNvPr id="4" name="Date Placeholder 3"/>
+          <p:cNvSpPr>
+            <a:spLocks noGrp="1"/>
+          </p:cNvSpPr>
+          <p:nvPr>
+            <p:ph type="dt" sz="half" idx="10"/>
+          </p:nvPr>
+        </p:nvSpPr>
+        <p:spPr/>
+        <p:txBody>
+          <a:bodyPr/>
+          <a:lstStyle/>
+          <a:p>
+            <a:r>
+              <a:rPr lang="en-US"/>
+              <a:t>Chapter 8</a:t>
+            </a:r>
+          </a:p>
+        </p:txBody>
+      </p:sp>
+      <p:sp>
+        <p:nvSpPr>
+          <p:cNvPr id="5" name="Footer Placeholder 4"/>
+          <p:cNvSpPr>
+            <a:spLocks noGrp="1"/>
+          </p:cNvSpPr>
+          <p:nvPr>
+            <p:ph type="ftr" sz="quarter" idx="11"/>
+          </p:nvPr>
+        </p:nvSpPr>
+        <p:spPr/>
+        <p:txBody>
+          <a:bodyPr/>
+          <a:lstStyle/>
+          <a:p>
+            <a:r>
+              <a:rPr lang="en-US"/>
+              <a:t>The Cannon Game</a:t>
+            </a:r>
+          </a:p>
+        </p:txBody>
+      </p:sp>
+      <p:sp>
+        <p:nvSpPr>
+          <p:cNvPr id="6" name="Slide Number Placeholder 5"/>
+          <p:cNvSpPr>
+            <a:spLocks noGrp="1"/>
+          </p:cNvSpPr>
+          <p:nvPr>
+            <p:ph type="sldNum" sz="quarter" idx="12"/>
+          </p:nvPr>
+        </p:nvSpPr>
+        <p:spPr/>
+        <p:txBody>
+          <a:bodyPr/>
+          <a:lstStyle/>
+          <a:p>
+            <a:fld id="{B6F15528-21DE-4FAA-801E-634DDDAF4B2B}" type="slidenum">
+              <a:rPr lang="en-US" smtClean="0"/>
+              <a:pPr/>
+              <a:t>‹#›</a:t>
+            </a:fld>
+            <a:endParaRPr lang="en-US"/>
+          </a:p>
+        </p:txBody>
+      </p:sp>
+    </p:spTree>
+    <p:extLst>
+      <p:ext uri="{BB962C8B-B14F-4D97-AF65-F5344CB8AC3E}">
+        <p14:creationId xmlns:p14="http://schemas.microsoft.com/office/powerpoint/2010/main" val="2420082497"/>
+      </p:ext>
+    </p:extLst>
+  </p:cSld>
+  <p:clrMapOvr>
+    <a:masterClrMapping/>
+  </p:clrMapOvr>
+  <mc:AlternateContent xmlns:mc="http://schemas.openxmlformats.org/markup-compatibility/2006" xmlns:p14="http://schemas.microsoft.com/office/powerpoint/2010/main">
+    <mc:Choice Requires="p14">
+      <p:transition p14:dur="10"/>
+    </mc:Choice>
+    <mc:Fallback xmlns="">
+      <p:transition/>
+    </mc:Fallback>
+  </mc:AlternateContent>
+</p:sldLayout>
+</file>
+
+<file path=ppt/slideLayouts/slideLayout14.xml><?xml version="1.0" encoding="utf-8"?>
+<p:sldLayout xmlns:a="http://schemas.openxmlformats.org/drawingml/2006/main" xmlns:r="http://schemas.openxmlformats.org/officeDocument/2006/relationships" xmlns:p="http://schemas.openxmlformats.org/presentationml/2006/main" type="secHead" preserve="1">
+  <p:cSld name="Section Header">
+    <p:spTree>
+      <p:nvGrpSpPr>
+        <p:cNvPr id="1" name=""/>
+        <p:cNvGrpSpPr/>
+        <p:nvPr/>
+      </p:nvGrpSpPr>
+      <p:grpSpPr>
+        <a:xfrm>
+          <a:off x="0" y="0"/>
+          <a:ext cx="0" cy="0"/>
+          <a:chOff x="0" y="0"/>
+          <a:chExt cx="0" cy="0"/>
+        </a:xfrm>
+      </p:grpSpPr>
+      <p:sp>
+        <p:nvSpPr>
+          <p:cNvPr id="2" name="Title 1"/>
+          <p:cNvSpPr>
+            <a:spLocks noGrp="1"/>
+          </p:cNvSpPr>
+          <p:nvPr>
+            <p:ph type="title"/>
+          </p:nvPr>
+        </p:nvSpPr>
+        <p:spPr>
+          <a:xfrm>
+            <a:off x="722313" y="4406900"/>
+            <a:ext cx="7772400" cy="1362075"/>
+          </a:xfrm>
+        </p:spPr>
+        <p:txBody>
+          <a:bodyPr anchor="t"/>
+          <a:lstStyle>
+            <a:lvl1pPr algn="l">
+              <a:defRPr sz="4000" b="1" cap="all"/>
+            </a:lvl1pPr>
+          </a:lstStyle>
+          <a:p>
+            <a:r>
+              <a:rPr lang="en-US"/>
+              <a:t>Click to edit Master title style</a:t>
+            </a:r>
+          </a:p>
+        </p:txBody>
+      </p:sp>
+      <p:sp>
+        <p:nvSpPr>
+          <p:cNvPr id="3" name="Text Placeholder 2"/>
+          <p:cNvSpPr>
+            <a:spLocks noGrp="1"/>
+          </p:cNvSpPr>
+          <p:nvPr>
+            <p:ph type="body" idx="1"/>
+          </p:nvPr>
+        </p:nvSpPr>
+        <p:spPr>
+          <a:xfrm>
+            <a:off x="722313" y="2906713"/>
+            <a:ext cx="7772400" cy="1500187"/>
+          </a:xfrm>
+        </p:spPr>
+        <p:txBody>
+          <a:bodyPr anchor="b"/>
+          <a:lstStyle>
+            <a:lvl1pPr marL="0" indent="0">
+              <a:buNone/>
+              <a:defRPr sz="2000">
+                <a:solidFill>
+                  <a:schemeClr val="tx1">
+                    <a:tint val="75000"/>
+                  </a:schemeClr>
+                </a:solidFill>
+              </a:defRPr>
+            </a:lvl1pPr>
+            <a:lvl2pPr marL="457200" indent="0">
+              <a:buNone/>
+              <a:defRPr sz="1800">
+                <a:solidFill>
+                  <a:schemeClr val="tx1">
+                    <a:tint val="75000"/>
+                  </a:schemeClr>
+                </a:solidFill>
+              </a:defRPr>
+            </a:lvl2pPr>
+            <a:lvl3pPr marL="914400" indent="0">
+              <a:buNone/>
+              <a:defRPr sz="1600">
+                <a:solidFill>
+                  <a:schemeClr val="tx1">
+                    <a:tint val="75000"/>
+                  </a:schemeClr>
+                </a:solidFill>
+              </a:defRPr>
+            </a:lvl3pPr>
+            <a:lvl4pPr marL="1371600" indent="0">
+              <a:buNone/>
+              <a:defRPr sz="1400">
+                <a:solidFill>
+                  <a:schemeClr val="tx1">
+                    <a:tint val="75000"/>
+                  </a:schemeClr>
+                </a:solidFill>
+              </a:defRPr>
+            </a:lvl4pPr>
+            <a:lvl5pPr marL="1828800" indent="0">
+              <a:buNone/>
+              <a:defRPr sz="1400">
+                <a:solidFill>
+                  <a:schemeClr val="tx1">
+                    <a:tint val="75000"/>
+                  </a:schemeClr>
+                </a:solidFill>
+              </a:defRPr>
+            </a:lvl5pPr>
+            <a:lvl6pPr marL="2286000" indent="0">
+              <a:buNone/>
+              <a:defRPr sz="1400">
+                <a:solidFill>
+                  <a:schemeClr val="tx1">
+                    <a:tint val="75000"/>
+                  </a:schemeClr>
+                </a:solidFill>
+              </a:defRPr>
+            </a:lvl6pPr>
+            <a:lvl7pPr marL="2743200" indent="0">
+              <a:buNone/>
+              <a:defRPr sz="1400">
+                <a:solidFill>
+                  <a:schemeClr val="tx1">
+                    <a:tint val="75000"/>
+                  </a:schemeClr>
+                </a:solidFill>
+              </a:defRPr>
+            </a:lvl7pPr>
+            <a:lvl8pPr marL="3200400" indent="0">
+              <a:buNone/>
+              <a:defRPr sz="1400">
+                <a:solidFill>
+                  <a:schemeClr val="tx1">
+                    <a:tint val="75000"/>
+                  </a:schemeClr>
+                </a:solidFill>
+              </a:defRPr>
+            </a:lvl8pPr>
+            <a:lvl9pPr marL="3657600" indent="0">
+              <a:buNone/>
+              <a:defRPr sz="1400">
+                <a:solidFill>
+                  <a:schemeClr val="tx1">
+                    <a:tint val="75000"/>
+                  </a:schemeClr>
+                </a:solidFill>
+              </a:defRPr>
+            </a:lvl9pPr>
+          </a:lstStyle>
+          <a:p>
+            <a:pPr lvl="0"/>
+            <a:r>
+              <a:rPr lang="en-US"/>
+              <a:t>Click to edit Master text styles</a:t>
+            </a:r>
+          </a:p>
+        </p:txBody>
+      </p:sp>
+      <p:sp>
+        <p:nvSpPr>
+          <p:cNvPr id="4" name="Date Placeholder 3"/>
+          <p:cNvSpPr>
+            <a:spLocks noGrp="1"/>
+          </p:cNvSpPr>
+          <p:nvPr>
+            <p:ph type="dt" sz="half" idx="10"/>
+          </p:nvPr>
+        </p:nvSpPr>
+        <p:spPr/>
+        <p:txBody>
+          <a:bodyPr/>
+          <a:lstStyle/>
+          <a:p>
+            <a:r>
+              <a:rPr lang="en-US"/>
+              <a:t>Chapter 8</a:t>
+            </a:r>
+          </a:p>
+        </p:txBody>
+      </p:sp>
+      <p:sp>
+        <p:nvSpPr>
+          <p:cNvPr id="5" name="Footer Placeholder 4"/>
+          <p:cNvSpPr>
+            <a:spLocks noGrp="1"/>
+          </p:cNvSpPr>
+          <p:nvPr>
+            <p:ph type="ftr" sz="quarter" idx="11"/>
+          </p:nvPr>
+        </p:nvSpPr>
+        <p:spPr/>
+        <p:txBody>
+          <a:bodyPr/>
+          <a:lstStyle/>
+          <a:p>
+            <a:r>
+              <a:rPr lang="en-US"/>
+              <a:t>The Cannon Game</a:t>
+            </a:r>
+          </a:p>
+        </p:txBody>
+      </p:sp>
+      <p:sp>
+        <p:nvSpPr>
+          <p:cNvPr id="6" name="Slide Number Placeholder 5"/>
+          <p:cNvSpPr>
+            <a:spLocks noGrp="1"/>
+          </p:cNvSpPr>
+          <p:nvPr>
+            <p:ph type="sldNum" sz="quarter" idx="12"/>
+          </p:nvPr>
+        </p:nvSpPr>
+        <p:spPr/>
+        <p:txBody>
+          <a:bodyPr/>
+          <a:lstStyle/>
+          <a:p>
+            <a:fld id="{B6F15528-21DE-4FAA-801E-634DDDAF4B2B}" type="slidenum">
+              <a:rPr lang="en-US" smtClean="0"/>
+              <a:pPr/>
+              <a:t>‹#›</a:t>
+            </a:fld>
+            <a:endParaRPr lang="en-US"/>
+          </a:p>
+        </p:txBody>
+      </p:sp>
+    </p:spTree>
+    <p:extLst>
+      <p:ext uri="{BB962C8B-B14F-4D97-AF65-F5344CB8AC3E}">
+        <p14:creationId xmlns:p14="http://schemas.microsoft.com/office/powerpoint/2010/main" val="4293965156"/>
+      </p:ext>
+    </p:extLst>
+  </p:cSld>
+  <p:clrMapOvr>
+    <a:masterClrMapping/>
+  </p:clrMapOvr>
+  <mc:AlternateContent xmlns:mc="http://schemas.openxmlformats.org/markup-compatibility/2006" xmlns:p14="http://schemas.microsoft.com/office/powerpoint/2010/main">
+    <mc:Choice Requires="p14">
+      <p:transition p14:dur="10"/>
+    </mc:Choice>
+    <mc:Fallback xmlns="">
+      <p:transition/>
+    </mc:Fallback>
+  </mc:AlternateContent>
+</p:sldLayout>
+</file>
+
+<file path=ppt/slideLayouts/slideLayout15.xml><?xml version="1.0" encoding="utf-8"?>
+<p:sldLayout xmlns:a="http://schemas.openxmlformats.org/drawingml/2006/main" xmlns:r="http://schemas.openxmlformats.org/officeDocument/2006/relationships" xmlns:p="http://schemas.openxmlformats.org/presentationml/2006/main" type="twoObj" preserve="1">
+  <p:cSld name="Two Content">
+    <p:spTree>
+      <p:nvGrpSpPr>
+        <p:cNvPr id="1" name=""/>
+        <p:cNvGrpSpPr/>
+        <p:nvPr/>
+      </p:nvGrpSpPr>
+      <p:grpSpPr>
+        <a:xfrm>
+          <a:off x="0" y="0"/>
+          <a:ext cx="0" cy="0"/>
+          <a:chOff x="0" y="0"/>
+          <a:chExt cx="0" cy="0"/>
+        </a:xfrm>
+      </p:grpSpPr>
+      <p:sp>
+        <p:nvSpPr>
+          <p:cNvPr id="2" name="Title 1"/>
+          <p:cNvSpPr>
+            <a:spLocks noGrp="1"/>
+          </p:cNvSpPr>
+          <p:nvPr>
+            <p:ph type="title"/>
+          </p:nvPr>
+        </p:nvSpPr>
+        <p:spPr/>
+        <p:txBody>
+          <a:bodyPr/>
+          <a:lstStyle/>
+          <a:p>
+            <a:r>
+              <a:rPr lang="en-US"/>
+              <a:t>Click to edit Master title style</a:t>
+            </a:r>
+          </a:p>
+        </p:txBody>
+      </p:sp>
+      <p:sp>
+        <p:nvSpPr>
+          <p:cNvPr id="3" name="Content Placeholder 2"/>
+          <p:cNvSpPr>
+            <a:spLocks noGrp="1"/>
+          </p:cNvSpPr>
+          <p:nvPr>
+            <p:ph sz="half" idx="1"/>
+          </p:nvPr>
+        </p:nvSpPr>
+        <p:spPr>
+          <a:xfrm>
+            <a:off x="457200" y="1600200"/>
+            <a:ext cx="4038600" cy="4525963"/>
+          </a:xfrm>
+        </p:spPr>
+        <p:txBody>
+          <a:bodyPr/>
+          <a:lstStyle>
+            <a:lvl1pPr>
+              <a:defRPr sz="2800"/>
+            </a:lvl1pPr>
+            <a:lvl2pPr>
+              <a:defRPr sz="2400"/>
+            </a:lvl2pPr>
+            <a:lvl3pPr>
+              <a:defRPr sz="2000"/>
+            </a:lvl3pPr>
+            <a:lvl4pPr>
+              <a:defRPr sz="1800"/>
+            </a:lvl4pPr>
+            <a:lvl5pPr>
+              <a:defRPr sz="1800"/>
+            </a:lvl5pPr>
+            <a:lvl6pPr>
+              <a:defRPr sz="1800"/>
+            </a:lvl6pPr>
+            <a:lvl7pPr>
+              <a:defRPr sz="1800"/>
+            </a:lvl7pPr>
+            <a:lvl8pPr>
+              <a:defRPr sz="1800"/>
+            </a:lvl8pPr>
+            <a:lvl9pPr>
+              <a:defRPr sz="1800"/>
+            </a:lvl9pPr>
+          </a:lstStyle>
+          <a:p>
+            <a:pPr lvl="0"/>
+            <a:r>
+              <a:rPr lang="en-US"/>
+              <a:t>Click to edit Master text styles</a:t>
+            </a:r>
+          </a:p>
+          <a:p>
+            <a:pPr lvl="1"/>
+            <a:r>
+              <a:rPr lang="en-US"/>
+              <a:t>Second level</a:t>
+            </a:r>
+          </a:p>
+          <a:p>
+            <a:pPr lvl="2"/>
+            <a:r>
+              <a:rPr lang="en-US"/>
+              <a:t>Third level</a:t>
+            </a:r>
+          </a:p>
+          <a:p>
+            <a:pPr lvl="3"/>
+            <a:r>
+              <a:rPr lang="en-US"/>
+              <a:t>Fourth level</a:t>
+            </a:r>
+          </a:p>
+          <a:p>
+            <a:pPr lvl="4"/>
+            <a:r>
+              <a:rPr lang="en-US"/>
+              <a:t>Fifth level</a:t>
+            </a:r>
+          </a:p>
+        </p:txBody>
+      </p:sp>
+      <p:sp>
+        <p:nvSpPr>
+          <p:cNvPr id="4" name="Content Placeholder 3"/>
+          <p:cNvSpPr>
+            <a:spLocks noGrp="1"/>
+          </p:cNvSpPr>
+          <p:nvPr>
+            <p:ph sz="half" idx="2"/>
+          </p:nvPr>
+        </p:nvSpPr>
+        <p:spPr>
+          <a:xfrm>
+            <a:off x="4648200" y="1600200"/>
+            <a:ext cx="4038600" cy="4525963"/>
+          </a:xfrm>
+        </p:spPr>
+        <p:txBody>
+          <a:bodyPr/>
+          <a:lstStyle>
+            <a:lvl1pPr>
+              <a:defRPr sz="2800"/>
+            </a:lvl1pPr>
+            <a:lvl2pPr>
+              <a:defRPr sz="2400"/>
+            </a:lvl2pPr>
+            <a:lvl3pPr>
+              <a:defRPr sz="2000"/>
+            </a:lvl3pPr>
+            <a:lvl4pPr>
+              <a:defRPr sz="1800"/>
+            </a:lvl4pPr>
+            <a:lvl5pPr>
+              <a:defRPr sz="1800"/>
+            </a:lvl5pPr>
+            <a:lvl6pPr>
+              <a:defRPr sz="1800"/>
+            </a:lvl6pPr>
+            <a:lvl7pPr>
+              <a:defRPr sz="1800"/>
+            </a:lvl7pPr>
+            <a:lvl8pPr>
+              <a:defRPr sz="1800"/>
+            </a:lvl8pPr>
+            <a:lvl9pPr>
+              <a:defRPr sz="1800"/>
+            </a:lvl9pPr>
+          </a:lstStyle>
+          <a:p>
+            <a:pPr lvl="0"/>
+            <a:r>
+              <a:rPr lang="en-US"/>
+              <a:t>Click to edit Master text styles</a:t>
+            </a:r>
+          </a:p>
+          <a:p>
+            <a:pPr lvl="1"/>
+            <a:r>
+              <a:rPr lang="en-US"/>
+              <a:t>Second level</a:t>
+            </a:r>
+          </a:p>
+          <a:p>
+            <a:pPr lvl="2"/>
+            <a:r>
+              <a:rPr lang="en-US"/>
+              <a:t>Third level</a:t>
+            </a:r>
+          </a:p>
+          <a:p>
+            <a:pPr lvl="3"/>
+            <a:r>
+              <a:rPr lang="en-US"/>
+              <a:t>Fourth level</a:t>
+            </a:r>
+          </a:p>
+          <a:p>
+            <a:pPr lvl="4"/>
+            <a:r>
+              <a:rPr lang="en-US"/>
+              <a:t>Fifth level</a:t>
+            </a:r>
+          </a:p>
+        </p:txBody>
+      </p:sp>
+      <p:sp>
+        <p:nvSpPr>
+          <p:cNvPr id="5" name="Date Placeholder 4"/>
+          <p:cNvSpPr>
+            <a:spLocks noGrp="1"/>
+          </p:cNvSpPr>
+          <p:nvPr>
+            <p:ph type="dt" sz="half" idx="10"/>
+          </p:nvPr>
+        </p:nvSpPr>
+        <p:spPr/>
+        <p:txBody>
+          <a:bodyPr/>
+          <a:lstStyle/>
+          <a:p>
+            <a:r>
+              <a:rPr lang="en-US"/>
+              <a:t>Chapter 8</a:t>
+            </a:r>
+          </a:p>
+        </p:txBody>
+      </p:sp>
+      <p:sp>
+        <p:nvSpPr>
+          <p:cNvPr id="6" name="Footer Placeholder 5"/>
+          <p:cNvSpPr>
+            <a:spLocks noGrp="1"/>
+          </p:cNvSpPr>
+          <p:nvPr>
+            <p:ph type="ftr" sz="quarter" idx="11"/>
+          </p:nvPr>
+        </p:nvSpPr>
+        <p:spPr/>
+        <p:txBody>
+          <a:bodyPr/>
+          <a:lstStyle/>
+          <a:p>
+            <a:r>
+              <a:rPr lang="en-US"/>
+              <a:t>The Cannon Game</a:t>
+            </a:r>
+          </a:p>
+        </p:txBody>
+      </p:sp>
+      <p:sp>
+        <p:nvSpPr>
+          <p:cNvPr id="7" name="Slide Number Placeholder 6"/>
+          <p:cNvSpPr>
+            <a:spLocks noGrp="1"/>
+          </p:cNvSpPr>
+          <p:nvPr>
+            <p:ph type="sldNum" sz="quarter" idx="12"/>
+          </p:nvPr>
+        </p:nvSpPr>
+        <p:spPr/>
+        <p:txBody>
+          <a:bodyPr/>
+          <a:lstStyle/>
+          <a:p>
+            <a:fld id="{B6F15528-21DE-4FAA-801E-634DDDAF4B2B}" type="slidenum">
+              <a:rPr lang="en-US" smtClean="0"/>
+              <a:pPr/>
+              <a:t>‹#›</a:t>
+            </a:fld>
+            <a:endParaRPr lang="en-US"/>
+          </a:p>
+        </p:txBody>
+      </p:sp>
+    </p:spTree>
+    <p:extLst>
+      <p:ext uri="{BB962C8B-B14F-4D97-AF65-F5344CB8AC3E}">
+        <p14:creationId xmlns:p14="http://schemas.microsoft.com/office/powerpoint/2010/main" val="1684989714"/>
+      </p:ext>
+    </p:extLst>
+  </p:cSld>
+  <p:clrMapOvr>
+    <a:masterClrMapping/>
+  </p:clrMapOvr>
+  <mc:AlternateContent xmlns:mc="http://schemas.openxmlformats.org/markup-compatibility/2006" xmlns:p14="http://schemas.microsoft.com/office/powerpoint/2010/main">
+    <mc:Choice Requires="p14">
+      <p:transition p14:dur="10"/>
+    </mc:Choice>
+    <mc:Fallback xmlns="">
+      <p:transition/>
+    </mc:Fallback>
+  </mc:AlternateContent>
+</p:sldLayout>
+</file>
+
+<file path=ppt/slideLayouts/slideLayout16.xml><?xml version="1.0" encoding="utf-8"?>
+<p:sldLayout xmlns:a="http://schemas.openxmlformats.org/drawingml/2006/main" xmlns:r="http://schemas.openxmlformats.org/officeDocument/2006/relationships" xmlns:p="http://schemas.openxmlformats.org/presentationml/2006/main" type="twoTxTwoObj" preserve="1">
+  <p:cSld name="Comparison">
+    <p:spTree>
+      <p:nvGrpSpPr>
+        <p:cNvPr id="1" name=""/>
+        <p:cNvGrpSpPr/>
+        <p:nvPr/>
+      </p:nvGrpSpPr>
+      <p:grpSpPr>
+        <a:xfrm>
+          <a:off x="0" y="0"/>
+          <a:ext cx="0" cy="0"/>
+          <a:chOff x="0" y="0"/>
+          <a:chExt cx="0" cy="0"/>
+        </a:xfrm>
+      </p:grpSpPr>
+      <p:sp>
+        <p:nvSpPr>
+          <p:cNvPr id="2" name="Title 1"/>
+          <p:cNvSpPr>
+            <a:spLocks noGrp="1"/>
+          </p:cNvSpPr>
+          <p:nvPr>
+            <p:ph type="title"/>
+          </p:nvPr>
+        </p:nvSpPr>
+        <p:spPr/>
+        <p:txBody>
+          <a:bodyPr/>
+          <a:lstStyle>
+            <a:lvl1pPr>
+              <a:defRPr/>
+            </a:lvl1pPr>
+          </a:lstStyle>
+          <a:p>
+            <a:r>
+              <a:rPr lang="en-US"/>
+              <a:t>Click to edit Master title style</a:t>
+            </a:r>
+          </a:p>
+        </p:txBody>
+      </p:sp>
+      <p:sp>
+        <p:nvSpPr>
+          <p:cNvPr id="3" name="Text Placeholder 2"/>
+          <p:cNvSpPr>
+            <a:spLocks noGrp="1"/>
+          </p:cNvSpPr>
+          <p:nvPr>
+            <p:ph type="body" idx="1"/>
+          </p:nvPr>
+        </p:nvSpPr>
+        <p:spPr>
+          <a:xfrm>
+            <a:off x="457200" y="1535113"/>
+            <a:ext cx="4040188" cy="639762"/>
+          </a:xfrm>
+        </p:spPr>
+        <p:txBody>
+          <a:bodyPr anchor="b"/>
+          <a:lstStyle>
+            <a:lvl1pPr marL="0" indent="0">
+              <a:buNone/>
+              <a:defRPr sz="2400" b="1"/>
+            </a:lvl1pPr>
+            <a:lvl2pPr marL="457200" indent="0">
+              <a:buNone/>
+              <a:defRPr sz="2000" b="1"/>
+            </a:lvl2pPr>
+            <a:lvl3pPr marL="914400" indent="0">
+              <a:buNone/>
+              <a:defRPr sz="1800" b="1"/>
+            </a:lvl3pPr>
+            <a:lvl4pPr marL="1371600" indent="0">
+              <a:buNone/>
+              <a:defRPr sz="1600" b="1"/>
+            </a:lvl4pPr>
+            <a:lvl5pPr marL="1828800" indent="0">
+              <a:buNone/>
+              <a:defRPr sz="1600" b="1"/>
+            </a:lvl5pPr>
+            <a:lvl6pPr marL="2286000" indent="0">
+              <a:buNone/>
+              <a:defRPr sz="1600" b="1"/>
+            </a:lvl6pPr>
+            <a:lvl7pPr marL="2743200" indent="0">
+              <a:buNone/>
+              <a:defRPr sz="1600" b="1"/>
+            </a:lvl7pPr>
+            <a:lvl8pPr marL="3200400" indent="0">
+              <a:buNone/>
+              <a:defRPr sz="1600" b="1"/>
+            </a:lvl8pPr>
+            <a:lvl9pPr marL="3657600" indent="0">
+              <a:buNone/>
+              <a:defRPr sz="1600" b="1"/>
+            </a:lvl9pPr>
+          </a:lstStyle>
+          <a:p>
+            <a:pPr lvl="0"/>
+            <a:r>
+              <a:rPr lang="en-US"/>
+              <a:t>Click to edit Master text styles</a:t>
+            </a:r>
+          </a:p>
+        </p:txBody>
+      </p:sp>
+      <p:sp>
+        <p:nvSpPr>
+          <p:cNvPr id="4" name="Content Placeholder 3"/>
+          <p:cNvSpPr>
+            <a:spLocks noGrp="1"/>
+          </p:cNvSpPr>
+          <p:nvPr>
+            <p:ph sz="half" idx="2"/>
+          </p:nvPr>
+        </p:nvSpPr>
+        <p:spPr>
+          <a:xfrm>
+            <a:off x="457200" y="2174875"/>
+            <a:ext cx="4040188" cy="3951288"/>
+          </a:xfrm>
+        </p:spPr>
+        <p:txBody>
+          <a:bodyPr/>
+          <a:lstStyle>
+            <a:lvl1pPr>
+              <a:defRPr sz="2400"/>
+            </a:lvl1pPr>
+            <a:lvl2pPr>
+              <a:defRPr sz="2000"/>
+            </a:lvl2pPr>
+            <a:lvl3pPr>
+              <a:defRPr sz="1800"/>
+            </a:lvl3pPr>
+            <a:lvl4pPr>
+              <a:defRPr sz="1600"/>
+            </a:lvl4pPr>
+            <a:lvl5pPr>
+              <a:defRPr sz="1600"/>
+            </a:lvl5pPr>
+            <a:lvl6pPr>
+              <a:defRPr sz="1600"/>
+            </a:lvl6pPr>
+            <a:lvl7pPr>
+              <a:defRPr sz="1600"/>
+            </a:lvl7pPr>
+            <a:lvl8pPr>
+              <a:defRPr sz="1600"/>
+            </a:lvl8pPr>
+            <a:lvl9pPr>
+              <a:defRPr sz="1600"/>
+            </a:lvl9pPr>
+          </a:lstStyle>
+          <a:p>
+            <a:pPr lvl="0"/>
+            <a:r>
+              <a:rPr lang="en-US"/>
+              <a:t>Click to edit Master text styles</a:t>
+            </a:r>
+          </a:p>
+          <a:p>
+            <a:pPr lvl="1"/>
+            <a:r>
+              <a:rPr lang="en-US"/>
+              <a:t>Second level</a:t>
+            </a:r>
+          </a:p>
+          <a:p>
+            <a:pPr lvl="2"/>
+            <a:r>
+              <a:rPr lang="en-US"/>
+              <a:t>Third level</a:t>
+            </a:r>
+          </a:p>
+          <a:p>
+            <a:pPr lvl="3"/>
+            <a:r>
+              <a:rPr lang="en-US"/>
+              <a:t>Fourth level</a:t>
+            </a:r>
+          </a:p>
+          <a:p>
+            <a:pPr lvl="4"/>
+            <a:r>
+              <a:rPr lang="en-US"/>
+              <a:t>Fifth level</a:t>
+            </a:r>
+          </a:p>
+        </p:txBody>
+      </p:sp>
+      <p:sp>
+        <p:nvSpPr>
+          <p:cNvPr id="5" name="Text Placeholder 4"/>
+          <p:cNvSpPr>
+            <a:spLocks noGrp="1"/>
+          </p:cNvSpPr>
+          <p:nvPr>
+            <p:ph type="body" sz="quarter" idx="3"/>
+          </p:nvPr>
+        </p:nvSpPr>
+        <p:spPr>
+          <a:xfrm>
+            <a:off x="4645025" y="1535113"/>
+            <a:ext cx="4041775" cy="639762"/>
+          </a:xfrm>
+        </p:spPr>
+        <p:txBody>
+          <a:bodyPr anchor="b"/>
+          <a:lstStyle>
+            <a:lvl1pPr marL="0" indent="0">
+              <a:buNone/>
+              <a:defRPr sz="2400" b="1"/>
+            </a:lvl1pPr>
+            <a:lvl2pPr marL="457200" indent="0">
+              <a:buNone/>
+              <a:defRPr sz="2000" b="1"/>
+            </a:lvl2pPr>
+            <a:lvl3pPr marL="914400" indent="0">
+              <a:buNone/>
+              <a:defRPr sz="1800" b="1"/>
+            </a:lvl3pPr>
+            <a:lvl4pPr marL="1371600" indent="0">
+              <a:buNone/>
+              <a:defRPr sz="1600" b="1"/>
+            </a:lvl4pPr>
+            <a:lvl5pPr marL="1828800" indent="0">
+              <a:buNone/>
+              <a:defRPr sz="1600" b="1"/>
+            </a:lvl5pPr>
+            <a:lvl6pPr marL="2286000" indent="0">
+              <a:buNone/>
+              <a:defRPr sz="1600" b="1"/>
+            </a:lvl6pPr>
+            <a:lvl7pPr marL="2743200" indent="0">
+              <a:buNone/>
+              <a:defRPr sz="1600" b="1"/>
+            </a:lvl7pPr>
+            <a:lvl8pPr marL="3200400" indent="0">
+              <a:buNone/>
+              <a:defRPr sz="1600" b="1"/>
+            </a:lvl8pPr>
+            <a:lvl9pPr marL="3657600" indent="0">
+              <a:buNone/>
+              <a:defRPr sz="1600" b="1"/>
+            </a:lvl9pPr>
+          </a:lstStyle>
+          <a:p>
+            <a:pPr lvl="0"/>
+            <a:r>
+              <a:rPr lang="en-US"/>
+              <a:t>Click to edit Master text styles</a:t>
+            </a:r>
+          </a:p>
+        </p:txBody>
+      </p:sp>
+      <p:sp>
+        <p:nvSpPr>
+          <p:cNvPr id="6" name="Content Placeholder 5"/>
+          <p:cNvSpPr>
+            <a:spLocks noGrp="1"/>
+          </p:cNvSpPr>
+          <p:nvPr>
+            <p:ph sz="quarter" idx="4"/>
+          </p:nvPr>
+        </p:nvSpPr>
+        <p:spPr>
+          <a:xfrm>
+            <a:off x="4645025" y="2174875"/>
+            <a:ext cx="4041775" cy="3951288"/>
+          </a:xfrm>
+        </p:spPr>
+        <p:txBody>
+          <a:bodyPr/>
+          <a:lstStyle>
+            <a:lvl1pPr>
+              <a:defRPr sz="2400"/>
+            </a:lvl1pPr>
+            <a:lvl2pPr>
+              <a:defRPr sz="2000"/>
+            </a:lvl2pPr>
+            <a:lvl3pPr>
+              <a:defRPr sz="1800"/>
+            </a:lvl3pPr>
+            <a:lvl4pPr>
+              <a:defRPr sz="1600"/>
+            </a:lvl4pPr>
+            <a:lvl5pPr>
+              <a:defRPr sz="1600"/>
+            </a:lvl5pPr>
+            <a:lvl6pPr>
+              <a:defRPr sz="1600"/>
+            </a:lvl6pPr>
+            <a:lvl7pPr>
+              <a:defRPr sz="1600"/>
+            </a:lvl7pPr>
+            <a:lvl8pPr>
+              <a:defRPr sz="1600"/>
+            </a:lvl8pPr>
+            <a:lvl9pPr>
+              <a:defRPr sz="1600"/>
+            </a:lvl9pPr>
+          </a:lstStyle>
+          <a:p>
+            <a:pPr lvl="0"/>
+            <a:r>
+              <a:rPr lang="en-US"/>
+              <a:t>Click to edit Master text styles</a:t>
+            </a:r>
+          </a:p>
+          <a:p>
+            <a:pPr lvl="1"/>
+            <a:r>
+              <a:rPr lang="en-US"/>
+              <a:t>Second level</a:t>
+            </a:r>
+          </a:p>
+          <a:p>
+            <a:pPr lvl="2"/>
+            <a:r>
+              <a:rPr lang="en-US"/>
+              <a:t>Third level</a:t>
+            </a:r>
+          </a:p>
+          <a:p>
+            <a:pPr lvl="3"/>
+            <a:r>
+              <a:rPr lang="en-US"/>
+              <a:t>Fourth level</a:t>
+            </a:r>
+          </a:p>
+          <a:p>
+            <a:pPr lvl="4"/>
+            <a:r>
+              <a:rPr lang="en-US"/>
+              <a:t>Fifth level</a:t>
+            </a:r>
+          </a:p>
+        </p:txBody>
+      </p:sp>
+      <p:sp>
+        <p:nvSpPr>
+          <p:cNvPr id="7" name="Date Placeholder 6"/>
+          <p:cNvSpPr>
+            <a:spLocks noGrp="1"/>
+          </p:cNvSpPr>
+          <p:nvPr>
+            <p:ph type="dt" sz="half" idx="10"/>
+          </p:nvPr>
+        </p:nvSpPr>
+        <p:spPr/>
+        <p:txBody>
+          <a:bodyPr/>
+          <a:lstStyle/>
+          <a:p>
+            <a:r>
+              <a:rPr lang="en-US"/>
+              <a:t>Chapter 8</a:t>
+            </a:r>
+          </a:p>
+        </p:txBody>
+      </p:sp>
+      <p:sp>
+        <p:nvSpPr>
+          <p:cNvPr id="8" name="Footer Placeholder 7"/>
+          <p:cNvSpPr>
+            <a:spLocks noGrp="1"/>
+          </p:cNvSpPr>
+          <p:nvPr>
+            <p:ph type="ftr" sz="quarter" idx="11"/>
+          </p:nvPr>
+        </p:nvSpPr>
+        <p:spPr/>
+        <p:txBody>
+          <a:bodyPr/>
+          <a:lstStyle/>
+          <a:p>
+            <a:r>
+              <a:rPr lang="en-US"/>
+              <a:t>The Cannon Game</a:t>
+            </a:r>
+          </a:p>
+        </p:txBody>
+      </p:sp>
+      <p:sp>
+        <p:nvSpPr>
+          <p:cNvPr id="9" name="Slide Number Placeholder 8"/>
+          <p:cNvSpPr>
+            <a:spLocks noGrp="1"/>
+          </p:cNvSpPr>
+          <p:nvPr>
+            <p:ph type="sldNum" sz="quarter" idx="12"/>
+          </p:nvPr>
+        </p:nvSpPr>
+        <p:spPr/>
+        <p:txBody>
+          <a:bodyPr/>
+          <a:lstStyle/>
+          <a:p>
+            <a:fld id="{B6F15528-21DE-4FAA-801E-634DDDAF4B2B}" type="slidenum">
+              <a:rPr lang="en-US" smtClean="0"/>
+              <a:pPr/>
+              <a:t>‹#›</a:t>
+            </a:fld>
+            <a:endParaRPr lang="en-US"/>
+          </a:p>
+        </p:txBody>
+      </p:sp>
+    </p:spTree>
+    <p:extLst>
+      <p:ext uri="{BB962C8B-B14F-4D97-AF65-F5344CB8AC3E}">
+        <p14:creationId xmlns:p14="http://schemas.microsoft.com/office/powerpoint/2010/main" val="1163506122"/>
+      </p:ext>
+    </p:extLst>
+  </p:cSld>
+  <p:clrMapOvr>
+    <a:masterClrMapping/>
+  </p:clrMapOvr>
+  <mc:AlternateContent xmlns:mc="http://schemas.openxmlformats.org/markup-compatibility/2006" xmlns:p14="http://schemas.microsoft.com/office/powerpoint/2010/main">
+    <mc:Choice Requires="p14">
+      <p:transition p14:dur="10"/>
+    </mc:Choice>
+    <mc:Fallback xmlns="">
+      <p:transition/>
+    </mc:Fallback>
+  </mc:AlternateContent>
+</p:sldLayout>
+</file>
+
+<file path=ppt/slideLayouts/slideLayout17.xml><?xml version="1.0" encoding="utf-8"?>
+<p:sldLayout xmlns:a="http://schemas.openxmlformats.org/drawingml/2006/main" xmlns:r="http://schemas.openxmlformats.org/officeDocument/2006/relationships" xmlns:p="http://schemas.openxmlformats.org/presentationml/2006/main" type="titleOnly" preserve="1">
+  <p:cSld name="Title Only">
+    <p:spTree>
+      <p:nvGrpSpPr>
+        <p:cNvPr id="1" name=""/>
+        <p:cNvGrpSpPr/>
+        <p:nvPr/>
+      </p:nvGrpSpPr>
+      <p:grpSpPr>
+        <a:xfrm>
+          <a:off x="0" y="0"/>
+          <a:ext cx="0" cy="0"/>
+          <a:chOff x="0" y="0"/>
+          <a:chExt cx="0" cy="0"/>
+        </a:xfrm>
+      </p:grpSpPr>
+      <p:sp>
+        <p:nvSpPr>
+          <p:cNvPr id="2" name="Title 1"/>
+          <p:cNvSpPr>
+            <a:spLocks noGrp="1"/>
+          </p:cNvSpPr>
+          <p:nvPr>
+            <p:ph type="title"/>
+          </p:nvPr>
+        </p:nvSpPr>
+        <p:spPr/>
+        <p:txBody>
+          <a:bodyPr/>
+          <a:lstStyle>
+            <a:lvl1pPr>
+              <a:defRPr>
+                <a:latin typeface="Calibri Light" panose="020F0302020204030204" pitchFamily="34" charset="0"/>
+                <a:cs typeface="Calibri Light" panose="020F0302020204030204" pitchFamily="34" charset="0"/>
+              </a:defRPr>
+            </a:lvl1pPr>
+          </a:lstStyle>
+          <a:p>
+            <a:r>
+              <a:rPr lang="en-US" dirty="0"/>
+              <a:t>Click to edit Master title style</a:t>
+            </a:r>
+          </a:p>
+        </p:txBody>
+      </p:sp>
+      <p:sp>
+        <p:nvSpPr>
+          <p:cNvPr id="3" name="Date Placeholder 2"/>
+          <p:cNvSpPr>
+            <a:spLocks noGrp="1"/>
+          </p:cNvSpPr>
+          <p:nvPr>
+            <p:ph type="dt" sz="half" idx="10"/>
+          </p:nvPr>
+        </p:nvSpPr>
+        <p:spPr/>
+        <p:txBody>
+          <a:bodyPr/>
+          <a:lstStyle/>
+          <a:p>
+            <a:r>
+              <a:rPr lang="en-US"/>
+              <a:t>Chapter 8</a:t>
+            </a:r>
+          </a:p>
+        </p:txBody>
+      </p:sp>
+      <p:sp>
+        <p:nvSpPr>
+          <p:cNvPr id="4" name="Footer Placeholder 3"/>
+          <p:cNvSpPr>
+            <a:spLocks noGrp="1"/>
+          </p:cNvSpPr>
+          <p:nvPr>
+            <p:ph type="ftr" sz="quarter" idx="11"/>
+          </p:nvPr>
+        </p:nvSpPr>
+        <p:spPr/>
+        <p:txBody>
+          <a:bodyPr/>
+          <a:lstStyle/>
+          <a:p>
+            <a:r>
+              <a:rPr lang="en-US"/>
+              <a:t>The Cannon Game</a:t>
+            </a:r>
+          </a:p>
+        </p:txBody>
+      </p:sp>
+      <p:sp>
+        <p:nvSpPr>
+          <p:cNvPr id="5" name="Slide Number Placeholder 4"/>
+          <p:cNvSpPr>
+            <a:spLocks noGrp="1"/>
+          </p:cNvSpPr>
+          <p:nvPr>
+            <p:ph type="sldNum" sz="quarter" idx="12"/>
+          </p:nvPr>
+        </p:nvSpPr>
+        <p:spPr/>
+        <p:txBody>
+          <a:bodyPr/>
+          <a:lstStyle/>
+          <a:p>
+            <a:fld id="{B6F15528-21DE-4FAA-801E-634DDDAF4B2B}" type="slidenum">
+              <a:rPr lang="en-US" smtClean="0"/>
+              <a:pPr/>
+              <a:t>‹#›</a:t>
+            </a:fld>
+            <a:endParaRPr lang="en-US"/>
+          </a:p>
+        </p:txBody>
+      </p:sp>
+    </p:spTree>
+    <p:extLst>
+      <p:ext uri="{BB962C8B-B14F-4D97-AF65-F5344CB8AC3E}">
+        <p14:creationId xmlns:p14="http://schemas.microsoft.com/office/powerpoint/2010/main" val="4144751985"/>
+      </p:ext>
+    </p:extLst>
+  </p:cSld>
+  <p:clrMapOvr>
+    <a:masterClrMapping/>
+  </p:clrMapOvr>
+  <mc:AlternateContent xmlns:mc="http://schemas.openxmlformats.org/markup-compatibility/2006" xmlns:p14="http://schemas.microsoft.com/office/powerpoint/2010/main">
+    <mc:Choice Requires="p14">
+      <p:transition p14:dur="10"/>
+    </mc:Choice>
+    <mc:Fallback xmlns="">
+      <p:transition/>
+    </mc:Fallback>
+  </mc:AlternateContent>
+</p:sldLayout>
+</file>
+
+<file path=ppt/slideLayouts/slideLayout18.xml><?xml version="1.0" encoding="utf-8"?>
+<p:sldLayout xmlns:a="http://schemas.openxmlformats.org/drawingml/2006/main" xmlns:r="http://schemas.openxmlformats.org/officeDocument/2006/relationships" xmlns:p="http://schemas.openxmlformats.org/presentationml/2006/main" type="blank" preserve="1">
+  <p:cSld name="Blank">
+    <p:spTree>
+      <p:nvGrpSpPr>
+        <p:cNvPr id="1" name=""/>
+        <p:cNvGrpSpPr/>
+        <p:nvPr/>
+      </p:nvGrpSpPr>
+      <p:grpSpPr>
+        <a:xfrm>
+          <a:off x="0" y="0"/>
+          <a:ext cx="0" cy="0"/>
+          <a:chOff x="0" y="0"/>
+          <a:chExt cx="0" cy="0"/>
+        </a:xfrm>
+      </p:grpSpPr>
+      <p:sp>
+        <p:nvSpPr>
+          <p:cNvPr id="2" name="Date Placeholder 1"/>
+          <p:cNvSpPr>
+            <a:spLocks noGrp="1"/>
+          </p:cNvSpPr>
+          <p:nvPr>
+            <p:ph type="dt" sz="half" idx="10"/>
+          </p:nvPr>
+        </p:nvSpPr>
+        <p:spPr/>
+        <p:txBody>
+          <a:bodyPr/>
+          <a:lstStyle/>
+          <a:p>
+            <a:r>
+              <a:rPr lang="en-US"/>
+              <a:t>Chapter 8</a:t>
+            </a:r>
+          </a:p>
+        </p:txBody>
+      </p:sp>
+      <p:sp>
+        <p:nvSpPr>
+          <p:cNvPr id="3" name="Footer Placeholder 2"/>
+          <p:cNvSpPr>
+            <a:spLocks noGrp="1"/>
+          </p:cNvSpPr>
+          <p:nvPr>
+            <p:ph type="ftr" sz="quarter" idx="11"/>
+          </p:nvPr>
+        </p:nvSpPr>
+        <p:spPr/>
+        <p:txBody>
+          <a:bodyPr/>
+          <a:lstStyle/>
+          <a:p>
+            <a:r>
+              <a:rPr lang="en-US"/>
+              <a:t>The Cannon Game</a:t>
+            </a:r>
+          </a:p>
+        </p:txBody>
+      </p:sp>
+      <p:sp>
+        <p:nvSpPr>
+          <p:cNvPr id="4" name="Slide Number Placeholder 3"/>
+          <p:cNvSpPr>
+            <a:spLocks noGrp="1"/>
+          </p:cNvSpPr>
+          <p:nvPr>
+            <p:ph type="sldNum" sz="quarter" idx="12"/>
+          </p:nvPr>
+        </p:nvSpPr>
+        <p:spPr/>
+        <p:txBody>
+          <a:bodyPr/>
+          <a:lstStyle/>
+          <a:p>
+            <a:fld id="{B6F15528-21DE-4FAA-801E-634DDDAF4B2B}" type="slidenum">
+              <a:rPr lang="en-US" smtClean="0"/>
+              <a:pPr/>
+              <a:t>‹#›</a:t>
+            </a:fld>
+            <a:endParaRPr lang="en-US"/>
+          </a:p>
+        </p:txBody>
+      </p:sp>
+    </p:spTree>
+    <p:extLst>
+      <p:ext uri="{BB962C8B-B14F-4D97-AF65-F5344CB8AC3E}">
+        <p14:creationId xmlns:p14="http://schemas.microsoft.com/office/powerpoint/2010/main" val="1939619844"/>
+      </p:ext>
+    </p:extLst>
+  </p:cSld>
+  <p:clrMapOvr>
+    <a:masterClrMapping/>
+  </p:clrMapOvr>
+  <mc:AlternateContent xmlns:mc="http://schemas.openxmlformats.org/markup-compatibility/2006" xmlns:p14="http://schemas.microsoft.com/office/powerpoint/2010/main">
+    <mc:Choice Requires="p14">
+      <p:transition p14:dur="10"/>
+    </mc:Choice>
+    <mc:Fallback xmlns="">
+      <p:transition/>
+    </mc:Fallback>
+  </mc:AlternateContent>
+</p:sldLayout>
+</file>
+
+<file path=ppt/slideLayouts/slideLayout19.xml><?xml version="1.0" encoding="utf-8"?>
+<p:sldLayout xmlns:a="http://schemas.openxmlformats.org/drawingml/2006/main" xmlns:r="http://schemas.openxmlformats.org/officeDocument/2006/relationships" xmlns:p="http://schemas.openxmlformats.org/presentationml/2006/main" type="objTx" preserve="1">
+  <p:cSld name="Content with Caption">
+    <p:spTree>
+      <p:nvGrpSpPr>
+        <p:cNvPr id="1" name=""/>
+        <p:cNvGrpSpPr/>
+        <p:nvPr/>
+      </p:nvGrpSpPr>
+      <p:grpSpPr>
+        <a:xfrm>
+          <a:off x="0" y="0"/>
+          <a:ext cx="0" cy="0"/>
+          <a:chOff x="0" y="0"/>
+          <a:chExt cx="0" cy="0"/>
+        </a:xfrm>
+      </p:grpSpPr>
+      <p:sp>
+        <p:nvSpPr>
+          <p:cNvPr id="2" name="Title 1"/>
+          <p:cNvSpPr>
+            <a:spLocks noGrp="1"/>
+          </p:cNvSpPr>
+          <p:nvPr>
+            <p:ph type="title"/>
+          </p:nvPr>
+        </p:nvSpPr>
+        <p:spPr>
+          <a:xfrm>
+            <a:off x="457200" y="273050"/>
+            <a:ext cx="3008313" cy="1162050"/>
+          </a:xfrm>
+        </p:spPr>
+        <p:txBody>
+          <a:bodyPr anchor="b"/>
+          <a:lstStyle>
+            <a:lvl1pPr algn="l">
+              <a:defRPr sz="2000" b="1"/>
+            </a:lvl1pPr>
+          </a:lstStyle>
+          <a:p>
+            <a:r>
+              <a:rPr lang="en-US"/>
+              <a:t>Click to edit Master title style</a:t>
+            </a:r>
+          </a:p>
+        </p:txBody>
+      </p:sp>
+      <p:sp>
+        <p:nvSpPr>
+          <p:cNvPr id="3" name="Content Placeholder 2"/>
+          <p:cNvSpPr>
+            <a:spLocks noGrp="1"/>
+          </p:cNvSpPr>
+          <p:nvPr>
+            <p:ph idx="1"/>
+          </p:nvPr>
+        </p:nvSpPr>
+        <p:spPr>
+          <a:xfrm>
+            <a:off x="3575050" y="273050"/>
+            <a:ext cx="5111750" cy="5853113"/>
+          </a:xfrm>
+        </p:spPr>
+        <p:txBody>
+          <a:bodyPr/>
+          <a:lstStyle>
+            <a:lvl1pPr>
+              <a:defRPr sz="3200"/>
+            </a:lvl1pPr>
+            <a:lvl2pPr>
+              <a:defRPr sz="2800"/>
+            </a:lvl2pPr>
+            <a:lvl3pPr>
+              <a:defRPr sz="2400"/>
+            </a:lvl3pPr>
+            <a:lvl4pPr>
+              <a:defRPr sz="2000"/>
+            </a:lvl4pPr>
+            <a:lvl5pPr>
+              <a:defRPr sz="2000"/>
+            </a:lvl5pPr>
+            <a:lvl6pPr>
+              <a:defRPr sz="2000"/>
+            </a:lvl6pPr>
+            <a:lvl7pPr>
+              <a:defRPr sz="2000"/>
+            </a:lvl7pPr>
+            <a:lvl8pPr>
+              <a:defRPr sz="2000"/>
+            </a:lvl8pPr>
+            <a:lvl9pPr>
+              <a:defRPr sz="2000"/>
+            </a:lvl9pPr>
+          </a:lstStyle>
+          <a:p>
+            <a:pPr lvl="0"/>
+            <a:r>
+              <a:rPr lang="en-US"/>
+              <a:t>Click to edit Master text styles</a:t>
+            </a:r>
+          </a:p>
+          <a:p>
+            <a:pPr lvl="1"/>
+            <a:r>
+              <a:rPr lang="en-US"/>
+              <a:t>Second level</a:t>
+            </a:r>
+          </a:p>
+          <a:p>
+            <a:pPr lvl="2"/>
+            <a:r>
+              <a:rPr lang="en-US"/>
+              <a:t>Third level</a:t>
+            </a:r>
+          </a:p>
+          <a:p>
+            <a:pPr lvl="3"/>
+            <a:r>
+              <a:rPr lang="en-US"/>
+              <a:t>Fourth level</a:t>
+            </a:r>
+          </a:p>
+          <a:p>
+            <a:pPr lvl="4"/>
+            <a:r>
+              <a:rPr lang="en-US"/>
+              <a:t>Fifth level</a:t>
+            </a:r>
+          </a:p>
+        </p:txBody>
+      </p:sp>
+      <p:sp>
+        <p:nvSpPr>
+          <p:cNvPr id="4" name="Text Placeholder 3"/>
+          <p:cNvSpPr>
+            <a:spLocks noGrp="1"/>
+          </p:cNvSpPr>
+          <p:nvPr>
+            <p:ph type="body" sz="half" idx="2"/>
+          </p:nvPr>
+        </p:nvSpPr>
+        <p:spPr>
+          <a:xfrm>
+            <a:off x="457200" y="1435100"/>
+            <a:ext cx="3008313" cy="4691063"/>
+          </a:xfrm>
+        </p:spPr>
+        <p:txBody>
+          <a:bodyPr/>
+          <a:lstStyle>
+            <a:lvl1pPr marL="0" indent="0">
+              <a:buNone/>
+              <a:defRPr sz="1400"/>
+            </a:lvl1pPr>
+            <a:lvl2pPr marL="457200" indent="0">
+              <a:buNone/>
+              <a:defRPr sz="1200"/>
+            </a:lvl2pPr>
+            <a:lvl3pPr marL="914400" indent="0">
+              <a:buNone/>
+              <a:defRPr sz="1000"/>
+            </a:lvl3pPr>
+            <a:lvl4pPr marL="1371600" indent="0">
+              <a:buNone/>
+              <a:defRPr sz="900"/>
+            </a:lvl4pPr>
+            <a:lvl5pPr marL="1828800" indent="0">
+              <a:buNone/>
+              <a:defRPr sz="900"/>
+            </a:lvl5pPr>
+            <a:lvl6pPr marL="2286000" indent="0">
+              <a:buNone/>
+              <a:defRPr sz="900"/>
+            </a:lvl6pPr>
+            <a:lvl7pPr marL="2743200" indent="0">
+              <a:buNone/>
+              <a:defRPr sz="900"/>
+            </a:lvl7pPr>
+            <a:lvl8pPr marL="3200400" indent="0">
+              <a:buNone/>
+              <a:defRPr sz="900"/>
+            </a:lvl8pPr>
+            <a:lvl9pPr marL="3657600" indent="0">
+              <a:buNone/>
+              <a:defRPr sz="900"/>
+            </a:lvl9pPr>
+          </a:lstStyle>
+          <a:p>
+            <a:pPr lvl="0"/>
+            <a:r>
+              <a:rPr lang="en-US"/>
+              <a:t>Click to edit Master text styles</a:t>
+            </a:r>
+          </a:p>
+        </p:txBody>
+      </p:sp>
+      <p:sp>
+        <p:nvSpPr>
+          <p:cNvPr id="5" name="Date Placeholder 4"/>
+          <p:cNvSpPr>
+            <a:spLocks noGrp="1"/>
+          </p:cNvSpPr>
+          <p:nvPr>
+            <p:ph type="dt" sz="half" idx="10"/>
+          </p:nvPr>
+        </p:nvSpPr>
+        <p:spPr/>
+        <p:txBody>
+          <a:bodyPr/>
+          <a:lstStyle/>
+          <a:p>
+            <a:r>
+              <a:rPr lang="en-US"/>
+              <a:t>Chapter 8</a:t>
+            </a:r>
+          </a:p>
+        </p:txBody>
+      </p:sp>
+      <p:sp>
+        <p:nvSpPr>
+          <p:cNvPr id="6" name="Footer Placeholder 5"/>
+          <p:cNvSpPr>
+            <a:spLocks noGrp="1"/>
+          </p:cNvSpPr>
+          <p:nvPr>
+            <p:ph type="ftr" sz="quarter" idx="11"/>
+          </p:nvPr>
+        </p:nvSpPr>
+        <p:spPr/>
+        <p:txBody>
+          <a:bodyPr/>
+          <a:lstStyle/>
+          <a:p>
+            <a:r>
+              <a:rPr lang="en-US"/>
+              <a:t>The Cannon Game</a:t>
+            </a:r>
+          </a:p>
+        </p:txBody>
+      </p:sp>
+      <p:sp>
+        <p:nvSpPr>
+          <p:cNvPr id="7" name="Slide Number Placeholder 6"/>
+          <p:cNvSpPr>
+            <a:spLocks noGrp="1"/>
+          </p:cNvSpPr>
+          <p:nvPr>
+            <p:ph type="sldNum" sz="quarter" idx="12"/>
+          </p:nvPr>
+        </p:nvSpPr>
+        <p:spPr/>
+        <p:txBody>
+          <a:bodyPr/>
+          <a:lstStyle/>
+          <a:p>
+            <a:fld id="{B6F15528-21DE-4FAA-801E-634DDDAF4B2B}" type="slidenum">
+              <a:rPr lang="en-US" smtClean="0"/>
+              <a:pPr/>
+              <a:t>‹#›</a:t>
+            </a:fld>
+            <a:endParaRPr lang="en-US"/>
+          </a:p>
+        </p:txBody>
+      </p:sp>
+    </p:spTree>
+    <p:extLst>
+      <p:ext uri="{BB962C8B-B14F-4D97-AF65-F5344CB8AC3E}">
+        <p14:creationId xmlns:p14="http://schemas.microsoft.com/office/powerpoint/2010/main" val="2260788670"/>
+      </p:ext>
+    </p:extLst>
+  </p:cSld>
+  <p:clrMapOvr>
+    <a:masterClrMapping/>
+  </p:clrMapOvr>
+  <mc:AlternateContent xmlns:mc="http://schemas.openxmlformats.org/markup-compatibility/2006" xmlns:p14="http://schemas.microsoft.com/office/powerpoint/2010/main">
+    <mc:Choice Requires="p14">
+      <p:transition p14:dur="10"/>
+    </mc:Choice>
+    <mc:Fallback xmlns="">
+      <p:transition/>
+    </mc:Fallback>
+  </mc:AlternateContent>
 </p:sldLayout>
 </file>
 
@@ -763,7 +3216,7 @@
           <a:p>
             <a:fld id="{C5F54AF0-DD67-41F0-897B-AA0BF403EE70}" type="datetimeFigureOut">
               <a:rPr lang="en-US" smtClean="0"/>
-              <a:t>9/16/2024</a:t>
+              <a:t>9/18/2024</a:t>
             </a:fld>
             <a:endParaRPr lang="en-US"/>
           </a:p>
@@ -821,6 +3274,637 @@
   <p:clrMapOvr>
     <a:masterClrMapping/>
   </p:clrMapOvr>
+</p:sldLayout>
+</file>
+
+<file path=ppt/slideLayouts/slideLayout20.xml><?xml version="1.0" encoding="utf-8"?>
+<p:sldLayout xmlns:a="http://schemas.openxmlformats.org/drawingml/2006/main" xmlns:r="http://schemas.openxmlformats.org/officeDocument/2006/relationships" xmlns:p="http://schemas.openxmlformats.org/presentationml/2006/main" type="picTx" preserve="1">
+  <p:cSld name="Picture with Caption">
+    <p:spTree>
+      <p:nvGrpSpPr>
+        <p:cNvPr id="1" name=""/>
+        <p:cNvGrpSpPr/>
+        <p:nvPr/>
+      </p:nvGrpSpPr>
+      <p:grpSpPr>
+        <a:xfrm>
+          <a:off x="0" y="0"/>
+          <a:ext cx="0" cy="0"/>
+          <a:chOff x="0" y="0"/>
+          <a:chExt cx="0" cy="0"/>
+        </a:xfrm>
+      </p:grpSpPr>
+      <p:sp>
+        <p:nvSpPr>
+          <p:cNvPr id="2" name="Title 1"/>
+          <p:cNvSpPr>
+            <a:spLocks noGrp="1"/>
+          </p:cNvSpPr>
+          <p:nvPr>
+            <p:ph type="title"/>
+          </p:nvPr>
+        </p:nvSpPr>
+        <p:spPr>
+          <a:xfrm>
+            <a:off x="1792288" y="4800600"/>
+            <a:ext cx="5486400" cy="566738"/>
+          </a:xfrm>
+        </p:spPr>
+        <p:txBody>
+          <a:bodyPr anchor="b"/>
+          <a:lstStyle>
+            <a:lvl1pPr algn="l">
+              <a:defRPr sz="2000" b="1"/>
+            </a:lvl1pPr>
+          </a:lstStyle>
+          <a:p>
+            <a:r>
+              <a:rPr lang="en-US"/>
+              <a:t>Click to edit Master title style</a:t>
+            </a:r>
+          </a:p>
+        </p:txBody>
+      </p:sp>
+      <p:sp>
+        <p:nvSpPr>
+          <p:cNvPr id="3" name="Picture Placeholder 2"/>
+          <p:cNvSpPr>
+            <a:spLocks noGrp="1"/>
+          </p:cNvSpPr>
+          <p:nvPr>
+            <p:ph type="pic" idx="1"/>
+          </p:nvPr>
+        </p:nvSpPr>
+        <p:spPr>
+          <a:xfrm>
+            <a:off x="1792288" y="612775"/>
+            <a:ext cx="5486400" cy="4114800"/>
+          </a:xfrm>
+        </p:spPr>
+        <p:txBody>
+          <a:bodyPr/>
+          <a:lstStyle>
+            <a:lvl1pPr marL="0" indent="0">
+              <a:buNone/>
+              <a:defRPr sz="3200"/>
+            </a:lvl1pPr>
+            <a:lvl2pPr marL="457200" indent="0">
+              <a:buNone/>
+              <a:defRPr sz="2800"/>
+            </a:lvl2pPr>
+            <a:lvl3pPr marL="914400" indent="0">
+              <a:buNone/>
+              <a:defRPr sz="2400"/>
+            </a:lvl3pPr>
+            <a:lvl4pPr marL="1371600" indent="0">
+              <a:buNone/>
+              <a:defRPr sz="2000"/>
+            </a:lvl4pPr>
+            <a:lvl5pPr marL="1828800" indent="0">
+              <a:buNone/>
+              <a:defRPr sz="2000"/>
+            </a:lvl5pPr>
+            <a:lvl6pPr marL="2286000" indent="0">
+              <a:buNone/>
+              <a:defRPr sz="2000"/>
+            </a:lvl6pPr>
+            <a:lvl7pPr marL="2743200" indent="0">
+              <a:buNone/>
+              <a:defRPr sz="2000"/>
+            </a:lvl7pPr>
+            <a:lvl8pPr marL="3200400" indent="0">
+              <a:buNone/>
+              <a:defRPr sz="2000"/>
+            </a:lvl8pPr>
+            <a:lvl9pPr marL="3657600" indent="0">
+              <a:buNone/>
+              <a:defRPr sz="2000"/>
+            </a:lvl9pPr>
+          </a:lstStyle>
+          <a:p>
+            <a:endParaRPr lang="en-US"/>
+          </a:p>
+        </p:txBody>
+      </p:sp>
+      <p:sp>
+        <p:nvSpPr>
+          <p:cNvPr id="4" name="Text Placeholder 3"/>
+          <p:cNvSpPr>
+            <a:spLocks noGrp="1"/>
+          </p:cNvSpPr>
+          <p:nvPr>
+            <p:ph type="body" sz="half" idx="2"/>
+          </p:nvPr>
+        </p:nvSpPr>
+        <p:spPr>
+          <a:xfrm>
+            <a:off x="1792288" y="5367338"/>
+            <a:ext cx="5486400" cy="804862"/>
+          </a:xfrm>
+        </p:spPr>
+        <p:txBody>
+          <a:bodyPr/>
+          <a:lstStyle>
+            <a:lvl1pPr marL="0" indent="0">
+              <a:buNone/>
+              <a:defRPr sz="1400"/>
+            </a:lvl1pPr>
+            <a:lvl2pPr marL="457200" indent="0">
+              <a:buNone/>
+              <a:defRPr sz="1200"/>
+            </a:lvl2pPr>
+            <a:lvl3pPr marL="914400" indent="0">
+              <a:buNone/>
+              <a:defRPr sz="1000"/>
+            </a:lvl3pPr>
+            <a:lvl4pPr marL="1371600" indent="0">
+              <a:buNone/>
+              <a:defRPr sz="900"/>
+            </a:lvl4pPr>
+            <a:lvl5pPr marL="1828800" indent="0">
+              <a:buNone/>
+              <a:defRPr sz="900"/>
+            </a:lvl5pPr>
+            <a:lvl6pPr marL="2286000" indent="0">
+              <a:buNone/>
+              <a:defRPr sz="900"/>
+            </a:lvl6pPr>
+            <a:lvl7pPr marL="2743200" indent="0">
+              <a:buNone/>
+              <a:defRPr sz="900"/>
+            </a:lvl7pPr>
+            <a:lvl8pPr marL="3200400" indent="0">
+              <a:buNone/>
+              <a:defRPr sz="900"/>
+            </a:lvl8pPr>
+            <a:lvl9pPr marL="3657600" indent="0">
+              <a:buNone/>
+              <a:defRPr sz="900"/>
+            </a:lvl9pPr>
+          </a:lstStyle>
+          <a:p>
+            <a:pPr lvl="0"/>
+            <a:r>
+              <a:rPr lang="en-US"/>
+              <a:t>Click to edit Master text styles</a:t>
+            </a:r>
+          </a:p>
+        </p:txBody>
+      </p:sp>
+      <p:sp>
+        <p:nvSpPr>
+          <p:cNvPr id="5" name="Date Placeholder 4"/>
+          <p:cNvSpPr>
+            <a:spLocks noGrp="1"/>
+          </p:cNvSpPr>
+          <p:nvPr>
+            <p:ph type="dt" sz="half" idx="10"/>
+          </p:nvPr>
+        </p:nvSpPr>
+        <p:spPr/>
+        <p:txBody>
+          <a:bodyPr/>
+          <a:lstStyle/>
+          <a:p>
+            <a:r>
+              <a:rPr lang="en-US"/>
+              <a:t>Chapter 8</a:t>
+            </a:r>
+          </a:p>
+        </p:txBody>
+      </p:sp>
+      <p:sp>
+        <p:nvSpPr>
+          <p:cNvPr id="6" name="Footer Placeholder 5"/>
+          <p:cNvSpPr>
+            <a:spLocks noGrp="1"/>
+          </p:cNvSpPr>
+          <p:nvPr>
+            <p:ph type="ftr" sz="quarter" idx="11"/>
+          </p:nvPr>
+        </p:nvSpPr>
+        <p:spPr/>
+        <p:txBody>
+          <a:bodyPr/>
+          <a:lstStyle/>
+          <a:p>
+            <a:r>
+              <a:rPr lang="en-US"/>
+              <a:t>The Cannon Game</a:t>
+            </a:r>
+          </a:p>
+        </p:txBody>
+      </p:sp>
+      <p:sp>
+        <p:nvSpPr>
+          <p:cNvPr id="7" name="Slide Number Placeholder 6"/>
+          <p:cNvSpPr>
+            <a:spLocks noGrp="1"/>
+          </p:cNvSpPr>
+          <p:nvPr>
+            <p:ph type="sldNum" sz="quarter" idx="12"/>
+          </p:nvPr>
+        </p:nvSpPr>
+        <p:spPr/>
+        <p:txBody>
+          <a:bodyPr/>
+          <a:lstStyle/>
+          <a:p>
+            <a:fld id="{B6F15528-21DE-4FAA-801E-634DDDAF4B2B}" type="slidenum">
+              <a:rPr lang="en-US" smtClean="0"/>
+              <a:pPr/>
+              <a:t>‹#›</a:t>
+            </a:fld>
+            <a:endParaRPr lang="en-US"/>
+          </a:p>
+        </p:txBody>
+      </p:sp>
+    </p:spTree>
+    <p:extLst>
+      <p:ext uri="{BB962C8B-B14F-4D97-AF65-F5344CB8AC3E}">
+        <p14:creationId xmlns:p14="http://schemas.microsoft.com/office/powerpoint/2010/main" val="212672939"/>
+      </p:ext>
+    </p:extLst>
+  </p:cSld>
+  <p:clrMapOvr>
+    <a:masterClrMapping/>
+  </p:clrMapOvr>
+  <mc:AlternateContent xmlns:mc="http://schemas.openxmlformats.org/markup-compatibility/2006" xmlns:p14="http://schemas.microsoft.com/office/powerpoint/2010/main">
+    <mc:Choice Requires="p14">
+      <p:transition p14:dur="10"/>
+    </mc:Choice>
+    <mc:Fallback xmlns="">
+      <p:transition/>
+    </mc:Fallback>
+  </mc:AlternateContent>
+</p:sldLayout>
+</file>
+
+<file path=ppt/slideLayouts/slideLayout21.xml><?xml version="1.0" encoding="utf-8"?>
+<p:sldLayout xmlns:a="http://schemas.openxmlformats.org/drawingml/2006/main" xmlns:r="http://schemas.openxmlformats.org/officeDocument/2006/relationships" xmlns:p="http://schemas.openxmlformats.org/presentationml/2006/main" type="vertTx" preserve="1">
+  <p:cSld name="Title and Vertical Text">
+    <p:spTree>
+      <p:nvGrpSpPr>
+        <p:cNvPr id="1" name=""/>
+        <p:cNvGrpSpPr/>
+        <p:nvPr/>
+      </p:nvGrpSpPr>
+      <p:grpSpPr>
+        <a:xfrm>
+          <a:off x="0" y="0"/>
+          <a:ext cx="0" cy="0"/>
+          <a:chOff x="0" y="0"/>
+          <a:chExt cx="0" cy="0"/>
+        </a:xfrm>
+      </p:grpSpPr>
+      <p:sp>
+        <p:nvSpPr>
+          <p:cNvPr id="2" name="Title 1"/>
+          <p:cNvSpPr>
+            <a:spLocks noGrp="1"/>
+          </p:cNvSpPr>
+          <p:nvPr>
+            <p:ph type="title"/>
+          </p:nvPr>
+        </p:nvSpPr>
+        <p:spPr/>
+        <p:txBody>
+          <a:bodyPr/>
+          <a:lstStyle/>
+          <a:p>
+            <a:r>
+              <a:rPr lang="en-US"/>
+              <a:t>Click to edit Master title style</a:t>
+            </a:r>
+          </a:p>
+        </p:txBody>
+      </p:sp>
+      <p:sp>
+        <p:nvSpPr>
+          <p:cNvPr id="3" name="Vertical Text Placeholder 2"/>
+          <p:cNvSpPr>
+            <a:spLocks noGrp="1"/>
+          </p:cNvSpPr>
+          <p:nvPr>
+            <p:ph type="body" orient="vert" idx="1"/>
+          </p:nvPr>
+        </p:nvSpPr>
+        <p:spPr/>
+        <p:txBody>
+          <a:bodyPr vert="eaVert"/>
+          <a:lstStyle/>
+          <a:p>
+            <a:pPr lvl="0"/>
+            <a:r>
+              <a:rPr lang="en-US"/>
+              <a:t>Click to edit Master text styles</a:t>
+            </a:r>
+          </a:p>
+          <a:p>
+            <a:pPr lvl="1"/>
+            <a:r>
+              <a:rPr lang="en-US"/>
+              <a:t>Second level</a:t>
+            </a:r>
+          </a:p>
+          <a:p>
+            <a:pPr lvl="2"/>
+            <a:r>
+              <a:rPr lang="en-US"/>
+              <a:t>Third level</a:t>
+            </a:r>
+          </a:p>
+          <a:p>
+            <a:pPr lvl="3"/>
+            <a:r>
+              <a:rPr lang="en-US"/>
+              <a:t>Fourth level</a:t>
+            </a:r>
+          </a:p>
+          <a:p>
+            <a:pPr lvl="4"/>
+            <a:r>
+              <a:rPr lang="en-US"/>
+              <a:t>Fifth level</a:t>
+            </a:r>
+          </a:p>
+        </p:txBody>
+      </p:sp>
+      <p:sp>
+        <p:nvSpPr>
+          <p:cNvPr id="4" name="Date Placeholder 3"/>
+          <p:cNvSpPr>
+            <a:spLocks noGrp="1"/>
+          </p:cNvSpPr>
+          <p:nvPr>
+            <p:ph type="dt" sz="half" idx="10"/>
+          </p:nvPr>
+        </p:nvSpPr>
+        <p:spPr/>
+        <p:txBody>
+          <a:bodyPr/>
+          <a:lstStyle/>
+          <a:p>
+            <a:r>
+              <a:rPr lang="en-US"/>
+              <a:t>Chapter 8</a:t>
+            </a:r>
+          </a:p>
+        </p:txBody>
+      </p:sp>
+      <p:sp>
+        <p:nvSpPr>
+          <p:cNvPr id="5" name="Footer Placeholder 4"/>
+          <p:cNvSpPr>
+            <a:spLocks noGrp="1"/>
+          </p:cNvSpPr>
+          <p:nvPr>
+            <p:ph type="ftr" sz="quarter" idx="11"/>
+          </p:nvPr>
+        </p:nvSpPr>
+        <p:spPr/>
+        <p:txBody>
+          <a:bodyPr/>
+          <a:lstStyle/>
+          <a:p>
+            <a:r>
+              <a:rPr lang="en-US"/>
+              <a:t>The Cannon Game</a:t>
+            </a:r>
+          </a:p>
+        </p:txBody>
+      </p:sp>
+      <p:sp>
+        <p:nvSpPr>
+          <p:cNvPr id="6" name="Slide Number Placeholder 5"/>
+          <p:cNvSpPr>
+            <a:spLocks noGrp="1"/>
+          </p:cNvSpPr>
+          <p:nvPr>
+            <p:ph type="sldNum" sz="quarter" idx="12"/>
+          </p:nvPr>
+        </p:nvSpPr>
+        <p:spPr/>
+        <p:txBody>
+          <a:bodyPr/>
+          <a:lstStyle/>
+          <a:p>
+            <a:fld id="{B6F15528-21DE-4FAA-801E-634DDDAF4B2B}" type="slidenum">
+              <a:rPr lang="en-US" smtClean="0"/>
+              <a:pPr/>
+              <a:t>‹#›</a:t>
+            </a:fld>
+            <a:endParaRPr lang="en-US"/>
+          </a:p>
+        </p:txBody>
+      </p:sp>
+    </p:spTree>
+    <p:extLst>
+      <p:ext uri="{BB962C8B-B14F-4D97-AF65-F5344CB8AC3E}">
+        <p14:creationId xmlns:p14="http://schemas.microsoft.com/office/powerpoint/2010/main" val="327437318"/>
+      </p:ext>
+    </p:extLst>
+  </p:cSld>
+  <p:clrMapOvr>
+    <a:masterClrMapping/>
+  </p:clrMapOvr>
+  <mc:AlternateContent xmlns:mc="http://schemas.openxmlformats.org/markup-compatibility/2006" xmlns:p14="http://schemas.microsoft.com/office/powerpoint/2010/main">
+    <mc:Choice Requires="p14">
+      <p:transition p14:dur="10"/>
+    </mc:Choice>
+    <mc:Fallback xmlns="">
+      <p:transition/>
+    </mc:Fallback>
+  </mc:AlternateContent>
+</p:sldLayout>
+</file>
+
+<file path=ppt/slideLayouts/slideLayout22.xml><?xml version="1.0" encoding="utf-8"?>
+<p:sldLayout xmlns:a="http://schemas.openxmlformats.org/drawingml/2006/main" xmlns:r="http://schemas.openxmlformats.org/officeDocument/2006/relationships" xmlns:p="http://schemas.openxmlformats.org/presentationml/2006/main" type="vertTitleAndTx" preserve="1">
+  <p:cSld name="Vertical Title and Text">
+    <p:spTree>
+      <p:nvGrpSpPr>
+        <p:cNvPr id="1" name=""/>
+        <p:cNvGrpSpPr/>
+        <p:nvPr/>
+      </p:nvGrpSpPr>
+      <p:grpSpPr>
+        <a:xfrm>
+          <a:off x="0" y="0"/>
+          <a:ext cx="0" cy="0"/>
+          <a:chOff x="0" y="0"/>
+          <a:chExt cx="0" cy="0"/>
+        </a:xfrm>
+      </p:grpSpPr>
+      <p:sp>
+        <p:nvSpPr>
+          <p:cNvPr id="2" name="Vertical Title 1"/>
+          <p:cNvSpPr>
+            <a:spLocks noGrp="1"/>
+          </p:cNvSpPr>
+          <p:nvPr>
+            <p:ph type="title" orient="vert"/>
+          </p:nvPr>
+        </p:nvSpPr>
+        <p:spPr>
+          <a:xfrm>
+            <a:off x="6629400" y="274638"/>
+            <a:ext cx="2057400" cy="5851525"/>
+          </a:xfrm>
+        </p:spPr>
+        <p:txBody>
+          <a:bodyPr vert="eaVert"/>
+          <a:lstStyle/>
+          <a:p>
+            <a:r>
+              <a:rPr lang="en-US"/>
+              <a:t>Click to edit Master title style</a:t>
+            </a:r>
+          </a:p>
+        </p:txBody>
+      </p:sp>
+      <p:sp>
+        <p:nvSpPr>
+          <p:cNvPr id="3" name="Vertical Text Placeholder 2"/>
+          <p:cNvSpPr>
+            <a:spLocks noGrp="1"/>
+          </p:cNvSpPr>
+          <p:nvPr>
+            <p:ph type="body" orient="vert" idx="1"/>
+          </p:nvPr>
+        </p:nvSpPr>
+        <p:spPr>
+          <a:xfrm>
+            <a:off x="457200" y="274638"/>
+            <a:ext cx="6019800" cy="5851525"/>
+          </a:xfrm>
+        </p:spPr>
+        <p:txBody>
+          <a:bodyPr vert="eaVert"/>
+          <a:lstStyle/>
+          <a:p>
+            <a:pPr lvl="0"/>
+            <a:r>
+              <a:rPr lang="en-US"/>
+              <a:t>Click to edit Master text styles</a:t>
+            </a:r>
+          </a:p>
+          <a:p>
+            <a:pPr lvl="1"/>
+            <a:r>
+              <a:rPr lang="en-US"/>
+              <a:t>Second level</a:t>
+            </a:r>
+          </a:p>
+          <a:p>
+            <a:pPr lvl="2"/>
+            <a:r>
+              <a:rPr lang="en-US"/>
+              <a:t>Third level</a:t>
+            </a:r>
+          </a:p>
+          <a:p>
+            <a:pPr lvl="3"/>
+            <a:r>
+              <a:rPr lang="en-US"/>
+              <a:t>Fourth level</a:t>
+            </a:r>
+          </a:p>
+          <a:p>
+            <a:pPr lvl="4"/>
+            <a:r>
+              <a:rPr lang="en-US"/>
+              <a:t>Fifth level</a:t>
+            </a:r>
+          </a:p>
+        </p:txBody>
+      </p:sp>
+      <p:sp>
+        <p:nvSpPr>
+          <p:cNvPr id="4" name="Date Placeholder 3"/>
+          <p:cNvSpPr>
+            <a:spLocks noGrp="1"/>
+          </p:cNvSpPr>
+          <p:nvPr>
+            <p:ph type="dt" sz="half" idx="10"/>
+          </p:nvPr>
+        </p:nvSpPr>
+        <p:spPr/>
+        <p:txBody>
+          <a:bodyPr/>
+          <a:lstStyle/>
+          <a:p>
+            <a:r>
+              <a:rPr lang="en-US"/>
+              <a:t>Chapter 8</a:t>
+            </a:r>
+          </a:p>
+        </p:txBody>
+      </p:sp>
+      <p:sp>
+        <p:nvSpPr>
+          <p:cNvPr id="5" name="Footer Placeholder 4"/>
+          <p:cNvSpPr>
+            <a:spLocks noGrp="1"/>
+          </p:cNvSpPr>
+          <p:nvPr>
+            <p:ph type="ftr" sz="quarter" idx="11"/>
+          </p:nvPr>
+        </p:nvSpPr>
+        <p:spPr/>
+        <p:txBody>
+          <a:bodyPr/>
+          <a:lstStyle/>
+          <a:p>
+            <a:r>
+              <a:rPr lang="en-US"/>
+              <a:t>The Cannon Game</a:t>
+            </a:r>
+          </a:p>
+        </p:txBody>
+      </p:sp>
+      <p:sp>
+        <p:nvSpPr>
+          <p:cNvPr id="6" name="Slide Number Placeholder 5"/>
+          <p:cNvSpPr>
+            <a:spLocks noGrp="1"/>
+          </p:cNvSpPr>
+          <p:nvPr>
+            <p:ph type="sldNum" sz="quarter" idx="12"/>
+          </p:nvPr>
+        </p:nvSpPr>
+        <p:spPr/>
+        <p:txBody>
+          <a:bodyPr/>
+          <a:lstStyle/>
+          <a:p>
+            <a:fld id="{B6F15528-21DE-4FAA-801E-634DDDAF4B2B}" type="slidenum">
+              <a:rPr lang="en-US" smtClean="0"/>
+              <a:pPr/>
+              <a:t>‹#›</a:t>
+            </a:fld>
+            <a:endParaRPr lang="en-US"/>
+          </a:p>
+        </p:txBody>
+      </p:sp>
+    </p:spTree>
+    <p:extLst>
+      <p:ext uri="{BB962C8B-B14F-4D97-AF65-F5344CB8AC3E}">
+        <p14:creationId xmlns:p14="http://schemas.microsoft.com/office/powerpoint/2010/main" val="3573879624"/>
+      </p:ext>
+    </p:extLst>
+  </p:cSld>
+  <p:clrMapOvr>
+    <a:masterClrMapping/>
+  </p:clrMapOvr>
+  <mc:AlternateContent xmlns:mc="http://schemas.openxmlformats.org/markup-compatibility/2006" xmlns:p14="http://schemas.microsoft.com/office/powerpoint/2010/main">
+    <mc:Choice Requires="p14">
+      <p:transition p14:dur="10"/>
+    </mc:Choice>
+    <mc:Fallback xmlns="">
+      <p:transition/>
+    </mc:Fallback>
+  </mc:AlternateContent>
 </p:sldLayout>
 </file>
 
@@ -1007,7 +4091,7 @@
           <a:p>
             <a:fld id="{C5F54AF0-DD67-41F0-897B-AA0BF403EE70}" type="datetimeFigureOut">
               <a:rPr lang="en-US" smtClean="0"/>
-              <a:t>9/16/2024</a:t>
+              <a:t>9/18/2024</a:t>
             </a:fld>
             <a:endParaRPr lang="en-US"/>
           </a:p>
@@ -1239,7 +4323,7 @@
           <a:p>
             <a:fld id="{C5F54AF0-DD67-41F0-897B-AA0BF403EE70}" type="datetimeFigureOut">
               <a:rPr lang="en-US" smtClean="0"/>
-              <a:t>9/16/2024</a:t>
+              <a:t>9/18/2024</a:t>
             </a:fld>
             <a:endParaRPr lang="en-US"/>
           </a:p>
@@ -1606,7 +4690,7 @@
           <a:p>
             <a:fld id="{C5F54AF0-DD67-41F0-897B-AA0BF403EE70}" type="datetimeFigureOut">
               <a:rPr lang="en-US" smtClean="0"/>
-              <a:t>9/16/2024</a:t>
+              <a:t>9/18/2024</a:t>
             </a:fld>
             <a:endParaRPr lang="en-US"/>
           </a:p>
@@ -1724,7 +4808,7 @@
           <a:p>
             <a:fld id="{C5F54AF0-DD67-41F0-897B-AA0BF403EE70}" type="datetimeFigureOut">
               <a:rPr lang="en-US" smtClean="0"/>
-              <a:t>9/16/2024</a:t>
+              <a:t>9/18/2024</a:t>
             </a:fld>
             <a:endParaRPr lang="en-US"/>
           </a:p>
@@ -1819,7 +4903,7 @@
           <a:p>
             <a:fld id="{C5F54AF0-DD67-41F0-897B-AA0BF403EE70}" type="datetimeFigureOut">
               <a:rPr lang="en-US" smtClean="0"/>
-              <a:t>9/16/2024</a:t>
+              <a:t>9/18/2024</a:t>
             </a:fld>
             <a:endParaRPr lang="en-US"/>
           </a:p>
@@ -2096,7 +5180,7 @@
           <a:p>
             <a:fld id="{C5F54AF0-DD67-41F0-897B-AA0BF403EE70}" type="datetimeFigureOut">
               <a:rPr lang="en-US" smtClean="0"/>
-              <a:t>9/16/2024</a:t>
+              <a:t>9/18/2024</a:t>
             </a:fld>
             <a:endParaRPr lang="en-US"/>
           </a:p>
@@ -2353,7 +5437,7 @@
           <a:p>
             <a:fld id="{C5F54AF0-DD67-41F0-897B-AA0BF403EE70}" type="datetimeFigureOut">
               <a:rPr lang="en-US" smtClean="0"/>
-              <a:t>9/16/2024</a:t>
+              <a:t>9/18/2024</a:t>
             </a:fld>
             <a:endParaRPr lang="en-US"/>
           </a:p>
@@ -2566,7 +5650,7 @@
           <a:p>
             <a:fld id="{C5F54AF0-DD67-41F0-897B-AA0BF403EE70}" type="datetimeFigureOut">
               <a:rPr lang="en-US" smtClean="0"/>
-              <a:t>9/16/2024</a:t>
+              <a:t>9/18/2024</a:t>
             </a:fld>
             <a:endParaRPr lang="en-US"/>
           </a:p>
@@ -2954,6 +6038,526 @@
 </p:sldMaster>
 </file>
 
+<file path=ppt/slideMasters/slideMaster2.xml><?xml version="1.0" encoding="utf-8"?>
+<p:sldMaster xmlns:a="http://schemas.openxmlformats.org/drawingml/2006/main" xmlns:r="http://schemas.openxmlformats.org/officeDocument/2006/relationships" xmlns:p="http://schemas.openxmlformats.org/presentationml/2006/main">
+  <p:cSld>
+    <p:bg>
+      <p:bgRef idx="1001">
+        <a:schemeClr val="bg1"/>
+      </p:bgRef>
+    </p:bg>
+    <p:spTree>
+      <p:nvGrpSpPr>
+        <p:cNvPr id="1" name=""/>
+        <p:cNvGrpSpPr/>
+        <p:nvPr/>
+      </p:nvGrpSpPr>
+      <p:grpSpPr>
+        <a:xfrm>
+          <a:off x="0" y="0"/>
+          <a:ext cx="0" cy="0"/>
+          <a:chOff x="0" y="0"/>
+          <a:chExt cx="0" cy="0"/>
+        </a:xfrm>
+      </p:grpSpPr>
+      <p:sp>
+        <p:nvSpPr>
+          <p:cNvPr id="2" name="Title Placeholder 1"/>
+          <p:cNvSpPr>
+            <a:spLocks noGrp="1"/>
+          </p:cNvSpPr>
+          <p:nvPr>
+            <p:ph type="title"/>
+          </p:nvPr>
+        </p:nvSpPr>
+        <p:spPr>
+          <a:xfrm>
+            <a:off x="457200" y="274638"/>
+            <a:ext cx="8229600" cy="1143000"/>
+          </a:xfrm>
+          <a:prstGeom prst="rect">
+            <a:avLst/>
+          </a:prstGeom>
+        </p:spPr>
+        <p:txBody>
+          <a:bodyPr vert="horz" lIns="91440" tIns="45720" rIns="91440" bIns="45720" rtlCol="0" anchor="ctr">
+            <a:normAutofit/>
+          </a:bodyPr>
+          <a:lstStyle/>
+          <a:p>
+            <a:r>
+              <a:rPr lang="en-US"/>
+              <a:t>Click to edit Master title style</a:t>
+            </a:r>
+          </a:p>
+        </p:txBody>
+      </p:sp>
+      <p:sp>
+        <p:nvSpPr>
+          <p:cNvPr id="3" name="Text Placeholder 2"/>
+          <p:cNvSpPr>
+            <a:spLocks noGrp="1"/>
+          </p:cNvSpPr>
+          <p:nvPr>
+            <p:ph type="body" idx="1"/>
+          </p:nvPr>
+        </p:nvSpPr>
+        <p:spPr>
+          <a:xfrm>
+            <a:off x="457200" y="1600200"/>
+            <a:ext cx="8229600" cy="4525963"/>
+          </a:xfrm>
+          <a:prstGeom prst="rect">
+            <a:avLst/>
+          </a:prstGeom>
+        </p:spPr>
+        <p:txBody>
+          <a:bodyPr vert="horz" lIns="91440" tIns="45720" rIns="91440" bIns="45720" rtlCol="0">
+            <a:normAutofit/>
+          </a:bodyPr>
+          <a:lstStyle/>
+          <a:p>
+            <a:pPr lvl="0"/>
+            <a:r>
+              <a:rPr lang="en-US"/>
+              <a:t>Click to edit Master text styles</a:t>
+            </a:r>
+          </a:p>
+          <a:p>
+            <a:pPr lvl="1"/>
+            <a:r>
+              <a:rPr lang="en-US"/>
+              <a:t>Second level</a:t>
+            </a:r>
+          </a:p>
+          <a:p>
+            <a:pPr lvl="2"/>
+            <a:r>
+              <a:rPr lang="en-US"/>
+              <a:t>Third level</a:t>
+            </a:r>
+          </a:p>
+          <a:p>
+            <a:pPr lvl="3"/>
+            <a:r>
+              <a:rPr lang="en-US"/>
+              <a:t>Fourth level</a:t>
+            </a:r>
+          </a:p>
+          <a:p>
+            <a:pPr lvl="4"/>
+            <a:r>
+              <a:rPr lang="en-US"/>
+              <a:t>Fifth level</a:t>
+            </a:r>
+          </a:p>
+        </p:txBody>
+      </p:sp>
+      <p:sp>
+        <p:nvSpPr>
+          <p:cNvPr id="4" name="Date Placeholder 3"/>
+          <p:cNvSpPr>
+            <a:spLocks noGrp="1"/>
+          </p:cNvSpPr>
+          <p:nvPr>
+            <p:ph type="dt" sz="half" idx="2"/>
+          </p:nvPr>
+        </p:nvSpPr>
+        <p:spPr>
+          <a:xfrm>
+            <a:off x="457200" y="6356350"/>
+            <a:ext cx="2133600" cy="365125"/>
+          </a:xfrm>
+          <a:prstGeom prst="rect">
+            <a:avLst/>
+          </a:prstGeom>
+        </p:spPr>
+        <p:txBody>
+          <a:bodyPr vert="horz" lIns="91440" tIns="45720" rIns="91440" bIns="45720" rtlCol="0" anchor="ctr"/>
+          <a:lstStyle>
+            <a:lvl1pPr algn="l">
+              <a:defRPr sz="1200">
+                <a:solidFill>
+                  <a:schemeClr val="tx1">
+                    <a:tint val="75000"/>
+                  </a:schemeClr>
+                </a:solidFill>
+              </a:defRPr>
+            </a:lvl1pPr>
+          </a:lstStyle>
+          <a:p>
+            <a:r>
+              <a:rPr lang="en-US"/>
+              <a:t>Chapter 8</a:t>
+            </a:r>
+          </a:p>
+        </p:txBody>
+      </p:sp>
+      <p:sp>
+        <p:nvSpPr>
+          <p:cNvPr id="5" name="Footer Placeholder 4"/>
+          <p:cNvSpPr>
+            <a:spLocks noGrp="1"/>
+          </p:cNvSpPr>
+          <p:nvPr>
+            <p:ph type="ftr" sz="quarter" idx="3"/>
+          </p:nvPr>
+        </p:nvSpPr>
+        <p:spPr>
+          <a:xfrm>
+            <a:off x="3124200" y="6356350"/>
+            <a:ext cx="2895600" cy="365125"/>
+          </a:xfrm>
+          <a:prstGeom prst="rect">
+            <a:avLst/>
+          </a:prstGeom>
+        </p:spPr>
+        <p:txBody>
+          <a:bodyPr vert="horz" lIns="91440" tIns="45720" rIns="91440" bIns="45720" rtlCol="0" anchor="ctr"/>
+          <a:lstStyle>
+            <a:lvl1pPr algn="ctr">
+              <a:defRPr sz="1200">
+                <a:solidFill>
+                  <a:schemeClr val="tx1">
+                    <a:tint val="75000"/>
+                  </a:schemeClr>
+                </a:solidFill>
+              </a:defRPr>
+            </a:lvl1pPr>
+          </a:lstStyle>
+          <a:p>
+            <a:r>
+              <a:rPr lang="en-US"/>
+              <a:t>The Cannon Game</a:t>
+            </a:r>
+          </a:p>
+        </p:txBody>
+      </p:sp>
+      <p:sp>
+        <p:nvSpPr>
+          <p:cNvPr id="6" name="Slide Number Placeholder 5"/>
+          <p:cNvSpPr>
+            <a:spLocks noGrp="1"/>
+          </p:cNvSpPr>
+          <p:nvPr>
+            <p:ph type="sldNum" sz="quarter" idx="4"/>
+          </p:nvPr>
+        </p:nvSpPr>
+        <p:spPr>
+          <a:xfrm>
+            <a:off x="6553200" y="6356350"/>
+            <a:ext cx="2133600" cy="365125"/>
+          </a:xfrm>
+          <a:prstGeom prst="rect">
+            <a:avLst/>
+          </a:prstGeom>
+        </p:spPr>
+        <p:txBody>
+          <a:bodyPr vert="horz" lIns="91440" tIns="45720" rIns="91440" bIns="45720" rtlCol="0" anchor="ctr"/>
+          <a:lstStyle>
+            <a:lvl1pPr algn="r">
+              <a:defRPr sz="1200">
+                <a:solidFill>
+                  <a:schemeClr val="tx1">
+                    <a:tint val="75000"/>
+                  </a:schemeClr>
+                </a:solidFill>
+              </a:defRPr>
+            </a:lvl1pPr>
+          </a:lstStyle>
+          <a:p>
+            <a:fld id="{B6F15528-21DE-4FAA-801E-634DDDAF4B2B}" type="slidenum">
+              <a:rPr lang="en-US" smtClean="0"/>
+              <a:pPr/>
+              <a:t>‹#›</a:t>
+            </a:fld>
+            <a:endParaRPr lang="en-US"/>
+          </a:p>
+        </p:txBody>
+      </p:sp>
+    </p:spTree>
+    <p:extLst>
+      <p:ext uri="{BB962C8B-B14F-4D97-AF65-F5344CB8AC3E}">
+        <p14:creationId xmlns:p14="http://schemas.microsoft.com/office/powerpoint/2010/main" val="22682208"/>
+      </p:ext>
+    </p:extLst>
+  </p:cSld>
+  <p:clrMap bg1="lt1" tx1="dk1" bg2="lt2" tx2="dk2" accent1="accent1" accent2="accent2" accent3="accent3" accent4="accent4" accent5="accent5" accent6="accent6" hlink="hlink" folHlink="folHlink"/>
+  <p:sldLayoutIdLst>
+    <p:sldLayoutId id="2147483673" r:id="rId1"/>
+    <p:sldLayoutId id="2147483674" r:id="rId2"/>
+    <p:sldLayoutId id="2147483675" r:id="rId3"/>
+    <p:sldLayoutId id="2147483676" r:id="rId4"/>
+    <p:sldLayoutId id="2147483677" r:id="rId5"/>
+    <p:sldLayoutId id="2147483678" r:id="rId6"/>
+    <p:sldLayoutId id="2147483679" r:id="rId7"/>
+    <p:sldLayoutId id="2147483680" r:id="rId8"/>
+    <p:sldLayoutId id="2147483681" r:id="rId9"/>
+    <p:sldLayoutId id="2147483682" r:id="rId10"/>
+    <p:sldLayoutId id="2147483683" r:id="rId11"/>
+  </p:sldLayoutIdLst>
+  <mc:AlternateContent xmlns:mc="http://schemas.openxmlformats.org/markup-compatibility/2006" xmlns:p14="http://schemas.microsoft.com/office/powerpoint/2010/main">
+    <mc:Choice Requires="p14">
+      <p:transition p14:dur="10"/>
+    </mc:Choice>
+    <mc:Fallback xmlns="">
+      <p:transition/>
+    </mc:Fallback>
+  </mc:AlternateContent>
+  <p:hf hdr="0" dt="0"/>
+  <p:txStyles>
+    <p:titleStyle>
+      <a:lvl1pPr algn="ctr" defTabSz="914400" rtl="0" eaLnBrk="1" latinLnBrk="0" hangingPunct="1">
+        <a:spcBef>
+          <a:spcPct val="0"/>
+        </a:spcBef>
+        <a:buNone/>
+        <a:defRPr sz="4400" kern="1200">
+          <a:solidFill>
+            <a:schemeClr val="tx1"/>
+          </a:solidFill>
+          <a:latin typeface="+mj-lt"/>
+          <a:ea typeface="+mj-ea"/>
+          <a:cs typeface="+mj-cs"/>
+        </a:defRPr>
+      </a:lvl1pPr>
+    </p:titleStyle>
+    <p:bodyStyle>
+      <a:lvl1pPr marL="342900" indent="-342900" algn="l" defTabSz="914400" rtl="0" eaLnBrk="1" latinLnBrk="0" hangingPunct="1">
+        <a:spcBef>
+          <a:spcPct val="20000"/>
+        </a:spcBef>
+        <a:buFont typeface="Arial" pitchFamily="34" charset="0"/>
+        <a:buChar char="•"/>
+        <a:defRPr sz="3200" kern="1200">
+          <a:solidFill>
+            <a:schemeClr val="tx1"/>
+          </a:solidFill>
+          <a:latin typeface="+mn-lt"/>
+          <a:ea typeface="+mn-ea"/>
+          <a:cs typeface="+mn-cs"/>
+        </a:defRPr>
+      </a:lvl1pPr>
+      <a:lvl2pPr marL="742950" indent="-285750" algn="l" defTabSz="914400" rtl="0" eaLnBrk="1" latinLnBrk="0" hangingPunct="1">
+        <a:spcBef>
+          <a:spcPct val="20000"/>
+        </a:spcBef>
+        <a:buFont typeface="Arial" pitchFamily="34" charset="0"/>
+        <a:buChar char="–"/>
+        <a:defRPr sz="2800" kern="1200">
+          <a:solidFill>
+            <a:schemeClr val="tx1"/>
+          </a:solidFill>
+          <a:latin typeface="+mn-lt"/>
+          <a:ea typeface="+mn-ea"/>
+          <a:cs typeface="+mn-cs"/>
+        </a:defRPr>
+      </a:lvl2pPr>
+      <a:lvl3pPr marL="1143000" indent="-228600" algn="l" defTabSz="914400" rtl="0" eaLnBrk="1" latinLnBrk="0" hangingPunct="1">
+        <a:spcBef>
+          <a:spcPct val="20000"/>
+        </a:spcBef>
+        <a:buFont typeface="Arial" pitchFamily="34" charset="0"/>
+        <a:buChar char="•"/>
+        <a:defRPr sz="2400" kern="1200">
+          <a:solidFill>
+            <a:schemeClr val="tx1"/>
+          </a:solidFill>
+          <a:latin typeface="+mn-lt"/>
+          <a:ea typeface="+mn-ea"/>
+          <a:cs typeface="+mn-cs"/>
+        </a:defRPr>
+      </a:lvl3pPr>
+      <a:lvl4pPr marL="1600200" indent="-228600" algn="l" defTabSz="914400" rtl="0" eaLnBrk="1" latinLnBrk="0" hangingPunct="1">
+        <a:spcBef>
+          <a:spcPct val="20000"/>
+        </a:spcBef>
+        <a:buFont typeface="Arial" pitchFamily="34" charset="0"/>
+        <a:buChar char="–"/>
+        <a:defRPr sz="2000" kern="1200">
+          <a:solidFill>
+            <a:schemeClr val="tx1"/>
+          </a:solidFill>
+          <a:latin typeface="+mn-lt"/>
+          <a:ea typeface="+mn-ea"/>
+          <a:cs typeface="+mn-cs"/>
+        </a:defRPr>
+      </a:lvl4pPr>
+      <a:lvl5pPr marL="2057400" indent="-228600" algn="l" defTabSz="914400" rtl="0" eaLnBrk="1" latinLnBrk="0" hangingPunct="1">
+        <a:spcBef>
+          <a:spcPct val="20000"/>
+        </a:spcBef>
+        <a:buFont typeface="Arial" pitchFamily="34" charset="0"/>
+        <a:buChar char="»"/>
+        <a:defRPr sz="2000" kern="1200">
+          <a:solidFill>
+            <a:schemeClr val="tx1"/>
+          </a:solidFill>
+          <a:latin typeface="+mn-lt"/>
+          <a:ea typeface="+mn-ea"/>
+          <a:cs typeface="+mn-cs"/>
+        </a:defRPr>
+      </a:lvl5pPr>
+      <a:lvl6pPr marL="2514600" indent="-228600" algn="l" defTabSz="914400" rtl="0" eaLnBrk="1" latinLnBrk="0" hangingPunct="1">
+        <a:spcBef>
+          <a:spcPct val="20000"/>
+        </a:spcBef>
+        <a:buFont typeface="Arial" pitchFamily="34" charset="0"/>
+        <a:buChar char="•"/>
+        <a:defRPr sz="2000" kern="1200">
+          <a:solidFill>
+            <a:schemeClr val="tx1"/>
+          </a:solidFill>
+          <a:latin typeface="+mn-lt"/>
+          <a:ea typeface="+mn-ea"/>
+          <a:cs typeface="+mn-cs"/>
+        </a:defRPr>
+      </a:lvl6pPr>
+      <a:lvl7pPr marL="2971800" indent="-228600" algn="l" defTabSz="914400" rtl="0" eaLnBrk="1" latinLnBrk="0" hangingPunct="1">
+        <a:spcBef>
+          <a:spcPct val="20000"/>
+        </a:spcBef>
+        <a:buFont typeface="Arial" pitchFamily="34" charset="0"/>
+        <a:buChar char="•"/>
+        <a:defRPr sz="2000" kern="1200">
+          <a:solidFill>
+            <a:schemeClr val="tx1"/>
+          </a:solidFill>
+          <a:latin typeface="+mn-lt"/>
+          <a:ea typeface="+mn-ea"/>
+          <a:cs typeface="+mn-cs"/>
+        </a:defRPr>
+      </a:lvl7pPr>
+      <a:lvl8pPr marL="3429000" indent="-228600" algn="l" defTabSz="914400" rtl="0" eaLnBrk="1" latinLnBrk="0" hangingPunct="1">
+        <a:spcBef>
+          <a:spcPct val="20000"/>
+        </a:spcBef>
+        <a:buFont typeface="Arial" pitchFamily="34" charset="0"/>
+        <a:buChar char="•"/>
+        <a:defRPr sz="2000" kern="1200">
+          <a:solidFill>
+            <a:schemeClr val="tx1"/>
+          </a:solidFill>
+          <a:latin typeface="+mn-lt"/>
+          <a:ea typeface="+mn-ea"/>
+          <a:cs typeface="+mn-cs"/>
+        </a:defRPr>
+      </a:lvl8pPr>
+      <a:lvl9pPr marL="3886200" indent="-228600" algn="l" defTabSz="914400" rtl="0" eaLnBrk="1" latinLnBrk="0" hangingPunct="1">
+        <a:spcBef>
+          <a:spcPct val="20000"/>
+        </a:spcBef>
+        <a:buFont typeface="Arial" pitchFamily="34" charset="0"/>
+        <a:buChar char="•"/>
+        <a:defRPr sz="2000" kern="1200">
+          <a:solidFill>
+            <a:schemeClr val="tx1"/>
+          </a:solidFill>
+          <a:latin typeface="+mn-lt"/>
+          <a:ea typeface="+mn-ea"/>
+          <a:cs typeface="+mn-cs"/>
+        </a:defRPr>
+      </a:lvl9pPr>
+    </p:bodyStyle>
+    <p:otherStyle>
+      <a:defPPr>
+        <a:defRPr lang="en-US"/>
+      </a:defPPr>
+      <a:lvl1pPr marL="0" algn="l" defTabSz="914400" rtl="0" eaLnBrk="1" latinLnBrk="0" hangingPunct="1">
+        <a:defRPr sz="1800" kern="1200">
+          <a:solidFill>
+            <a:schemeClr val="tx1"/>
+          </a:solidFill>
+          <a:latin typeface="+mn-lt"/>
+          <a:ea typeface="+mn-ea"/>
+          <a:cs typeface="+mn-cs"/>
+        </a:defRPr>
+      </a:lvl1pPr>
+      <a:lvl2pPr marL="457200" algn="l" defTabSz="914400" rtl="0" eaLnBrk="1" latinLnBrk="0" hangingPunct="1">
+        <a:defRPr sz="1800" kern="1200">
+          <a:solidFill>
+            <a:schemeClr val="tx1"/>
+          </a:solidFill>
+          <a:latin typeface="+mn-lt"/>
+          <a:ea typeface="+mn-ea"/>
+          <a:cs typeface="+mn-cs"/>
+        </a:defRPr>
+      </a:lvl2pPr>
+      <a:lvl3pPr marL="914400" algn="l" defTabSz="914400" rtl="0" eaLnBrk="1" latinLnBrk="0" hangingPunct="1">
+        <a:defRPr sz="1800" kern="1200">
+          <a:solidFill>
+            <a:schemeClr val="tx1"/>
+          </a:solidFill>
+          <a:latin typeface="+mn-lt"/>
+          <a:ea typeface="+mn-ea"/>
+          <a:cs typeface="+mn-cs"/>
+        </a:defRPr>
+      </a:lvl3pPr>
+      <a:lvl4pPr marL="1371600" algn="l" defTabSz="914400" rtl="0" eaLnBrk="1" latinLnBrk="0" hangingPunct="1">
+        <a:defRPr sz="1800" kern="1200">
+          <a:solidFill>
+            <a:schemeClr val="tx1"/>
+          </a:solidFill>
+          <a:latin typeface="+mn-lt"/>
+          <a:ea typeface="+mn-ea"/>
+          <a:cs typeface="+mn-cs"/>
+        </a:defRPr>
+      </a:lvl4pPr>
+      <a:lvl5pPr marL="1828800" algn="l" defTabSz="914400" rtl="0" eaLnBrk="1" latinLnBrk="0" hangingPunct="1">
+        <a:defRPr sz="1800" kern="1200">
+          <a:solidFill>
+            <a:schemeClr val="tx1"/>
+          </a:solidFill>
+          <a:latin typeface="+mn-lt"/>
+          <a:ea typeface="+mn-ea"/>
+          <a:cs typeface="+mn-cs"/>
+        </a:defRPr>
+      </a:lvl5pPr>
+      <a:lvl6pPr marL="2286000" algn="l" defTabSz="914400" rtl="0" eaLnBrk="1" latinLnBrk="0" hangingPunct="1">
+        <a:defRPr sz="1800" kern="1200">
+          <a:solidFill>
+            <a:schemeClr val="tx1"/>
+          </a:solidFill>
+          <a:latin typeface="+mn-lt"/>
+          <a:ea typeface="+mn-ea"/>
+          <a:cs typeface="+mn-cs"/>
+        </a:defRPr>
+      </a:lvl6pPr>
+      <a:lvl7pPr marL="2743200" algn="l" defTabSz="914400" rtl="0" eaLnBrk="1" latinLnBrk="0" hangingPunct="1">
+        <a:defRPr sz="1800" kern="1200">
+          <a:solidFill>
+            <a:schemeClr val="tx1"/>
+          </a:solidFill>
+          <a:latin typeface="+mn-lt"/>
+          <a:ea typeface="+mn-ea"/>
+          <a:cs typeface="+mn-cs"/>
+        </a:defRPr>
+      </a:lvl7pPr>
+      <a:lvl8pPr marL="3200400" algn="l" defTabSz="914400" rtl="0" eaLnBrk="1" latinLnBrk="0" hangingPunct="1">
+        <a:defRPr sz="1800" kern="1200">
+          <a:solidFill>
+            <a:schemeClr val="tx1"/>
+          </a:solidFill>
+          <a:latin typeface="+mn-lt"/>
+          <a:ea typeface="+mn-ea"/>
+          <a:cs typeface="+mn-cs"/>
+        </a:defRPr>
+      </a:lvl8pPr>
+      <a:lvl9pPr marL="3657600" algn="l" defTabSz="914400" rtl="0" eaLnBrk="1" latinLnBrk="0" hangingPunct="1">
+        <a:defRPr sz="1800" kern="1200">
+          <a:solidFill>
+            <a:schemeClr val="tx1"/>
+          </a:solidFill>
+          <a:latin typeface="+mn-lt"/>
+          <a:ea typeface="+mn-ea"/>
+          <a:cs typeface="+mn-cs"/>
+        </a:defRPr>
+      </a:lvl9pPr>
+    </p:otherStyle>
+  </p:txStyles>
+</p:sldMaster>
+</file>
+
 <file path=ppt/slides/slide1.xml><?xml version="1.0" encoding="utf-8"?>
 <p:sld xmlns:a="http://schemas.openxmlformats.org/drawingml/2006/main" xmlns:r="http://schemas.openxmlformats.org/officeDocument/2006/relationships" xmlns:p="http://schemas.openxmlformats.org/presentationml/2006/main">
   <p:cSld>
@@ -3371,6 +6975,60 @@
           </a:p>
         </p:txBody>
       </p:sp>
+      <p:pic>
+        <p:nvPicPr>
+          <p:cNvPr id="10" name="Picture 9" descr="A screenshot of a video game&#10;&#10;Description automatically generated">
+            <a:extLst>
+              <a:ext uri="{FF2B5EF4-FFF2-40B4-BE49-F238E27FC236}">
+                <a16:creationId xmlns:a16="http://schemas.microsoft.com/office/drawing/2014/main" id="{63E815A1-478F-A023-C98F-EBBAF8D26F6A}"/>
+              </a:ext>
+            </a:extLst>
+          </p:cNvPr>
+          <p:cNvPicPr>
+            <a:picLocks noChangeAspect="1"/>
+          </p:cNvPicPr>
+          <p:nvPr/>
+        </p:nvPicPr>
+        <p:blipFill>
+          <a:blip r:embed="rId2">
+            <a:extLst>
+              <a:ext uri="{28A0092B-C50C-407E-A947-70E740481C1C}">
+                <a14:useLocalDpi xmlns:a14="http://schemas.microsoft.com/office/drawing/2010/main" val="0"/>
+              </a:ext>
+            </a:extLst>
+          </a:blip>
+          <a:stretch>
+            <a:fillRect/>
+          </a:stretch>
+        </p:blipFill>
+        <p:spPr>
+          <a:xfrm>
+            <a:off x="5408075" y="2176287"/>
+            <a:ext cx="2505425" cy="2505425"/>
+          </a:xfrm>
+          <a:prstGeom prst="roundRect">
+            <a:avLst>
+              <a:gd name="adj" fmla="val 16667"/>
+            </a:avLst>
+          </a:prstGeom>
+          <a:ln>
+            <a:noFill/>
+          </a:ln>
+          <a:effectLst/>
+          <a:scene3d>
+            <a:camera prst="orthographicFront"/>
+            <a:lightRig rig="contrasting" dir="t">
+              <a:rot lat="0" lon="0" rev="4200000"/>
+            </a:lightRig>
+          </a:scene3d>
+          <a:sp3d prstMaterial="plastic">
+            <a:bevelT w="381000" h="114300" prst="relaxedInset"/>
+            <a:contourClr>
+              <a:srgbClr val="969696"/>
+            </a:contourClr>
+          </a:sp3d>
+        </p:spPr>
+      </p:pic>
     </p:spTree>
     <p:extLst>
       <p:ext uri="{BB962C8B-B14F-4D97-AF65-F5344CB8AC3E}">
@@ -3381,6 +7039,3556 @@
   <p:clrMapOvr>
     <a:masterClrMapping/>
   </p:clrMapOvr>
+</p:sld>
+</file>
+
+<file path=ppt/slides/slide2.xml><?xml version="1.0" encoding="utf-8"?>
+<p:sld xmlns:a="http://schemas.openxmlformats.org/drawingml/2006/main" xmlns:r="http://schemas.openxmlformats.org/officeDocument/2006/relationships" xmlns:p="http://schemas.openxmlformats.org/presentationml/2006/main">
+  <p:cSld>
+    <p:spTree>
+      <p:nvGrpSpPr>
+        <p:cNvPr id="1" name=""/>
+        <p:cNvGrpSpPr/>
+        <p:nvPr/>
+      </p:nvGrpSpPr>
+      <p:grpSpPr>
+        <a:xfrm>
+          <a:off x="0" y="0"/>
+          <a:ext cx="0" cy="0"/>
+          <a:chOff x="0" y="0"/>
+          <a:chExt cx="0" cy="0"/>
+        </a:xfrm>
+      </p:grpSpPr>
+      <p:sp>
+        <p:nvSpPr>
+          <p:cNvPr id="2" name="Rectangle 1">
+            <a:extLst>
+              <a:ext uri="{FF2B5EF4-FFF2-40B4-BE49-F238E27FC236}">
+                <a16:creationId xmlns:a16="http://schemas.microsoft.com/office/drawing/2014/main" id="{F0636913-C9C8-7E1E-92DA-A151B640F11E}"/>
+              </a:ext>
+            </a:extLst>
+          </p:cNvPr>
+          <p:cNvSpPr/>
+          <p:nvPr/>
+        </p:nvSpPr>
+        <p:spPr>
+          <a:xfrm>
+            <a:off x="725822" y="1901402"/>
+            <a:ext cx="1833759" cy="1269551"/>
+          </a:xfrm>
+          <a:prstGeom prst="rect">
+            <a:avLst/>
+          </a:prstGeom>
+          <a:ln w="25400">
+            <a:solidFill>
+              <a:schemeClr val="tx1"/>
+            </a:solidFill>
+          </a:ln>
+        </p:spPr>
+        <p:style>
+          <a:lnRef idx="1">
+            <a:schemeClr val="accent1"/>
+          </a:lnRef>
+          <a:fillRef idx="0">
+            <a:schemeClr val="accent1"/>
+          </a:fillRef>
+          <a:effectRef idx="0">
+            <a:schemeClr val="accent1"/>
+          </a:effectRef>
+          <a:fontRef idx="minor">
+            <a:schemeClr val="tx1"/>
+          </a:fontRef>
+        </p:style>
+        <p:txBody>
+          <a:bodyPr rtlCol="0" anchor="ctr"/>
+          <a:lstStyle/>
+          <a:p>
+            <a:pPr algn="ctr"/>
+            <a:endParaRPr lang="en-US"/>
+          </a:p>
+        </p:txBody>
+      </p:sp>
+      <p:sp>
+        <p:nvSpPr>
+          <p:cNvPr id="15" name="Rectangle 14">
+            <a:extLst>
+              <a:ext uri="{FF2B5EF4-FFF2-40B4-BE49-F238E27FC236}">
+                <a16:creationId xmlns:a16="http://schemas.microsoft.com/office/drawing/2014/main" id="{59E755B5-ED24-1963-8FF8-52669A571AB8}"/>
+              </a:ext>
+            </a:extLst>
+          </p:cNvPr>
+          <p:cNvSpPr/>
+          <p:nvPr/>
+        </p:nvSpPr>
+        <p:spPr>
+          <a:xfrm>
+            <a:off x="2681010" y="1901402"/>
+            <a:ext cx="1833759" cy="1269551"/>
+          </a:xfrm>
+          <a:prstGeom prst="rect">
+            <a:avLst/>
+          </a:prstGeom>
+          <a:ln w="25400">
+            <a:solidFill>
+              <a:schemeClr val="tx1"/>
+            </a:solidFill>
+          </a:ln>
+        </p:spPr>
+        <p:style>
+          <a:lnRef idx="1">
+            <a:schemeClr val="accent1"/>
+          </a:lnRef>
+          <a:fillRef idx="0">
+            <a:schemeClr val="accent1"/>
+          </a:fillRef>
+          <a:effectRef idx="0">
+            <a:schemeClr val="accent1"/>
+          </a:effectRef>
+          <a:fontRef idx="minor">
+            <a:schemeClr val="tx1"/>
+          </a:fontRef>
+        </p:style>
+        <p:txBody>
+          <a:bodyPr rtlCol="0" anchor="ctr"/>
+          <a:lstStyle/>
+          <a:p>
+            <a:pPr algn="ctr"/>
+            <a:endParaRPr lang="en-US"/>
+          </a:p>
+        </p:txBody>
+      </p:sp>
+      <p:sp>
+        <p:nvSpPr>
+          <p:cNvPr id="16" name="Rectangle 15">
+            <a:extLst>
+              <a:ext uri="{FF2B5EF4-FFF2-40B4-BE49-F238E27FC236}">
+                <a16:creationId xmlns:a16="http://schemas.microsoft.com/office/drawing/2014/main" id="{90ABD1A6-C111-017C-876F-A0D9271C3641}"/>
+              </a:ext>
+            </a:extLst>
+          </p:cNvPr>
+          <p:cNvSpPr/>
+          <p:nvPr/>
+        </p:nvSpPr>
+        <p:spPr>
+          <a:xfrm>
+            <a:off x="4637608" y="1901402"/>
+            <a:ext cx="1833759" cy="1269551"/>
+          </a:xfrm>
+          <a:prstGeom prst="rect">
+            <a:avLst/>
+          </a:prstGeom>
+          <a:ln w="25400">
+            <a:solidFill>
+              <a:schemeClr val="tx1"/>
+            </a:solidFill>
+          </a:ln>
+        </p:spPr>
+        <p:style>
+          <a:lnRef idx="1">
+            <a:schemeClr val="accent1"/>
+          </a:lnRef>
+          <a:fillRef idx="0">
+            <a:schemeClr val="accent1"/>
+          </a:fillRef>
+          <a:effectRef idx="0">
+            <a:schemeClr val="accent1"/>
+          </a:effectRef>
+          <a:fontRef idx="minor">
+            <a:schemeClr val="tx1"/>
+          </a:fontRef>
+        </p:style>
+        <p:txBody>
+          <a:bodyPr rtlCol="0" anchor="ctr"/>
+          <a:lstStyle/>
+          <a:p>
+            <a:pPr algn="ctr"/>
+            <a:endParaRPr lang="en-US"/>
+          </a:p>
+        </p:txBody>
+      </p:sp>
+      <p:sp>
+        <p:nvSpPr>
+          <p:cNvPr id="17" name="Rectangle 16">
+            <a:extLst>
+              <a:ext uri="{FF2B5EF4-FFF2-40B4-BE49-F238E27FC236}">
+                <a16:creationId xmlns:a16="http://schemas.microsoft.com/office/drawing/2014/main" id="{94C75E8A-C167-364C-C9E2-924199F6868C}"/>
+              </a:ext>
+            </a:extLst>
+          </p:cNvPr>
+          <p:cNvSpPr/>
+          <p:nvPr/>
+        </p:nvSpPr>
+        <p:spPr>
+          <a:xfrm>
+            <a:off x="6592796" y="1901402"/>
+            <a:ext cx="1833759" cy="1269551"/>
+          </a:xfrm>
+          <a:prstGeom prst="rect">
+            <a:avLst/>
+          </a:prstGeom>
+          <a:ln w="25400">
+            <a:solidFill>
+              <a:schemeClr val="tx1"/>
+            </a:solidFill>
+          </a:ln>
+        </p:spPr>
+        <p:style>
+          <a:lnRef idx="1">
+            <a:schemeClr val="accent1"/>
+          </a:lnRef>
+          <a:fillRef idx="0">
+            <a:schemeClr val="accent1"/>
+          </a:fillRef>
+          <a:effectRef idx="0">
+            <a:schemeClr val="accent1"/>
+          </a:effectRef>
+          <a:fontRef idx="minor">
+            <a:schemeClr val="tx1"/>
+          </a:fontRef>
+        </p:style>
+        <p:txBody>
+          <a:bodyPr rtlCol="0" anchor="ctr"/>
+          <a:lstStyle/>
+          <a:p>
+            <a:pPr algn="ctr"/>
+            <a:endParaRPr lang="en-US"/>
+          </a:p>
+        </p:txBody>
+      </p:sp>
+      <p:sp>
+        <p:nvSpPr>
+          <p:cNvPr id="18" name="Rectangle 17">
+            <a:extLst>
+              <a:ext uri="{FF2B5EF4-FFF2-40B4-BE49-F238E27FC236}">
+                <a16:creationId xmlns:a16="http://schemas.microsoft.com/office/drawing/2014/main" id="{51C88752-99B9-8581-1EB3-1921D06AC9B5}"/>
+              </a:ext>
+            </a:extLst>
+          </p:cNvPr>
+          <p:cNvSpPr/>
+          <p:nvPr/>
+        </p:nvSpPr>
+        <p:spPr>
+          <a:xfrm>
+            <a:off x="717445" y="3294849"/>
+            <a:ext cx="1833759" cy="1269551"/>
+          </a:xfrm>
+          <a:prstGeom prst="rect">
+            <a:avLst/>
+          </a:prstGeom>
+          <a:ln w="25400">
+            <a:solidFill>
+              <a:schemeClr val="tx1"/>
+            </a:solidFill>
+          </a:ln>
+        </p:spPr>
+        <p:style>
+          <a:lnRef idx="1">
+            <a:schemeClr val="accent1"/>
+          </a:lnRef>
+          <a:fillRef idx="0">
+            <a:schemeClr val="accent1"/>
+          </a:fillRef>
+          <a:effectRef idx="0">
+            <a:schemeClr val="accent1"/>
+          </a:effectRef>
+          <a:fontRef idx="minor">
+            <a:schemeClr val="tx1"/>
+          </a:fontRef>
+        </p:style>
+        <p:txBody>
+          <a:bodyPr rtlCol="0" anchor="ctr"/>
+          <a:lstStyle/>
+          <a:p>
+            <a:pPr algn="ctr"/>
+            <a:endParaRPr lang="en-US"/>
+          </a:p>
+        </p:txBody>
+      </p:sp>
+      <p:sp>
+        <p:nvSpPr>
+          <p:cNvPr id="19" name="Rectangle 18">
+            <a:extLst>
+              <a:ext uri="{FF2B5EF4-FFF2-40B4-BE49-F238E27FC236}">
+                <a16:creationId xmlns:a16="http://schemas.microsoft.com/office/drawing/2014/main" id="{1601DCA3-6CE9-E1EB-B347-63329C87CFE8}"/>
+              </a:ext>
+            </a:extLst>
+          </p:cNvPr>
+          <p:cNvSpPr/>
+          <p:nvPr/>
+        </p:nvSpPr>
+        <p:spPr>
+          <a:xfrm>
+            <a:off x="2672633" y="3294849"/>
+            <a:ext cx="1833759" cy="1269551"/>
+          </a:xfrm>
+          <a:prstGeom prst="rect">
+            <a:avLst/>
+          </a:prstGeom>
+          <a:ln w="25400">
+            <a:solidFill>
+              <a:schemeClr val="tx1"/>
+            </a:solidFill>
+          </a:ln>
+        </p:spPr>
+        <p:style>
+          <a:lnRef idx="1">
+            <a:schemeClr val="accent1"/>
+          </a:lnRef>
+          <a:fillRef idx="0">
+            <a:schemeClr val="accent1"/>
+          </a:fillRef>
+          <a:effectRef idx="0">
+            <a:schemeClr val="accent1"/>
+          </a:effectRef>
+          <a:fontRef idx="minor">
+            <a:schemeClr val="tx1"/>
+          </a:fontRef>
+        </p:style>
+        <p:txBody>
+          <a:bodyPr rtlCol="0" anchor="ctr"/>
+          <a:lstStyle/>
+          <a:p>
+            <a:pPr algn="ctr"/>
+            <a:endParaRPr lang="en-US"/>
+          </a:p>
+        </p:txBody>
+      </p:sp>
+      <p:sp>
+        <p:nvSpPr>
+          <p:cNvPr id="20" name="Rectangle 19">
+            <a:extLst>
+              <a:ext uri="{FF2B5EF4-FFF2-40B4-BE49-F238E27FC236}">
+                <a16:creationId xmlns:a16="http://schemas.microsoft.com/office/drawing/2014/main" id="{A4949EAB-50A6-3031-9C45-B56C8A707F3A}"/>
+              </a:ext>
+            </a:extLst>
+          </p:cNvPr>
+          <p:cNvSpPr/>
+          <p:nvPr/>
+        </p:nvSpPr>
+        <p:spPr>
+          <a:xfrm>
+            <a:off x="4629231" y="3294849"/>
+            <a:ext cx="1833759" cy="1269551"/>
+          </a:xfrm>
+          <a:prstGeom prst="rect">
+            <a:avLst/>
+          </a:prstGeom>
+          <a:ln w="25400">
+            <a:solidFill>
+              <a:schemeClr val="tx1"/>
+            </a:solidFill>
+          </a:ln>
+        </p:spPr>
+        <p:style>
+          <a:lnRef idx="1">
+            <a:schemeClr val="accent1"/>
+          </a:lnRef>
+          <a:fillRef idx="0">
+            <a:schemeClr val="accent1"/>
+          </a:fillRef>
+          <a:effectRef idx="0">
+            <a:schemeClr val="accent1"/>
+          </a:effectRef>
+          <a:fontRef idx="minor">
+            <a:schemeClr val="tx1"/>
+          </a:fontRef>
+        </p:style>
+        <p:txBody>
+          <a:bodyPr rtlCol="0" anchor="ctr"/>
+          <a:lstStyle/>
+          <a:p>
+            <a:pPr algn="ctr"/>
+            <a:endParaRPr lang="en-US"/>
+          </a:p>
+        </p:txBody>
+      </p:sp>
+      <p:sp>
+        <p:nvSpPr>
+          <p:cNvPr id="21" name="Rectangle 20">
+            <a:extLst>
+              <a:ext uri="{FF2B5EF4-FFF2-40B4-BE49-F238E27FC236}">
+                <a16:creationId xmlns:a16="http://schemas.microsoft.com/office/drawing/2014/main" id="{C70BA8F9-304A-0833-76BC-FE40CE5D639B}"/>
+              </a:ext>
+            </a:extLst>
+          </p:cNvPr>
+          <p:cNvSpPr/>
+          <p:nvPr/>
+        </p:nvSpPr>
+        <p:spPr>
+          <a:xfrm>
+            <a:off x="6584419" y="3294849"/>
+            <a:ext cx="1833759" cy="1269551"/>
+          </a:xfrm>
+          <a:prstGeom prst="rect">
+            <a:avLst/>
+          </a:prstGeom>
+          <a:ln w="25400">
+            <a:solidFill>
+              <a:schemeClr val="tx1"/>
+            </a:solidFill>
+          </a:ln>
+        </p:spPr>
+        <p:style>
+          <a:lnRef idx="1">
+            <a:schemeClr val="accent1"/>
+          </a:lnRef>
+          <a:fillRef idx="0">
+            <a:schemeClr val="accent1"/>
+          </a:fillRef>
+          <a:effectRef idx="0">
+            <a:schemeClr val="accent1"/>
+          </a:effectRef>
+          <a:fontRef idx="minor">
+            <a:schemeClr val="tx1"/>
+          </a:fontRef>
+        </p:style>
+        <p:txBody>
+          <a:bodyPr rtlCol="0" anchor="ctr"/>
+          <a:lstStyle/>
+          <a:p>
+            <a:pPr algn="ctr"/>
+            <a:endParaRPr lang="en-US"/>
+          </a:p>
+        </p:txBody>
+      </p:sp>
+      <p:pic>
+        <p:nvPicPr>
+          <p:cNvPr id="23" name="Picture 22" descr="A close up of a wood panel&#10;&#10;Description automatically generated">
+            <a:extLst>
+              <a:ext uri="{FF2B5EF4-FFF2-40B4-BE49-F238E27FC236}">
+                <a16:creationId xmlns:a16="http://schemas.microsoft.com/office/drawing/2014/main" id="{B61C13C1-FBBA-D8B2-F8D6-CB24DD1C6899}"/>
+              </a:ext>
+            </a:extLst>
+          </p:cNvPr>
+          <p:cNvPicPr>
+            <a:picLocks noChangeAspect="1"/>
+          </p:cNvPicPr>
+          <p:nvPr/>
+        </p:nvPicPr>
+        <p:blipFill>
+          <a:blip r:embed="rId3">
+            <a:extLst>
+              <a:ext uri="{28A0092B-C50C-407E-A947-70E740481C1C}">
+                <a14:useLocalDpi xmlns:a14="http://schemas.microsoft.com/office/drawing/2010/main" val="0"/>
+              </a:ext>
+            </a:extLst>
+          </a:blip>
+          <a:stretch>
+            <a:fillRect/>
+          </a:stretch>
+        </p:blipFill>
+        <p:spPr>
+          <a:xfrm>
+            <a:off x="1175143" y="3811092"/>
+            <a:ext cx="523875" cy="609600"/>
+          </a:xfrm>
+          <a:prstGeom prst="rect">
+            <a:avLst/>
+          </a:prstGeom>
+        </p:spPr>
+      </p:pic>
+      <p:pic>
+        <p:nvPicPr>
+          <p:cNvPr id="24" name="Picture 23" descr="A close up of a wood panel&#10;&#10;Description automatically generated">
+            <a:extLst>
+              <a:ext uri="{FF2B5EF4-FFF2-40B4-BE49-F238E27FC236}">
+                <a16:creationId xmlns:a16="http://schemas.microsoft.com/office/drawing/2014/main" id="{A6BFC0E1-C02E-084D-DB5E-BFF0C24D66BC}"/>
+              </a:ext>
+            </a:extLst>
+          </p:cNvPr>
+          <p:cNvPicPr>
+            <a:picLocks noChangeAspect="1"/>
+          </p:cNvPicPr>
+          <p:nvPr/>
+        </p:nvPicPr>
+        <p:blipFill>
+          <a:blip r:embed="rId3">
+            <a:extLst>
+              <a:ext uri="{28A0092B-C50C-407E-A947-70E740481C1C}">
+                <a14:useLocalDpi xmlns:a14="http://schemas.microsoft.com/office/drawing/2010/main" val="0"/>
+              </a:ext>
+            </a:extLst>
+          </a:blip>
+          <a:stretch>
+            <a:fillRect/>
+          </a:stretch>
+        </p:blipFill>
+        <p:spPr>
+          <a:xfrm>
+            <a:off x="3140974" y="3796841"/>
+            <a:ext cx="523875" cy="609600"/>
+          </a:xfrm>
+          <a:prstGeom prst="rect">
+            <a:avLst/>
+          </a:prstGeom>
+        </p:spPr>
+      </p:pic>
+      <p:pic>
+        <p:nvPicPr>
+          <p:cNvPr id="25" name="Picture 24" descr="A close up of a wood panel&#10;&#10;Description automatically generated">
+            <a:extLst>
+              <a:ext uri="{FF2B5EF4-FFF2-40B4-BE49-F238E27FC236}">
+                <a16:creationId xmlns:a16="http://schemas.microsoft.com/office/drawing/2014/main" id="{E6091286-C9A6-B02E-8A7F-A0A7D12DDE45}"/>
+              </a:ext>
+            </a:extLst>
+          </p:cNvPr>
+          <p:cNvPicPr>
+            <a:picLocks noChangeAspect="1"/>
+          </p:cNvPicPr>
+          <p:nvPr/>
+        </p:nvPicPr>
+        <p:blipFill>
+          <a:blip r:embed="rId3">
+            <a:extLst>
+              <a:ext uri="{28A0092B-C50C-407E-A947-70E740481C1C}">
+                <a14:useLocalDpi xmlns:a14="http://schemas.microsoft.com/office/drawing/2010/main" val="0"/>
+              </a:ext>
+            </a:extLst>
+          </a:blip>
+          <a:stretch>
+            <a:fillRect/>
+          </a:stretch>
+        </p:blipFill>
+        <p:spPr>
+          <a:xfrm>
+            <a:off x="5092022" y="3796841"/>
+            <a:ext cx="523875" cy="609600"/>
+          </a:xfrm>
+          <a:prstGeom prst="rect">
+            <a:avLst/>
+          </a:prstGeom>
+        </p:spPr>
+      </p:pic>
+      <p:pic>
+        <p:nvPicPr>
+          <p:cNvPr id="26" name="Picture 25" descr="A close up of a wood panel&#10;&#10;Description automatically generated">
+            <a:extLst>
+              <a:ext uri="{FF2B5EF4-FFF2-40B4-BE49-F238E27FC236}">
+                <a16:creationId xmlns:a16="http://schemas.microsoft.com/office/drawing/2014/main" id="{D227E2A0-6848-940D-BB7B-789E1ABE1DBB}"/>
+              </a:ext>
+            </a:extLst>
+          </p:cNvPr>
+          <p:cNvPicPr>
+            <a:picLocks noChangeAspect="1"/>
+          </p:cNvPicPr>
+          <p:nvPr/>
+        </p:nvPicPr>
+        <p:blipFill>
+          <a:blip r:embed="rId3">
+            <a:extLst>
+              <a:ext uri="{28A0092B-C50C-407E-A947-70E740481C1C}">
+                <a14:useLocalDpi xmlns:a14="http://schemas.microsoft.com/office/drawing/2010/main" val="0"/>
+              </a:ext>
+            </a:extLst>
+          </a:blip>
+          <a:stretch>
+            <a:fillRect/>
+          </a:stretch>
+        </p:blipFill>
+        <p:spPr>
+          <a:xfrm>
+            <a:off x="7041461" y="3818243"/>
+            <a:ext cx="523875" cy="609600"/>
+          </a:xfrm>
+          <a:prstGeom prst="rect">
+            <a:avLst/>
+          </a:prstGeom>
+        </p:spPr>
+      </p:pic>
+      <p:pic>
+        <p:nvPicPr>
+          <p:cNvPr id="27" name="Picture 26" descr="A close up of a wood panel&#10;&#10;Description automatically generated">
+            <a:extLst>
+              <a:ext uri="{FF2B5EF4-FFF2-40B4-BE49-F238E27FC236}">
+                <a16:creationId xmlns:a16="http://schemas.microsoft.com/office/drawing/2014/main" id="{B42832EF-EE12-826A-95D0-B7B290A945E3}"/>
+              </a:ext>
+            </a:extLst>
+          </p:cNvPr>
+          <p:cNvPicPr>
+            <a:picLocks noChangeAspect="1"/>
+          </p:cNvPicPr>
+          <p:nvPr/>
+        </p:nvPicPr>
+        <p:blipFill>
+          <a:blip r:embed="rId3">
+            <a:extLst>
+              <a:ext uri="{28A0092B-C50C-407E-A947-70E740481C1C}">
+                <a14:useLocalDpi xmlns:a14="http://schemas.microsoft.com/office/drawing/2010/main" val="0"/>
+              </a:ext>
+            </a:extLst>
+          </a:blip>
+          <a:stretch>
+            <a:fillRect/>
+          </a:stretch>
+        </p:blipFill>
+        <p:spPr>
+          <a:xfrm>
+            <a:off x="7041461" y="2423552"/>
+            <a:ext cx="523875" cy="609600"/>
+          </a:xfrm>
+          <a:prstGeom prst="rect">
+            <a:avLst/>
+          </a:prstGeom>
+        </p:spPr>
+      </p:pic>
+      <p:pic>
+        <p:nvPicPr>
+          <p:cNvPr id="28" name="Picture 27" descr="A close up of a wood panel&#10;&#10;Description automatically generated">
+            <a:extLst>
+              <a:ext uri="{FF2B5EF4-FFF2-40B4-BE49-F238E27FC236}">
+                <a16:creationId xmlns:a16="http://schemas.microsoft.com/office/drawing/2014/main" id="{C0A80A5A-F766-CD77-C43D-102DFB0D87A9}"/>
+              </a:ext>
+            </a:extLst>
+          </p:cNvPr>
+          <p:cNvPicPr>
+            <a:picLocks noChangeAspect="1"/>
+          </p:cNvPicPr>
+          <p:nvPr/>
+        </p:nvPicPr>
+        <p:blipFill>
+          <a:blip r:embed="rId3">
+            <a:extLst>
+              <a:ext uri="{28A0092B-C50C-407E-A947-70E740481C1C}">
+                <a14:useLocalDpi xmlns:a14="http://schemas.microsoft.com/office/drawing/2010/main" val="0"/>
+              </a:ext>
+            </a:extLst>
+          </a:blip>
+          <a:stretch>
+            <a:fillRect/>
+          </a:stretch>
+        </p:blipFill>
+        <p:spPr>
+          <a:xfrm>
+            <a:off x="5092021" y="2423552"/>
+            <a:ext cx="523875" cy="609600"/>
+          </a:xfrm>
+          <a:prstGeom prst="rect">
+            <a:avLst/>
+          </a:prstGeom>
+        </p:spPr>
+      </p:pic>
+      <p:pic>
+        <p:nvPicPr>
+          <p:cNvPr id="29" name="Picture 28" descr="A close up of a wood panel&#10;&#10;Description automatically generated">
+            <a:extLst>
+              <a:ext uri="{FF2B5EF4-FFF2-40B4-BE49-F238E27FC236}">
+                <a16:creationId xmlns:a16="http://schemas.microsoft.com/office/drawing/2014/main" id="{FC3E720A-CA34-0B49-7618-6D15761B2D0F}"/>
+              </a:ext>
+            </a:extLst>
+          </p:cNvPr>
+          <p:cNvPicPr>
+            <a:picLocks noChangeAspect="1"/>
+          </p:cNvPicPr>
+          <p:nvPr/>
+        </p:nvPicPr>
+        <p:blipFill>
+          <a:blip r:embed="rId3">
+            <a:extLst>
+              <a:ext uri="{28A0092B-C50C-407E-A947-70E740481C1C}">
+                <a14:useLocalDpi xmlns:a14="http://schemas.microsoft.com/office/drawing/2010/main" val="0"/>
+              </a:ext>
+            </a:extLst>
+          </a:blip>
+          <a:stretch>
+            <a:fillRect/>
+          </a:stretch>
+        </p:blipFill>
+        <p:spPr>
+          <a:xfrm rot="21283441">
+            <a:off x="3140974" y="2383314"/>
+            <a:ext cx="523875" cy="609600"/>
+          </a:xfrm>
+          <a:prstGeom prst="rect">
+            <a:avLst/>
+          </a:prstGeom>
+        </p:spPr>
+      </p:pic>
+      <p:pic>
+        <p:nvPicPr>
+          <p:cNvPr id="30" name="Picture 29" descr="A close up of a wood panel&#10;&#10;Description automatically generated">
+            <a:extLst>
+              <a:ext uri="{FF2B5EF4-FFF2-40B4-BE49-F238E27FC236}">
+                <a16:creationId xmlns:a16="http://schemas.microsoft.com/office/drawing/2014/main" id="{253E86DD-4975-DB50-D04C-488493557BEB}"/>
+              </a:ext>
+            </a:extLst>
+          </p:cNvPr>
+          <p:cNvPicPr>
+            <a:picLocks noChangeAspect="1"/>
+          </p:cNvPicPr>
+          <p:nvPr/>
+        </p:nvPicPr>
+        <p:blipFill>
+          <a:blip r:embed="rId3">
+            <a:extLst>
+              <a:ext uri="{28A0092B-C50C-407E-A947-70E740481C1C}">
+                <a14:useLocalDpi xmlns:a14="http://schemas.microsoft.com/office/drawing/2010/main" val="0"/>
+              </a:ext>
+            </a:extLst>
+          </a:blip>
+          <a:stretch>
+            <a:fillRect/>
+          </a:stretch>
+        </p:blipFill>
+        <p:spPr>
+          <a:xfrm rot="19377525">
+            <a:off x="968895" y="2309829"/>
+            <a:ext cx="523875" cy="609600"/>
+          </a:xfrm>
+          <a:prstGeom prst="rect">
+            <a:avLst/>
+          </a:prstGeom>
+        </p:spPr>
+      </p:pic>
+      <p:cxnSp>
+        <p:nvCxnSpPr>
+          <p:cNvPr id="32" name="Straight Connector 31">
+            <a:extLst>
+              <a:ext uri="{FF2B5EF4-FFF2-40B4-BE49-F238E27FC236}">
+                <a16:creationId xmlns:a16="http://schemas.microsoft.com/office/drawing/2014/main" id="{FE044ADA-FB8D-58E4-AC18-98B9DF0477BF}"/>
+              </a:ext>
+            </a:extLst>
+          </p:cNvPr>
+          <p:cNvCxnSpPr/>
+          <p:nvPr/>
+        </p:nvCxnSpPr>
+        <p:spPr>
+          <a:xfrm>
+            <a:off x="721948" y="3015709"/>
+            <a:ext cx="1833759" cy="0"/>
+          </a:xfrm>
+          <a:prstGeom prst="line">
+            <a:avLst/>
+          </a:prstGeom>
+          <a:ln w="25400">
+            <a:solidFill>
+              <a:schemeClr val="tx1"/>
+            </a:solidFill>
+          </a:ln>
+        </p:spPr>
+        <p:style>
+          <a:lnRef idx="1">
+            <a:schemeClr val="accent1"/>
+          </a:lnRef>
+          <a:fillRef idx="0">
+            <a:schemeClr val="accent1"/>
+          </a:fillRef>
+          <a:effectRef idx="0">
+            <a:schemeClr val="accent1"/>
+          </a:effectRef>
+          <a:fontRef idx="minor">
+            <a:schemeClr val="tx1"/>
+          </a:fontRef>
+        </p:style>
+      </p:cxnSp>
+      <p:cxnSp>
+        <p:nvCxnSpPr>
+          <p:cNvPr id="33" name="Straight Connector 32">
+            <a:extLst>
+              <a:ext uri="{FF2B5EF4-FFF2-40B4-BE49-F238E27FC236}">
+                <a16:creationId xmlns:a16="http://schemas.microsoft.com/office/drawing/2014/main" id="{09E3585F-2C75-D47E-EDEC-7AC0F855ECF6}"/>
+              </a:ext>
+            </a:extLst>
+          </p:cNvPr>
+          <p:cNvCxnSpPr/>
+          <p:nvPr/>
+        </p:nvCxnSpPr>
+        <p:spPr>
+          <a:xfrm>
+            <a:off x="2692815" y="3005623"/>
+            <a:ext cx="1833759" cy="0"/>
+          </a:xfrm>
+          <a:prstGeom prst="line">
+            <a:avLst/>
+          </a:prstGeom>
+          <a:ln w="25400">
+            <a:solidFill>
+              <a:schemeClr val="tx1"/>
+            </a:solidFill>
+          </a:ln>
+        </p:spPr>
+        <p:style>
+          <a:lnRef idx="1">
+            <a:schemeClr val="accent1"/>
+          </a:lnRef>
+          <a:fillRef idx="0">
+            <a:schemeClr val="accent1"/>
+          </a:fillRef>
+          <a:effectRef idx="0">
+            <a:schemeClr val="accent1"/>
+          </a:effectRef>
+          <a:fontRef idx="minor">
+            <a:schemeClr val="tx1"/>
+          </a:fontRef>
+        </p:style>
+      </p:cxnSp>
+      <p:cxnSp>
+        <p:nvCxnSpPr>
+          <p:cNvPr id="34" name="Straight Connector 33">
+            <a:extLst>
+              <a:ext uri="{FF2B5EF4-FFF2-40B4-BE49-F238E27FC236}">
+                <a16:creationId xmlns:a16="http://schemas.microsoft.com/office/drawing/2014/main" id="{CD328AE2-4366-A255-827E-BE573CA177CA}"/>
+              </a:ext>
+            </a:extLst>
+          </p:cNvPr>
+          <p:cNvCxnSpPr/>
+          <p:nvPr/>
+        </p:nvCxnSpPr>
+        <p:spPr>
+          <a:xfrm>
+            <a:off x="4637608" y="3017240"/>
+            <a:ext cx="1833759" cy="0"/>
+          </a:xfrm>
+          <a:prstGeom prst="line">
+            <a:avLst/>
+          </a:prstGeom>
+          <a:ln w="25400">
+            <a:solidFill>
+              <a:schemeClr val="tx1"/>
+            </a:solidFill>
+          </a:ln>
+        </p:spPr>
+        <p:style>
+          <a:lnRef idx="1">
+            <a:schemeClr val="accent1"/>
+          </a:lnRef>
+          <a:fillRef idx="0">
+            <a:schemeClr val="accent1"/>
+          </a:fillRef>
+          <a:effectRef idx="0">
+            <a:schemeClr val="accent1"/>
+          </a:effectRef>
+          <a:fontRef idx="minor">
+            <a:schemeClr val="tx1"/>
+          </a:fontRef>
+        </p:style>
+      </p:cxnSp>
+      <p:cxnSp>
+        <p:nvCxnSpPr>
+          <p:cNvPr id="35" name="Straight Connector 34">
+            <a:extLst>
+              <a:ext uri="{FF2B5EF4-FFF2-40B4-BE49-F238E27FC236}">
+                <a16:creationId xmlns:a16="http://schemas.microsoft.com/office/drawing/2014/main" id="{F31AAA43-3A3C-818E-7EB9-3F2CF202B3E5}"/>
+              </a:ext>
+            </a:extLst>
+          </p:cNvPr>
+          <p:cNvCxnSpPr/>
+          <p:nvPr/>
+        </p:nvCxnSpPr>
+        <p:spPr>
+          <a:xfrm>
+            <a:off x="6592796" y="3015709"/>
+            <a:ext cx="1833759" cy="0"/>
+          </a:xfrm>
+          <a:prstGeom prst="line">
+            <a:avLst/>
+          </a:prstGeom>
+          <a:ln w="25400">
+            <a:solidFill>
+              <a:schemeClr val="tx1"/>
+            </a:solidFill>
+          </a:ln>
+        </p:spPr>
+        <p:style>
+          <a:lnRef idx="1">
+            <a:schemeClr val="accent1"/>
+          </a:lnRef>
+          <a:fillRef idx="0">
+            <a:schemeClr val="accent1"/>
+          </a:fillRef>
+          <a:effectRef idx="0">
+            <a:schemeClr val="accent1"/>
+          </a:effectRef>
+          <a:fontRef idx="minor">
+            <a:schemeClr val="tx1"/>
+          </a:fontRef>
+        </p:style>
+      </p:cxnSp>
+      <p:cxnSp>
+        <p:nvCxnSpPr>
+          <p:cNvPr id="36" name="Straight Connector 35">
+            <a:extLst>
+              <a:ext uri="{FF2B5EF4-FFF2-40B4-BE49-F238E27FC236}">
+                <a16:creationId xmlns:a16="http://schemas.microsoft.com/office/drawing/2014/main" id="{7CED504F-6A84-F8D9-6CDF-0B8E8C5F2443}"/>
+              </a:ext>
+            </a:extLst>
+          </p:cNvPr>
+          <p:cNvCxnSpPr/>
+          <p:nvPr/>
+        </p:nvCxnSpPr>
+        <p:spPr>
+          <a:xfrm>
+            <a:off x="717444" y="4404256"/>
+            <a:ext cx="1833759" cy="0"/>
+          </a:xfrm>
+          <a:prstGeom prst="line">
+            <a:avLst/>
+          </a:prstGeom>
+          <a:ln w="25400">
+            <a:solidFill>
+              <a:schemeClr val="tx1"/>
+            </a:solidFill>
+          </a:ln>
+        </p:spPr>
+        <p:style>
+          <a:lnRef idx="1">
+            <a:schemeClr val="accent1"/>
+          </a:lnRef>
+          <a:fillRef idx="0">
+            <a:schemeClr val="accent1"/>
+          </a:fillRef>
+          <a:effectRef idx="0">
+            <a:schemeClr val="accent1"/>
+          </a:effectRef>
+          <a:fontRef idx="minor">
+            <a:schemeClr val="tx1"/>
+          </a:fontRef>
+        </p:style>
+      </p:cxnSp>
+      <p:cxnSp>
+        <p:nvCxnSpPr>
+          <p:cNvPr id="37" name="Straight Connector 36">
+            <a:extLst>
+              <a:ext uri="{FF2B5EF4-FFF2-40B4-BE49-F238E27FC236}">
+                <a16:creationId xmlns:a16="http://schemas.microsoft.com/office/drawing/2014/main" id="{31EED928-A03E-3678-A628-5A212CA22FE2}"/>
+              </a:ext>
+            </a:extLst>
+          </p:cNvPr>
+          <p:cNvCxnSpPr/>
+          <p:nvPr/>
+        </p:nvCxnSpPr>
+        <p:spPr>
+          <a:xfrm>
+            <a:off x="2681010" y="4395823"/>
+            <a:ext cx="1833759" cy="0"/>
+          </a:xfrm>
+          <a:prstGeom prst="line">
+            <a:avLst/>
+          </a:prstGeom>
+          <a:ln w="25400">
+            <a:solidFill>
+              <a:schemeClr val="tx1"/>
+            </a:solidFill>
+          </a:ln>
+        </p:spPr>
+        <p:style>
+          <a:lnRef idx="1">
+            <a:schemeClr val="accent1"/>
+          </a:lnRef>
+          <a:fillRef idx="0">
+            <a:schemeClr val="accent1"/>
+          </a:fillRef>
+          <a:effectRef idx="0">
+            <a:schemeClr val="accent1"/>
+          </a:effectRef>
+          <a:fontRef idx="minor">
+            <a:schemeClr val="tx1"/>
+          </a:fontRef>
+        </p:style>
+      </p:cxnSp>
+      <p:cxnSp>
+        <p:nvCxnSpPr>
+          <p:cNvPr id="38" name="Straight Connector 37">
+            <a:extLst>
+              <a:ext uri="{FF2B5EF4-FFF2-40B4-BE49-F238E27FC236}">
+                <a16:creationId xmlns:a16="http://schemas.microsoft.com/office/drawing/2014/main" id="{3B709CAD-DA84-0083-99C3-41B473282E08}"/>
+              </a:ext>
+            </a:extLst>
+          </p:cNvPr>
+          <p:cNvCxnSpPr/>
+          <p:nvPr/>
+        </p:nvCxnSpPr>
+        <p:spPr>
+          <a:xfrm>
+            <a:off x="4637607" y="4393674"/>
+            <a:ext cx="1833759" cy="0"/>
+          </a:xfrm>
+          <a:prstGeom prst="line">
+            <a:avLst/>
+          </a:prstGeom>
+          <a:ln w="25400">
+            <a:solidFill>
+              <a:schemeClr val="tx1"/>
+            </a:solidFill>
+          </a:ln>
+        </p:spPr>
+        <p:style>
+          <a:lnRef idx="1">
+            <a:schemeClr val="accent1"/>
+          </a:lnRef>
+          <a:fillRef idx="0">
+            <a:schemeClr val="accent1"/>
+          </a:fillRef>
+          <a:effectRef idx="0">
+            <a:schemeClr val="accent1"/>
+          </a:effectRef>
+          <a:fontRef idx="minor">
+            <a:schemeClr val="tx1"/>
+          </a:fontRef>
+        </p:style>
+      </p:cxnSp>
+      <p:cxnSp>
+        <p:nvCxnSpPr>
+          <p:cNvPr id="39" name="Straight Connector 38">
+            <a:extLst>
+              <a:ext uri="{FF2B5EF4-FFF2-40B4-BE49-F238E27FC236}">
+                <a16:creationId xmlns:a16="http://schemas.microsoft.com/office/drawing/2014/main" id="{83879883-D915-475D-9009-E65FC2BEC271}"/>
+              </a:ext>
+            </a:extLst>
+          </p:cNvPr>
+          <p:cNvCxnSpPr/>
+          <p:nvPr/>
+        </p:nvCxnSpPr>
+        <p:spPr>
+          <a:xfrm>
+            <a:off x="6592796" y="4404256"/>
+            <a:ext cx="1833759" cy="0"/>
+          </a:xfrm>
+          <a:prstGeom prst="line">
+            <a:avLst/>
+          </a:prstGeom>
+          <a:ln w="25400">
+            <a:solidFill>
+              <a:schemeClr val="tx1"/>
+            </a:solidFill>
+          </a:ln>
+        </p:spPr>
+        <p:style>
+          <a:lnRef idx="1">
+            <a:schemeClr val="accent1"/>
+          </a:lnRef>
+          <a:fillRef idx="0">
+            <a:schemeClr val="accent1"/>
+          </a:fillRef>
+          <a:effectRef idx="0">
+            <a:schemeClr val="accent1"/>
+          </a:effectRef>
+          <a:fontRef idx="minor">
+            <a:schemeClr val="tx1"/>
+          </a:fontRef>
+        </p:style>
+      </p:cxnSp>
+      <p:sp>
+        <p:nvSpPr>
+          <p:cNvPr id="40" name="TextBox 39">
+            <a:extLst>
+              <a:ext uri="{FF2B5EF4-FFF2-40B4-BE49-F238E27FC236}">
+                <a16:creationId xmlns:a16="http://schemas.microsoft.com/office/drawing/2014/main" id="{73EE5839-70C1-C128-A413-EA1BBD385934}"/>
+              </a:ext>
+            </a:extLst>
+          </p:cNvPr>
+          <p:cNvSpPr txBox="1"/>
+          <p:nvPr/>
+        </p:nvSpPr>
+        <p:spPr>
+          <a:xfrm>
+            <a:off x="1868062" y="1901402"/>
+            <a:ext cx="695708" cy="400110"/>
+          </a:xfrm>
+          <a:prstGeom prst="rect">
+            <a:avLst/>
+          </a:prstGeom>
+          <a:noFill/>
+        </p:spPr>
+        <p:txBody>
+          <a:bodyPr wrap="square" rtlCol="0">
+            <a:spAutoFit/>
+          </a:bodyPr>
+          <a:lstStyle/>
+          <a:p>
+            <a:pPr algn="r"/>
+            <a:r>
+              <a:rPr lang="en-US" sz="2000" dirty="0"/>
+              <a:t>1</a:t>
+            </a:r>
+            <a:endParaRPr lang="en-US" dirty="0"/>
+          </a:p>
+        </p:txBody>
+      </p:sp>
+      <p:sp>
+        <p:nvSpPr>
+          <p:cNvPr id="41" name="TextBox 40">
+            <a:extLst>
+              <a:ext uri="{FF2B5EF4-FFF2-40B4-BE49-F238E27FC236}">
+                <a16:creationId xmlns:a16="http://schemas.microsoft.com/office/drawing/2014/main" id="{0A541D19-9016-7D3B-0741-D34D1B7F01EB}"/>
+              </a:ext>
+            </a:extLst>
+          </p:cNvPr>
+          <p:cNvSpPr txBox="1"/>
+          <p:nvPr/>
+        </p:nvSpPr>
+        <p:spPr>
+          <a:xfrm>
+            <a:off x="3810684" y="1909593"/>
+            <a:ext cx="695708" cy="400110"/>
+          </a:xfrm>
+          <a:prstGeom prst="rect">
+            <a:avLst/>
+          </a:prstGeom>
+          <a:noFill/>
+        </p:spPr>
+        <p:txBody>
+          <a:bodyPr wrap="square" rtlCol="0">
+            <a:spAutoFit/>
+          </a:bodyPr>
+          <a:lstStyle/>
+          <a:p>
+            <a:pPr algn="r"/>
+            <a:r>
+              <a:rPr lang="en-US" sz="2000" dirty="0"/>
+              <a:t>163</a:t>
+            </a:r>
+            <a:endParaRPr lang="en-US" dirty="0"/>
+          </a:p>
+        </p:txBody>
+      </p:sp>
+      <p:sp>
+        <p:nvSpPr>
+          <p:cNvPr id="42" name="TextBox 41">
+            <a:extLst>
+              <a:ext uri="{FF2B5EF4-FFF2-40B4-BE49-F238E27FC236}">
+                <a16:creationId xmlns:a16="http://schemas.microsoft.com/office/drawing/2014/main" id="{1571F8E2-1770-7E1E-0BD7-0284CF841F50}"/>
+              </a:ext>
+            </a:extLst>
+          </p:cNvPr>
+          <p:cNvSpPr txBox="1"/>
+          <p:nvPr/>
+        </p:nvSpPr>
+        <p:spPr>
+          <a:xfrm>
+            <a:off x="5775658" y="1901402"/>
+            <a:ext cx="695708" cy="400110"/>
+          </a:xfrm>
+          <a:prstGeom prst="rect">
+            <a:avLst/>
+          </a:prstGeom>
+          <a:noFill/>
+        </p:spPr>
+        <p:txBody>
+          <a:bodyPr wrap="square" rtlCol="0">
+            <a:spAutoFit/>
+          </a:bodyPr>
+          <a:lstStyle/>
+          <a:p>
+            <a:pPr algn="r"/>
+            <a:r>
+              <a:rPr lang="en-US" sz="2000" dirty="0"/>
+              <a:t>170</a:t>
+            </a:r>
+            <a:endParaRPr lang="en-US" dirty="0"/>
+          </a:p>
+        </p:txBody>
+      </p:sp>
+      <p:sp>
+        <p:nvSpPr>
+          <p:cNvPr id="43" name="TextBox 42">
+            <a:extLst>
+              <a:ext uri="{FF2B5EF4-FFF2-40B4-BE49-F238E27FC236}">
+                <a16:creationId xmlns:a16="http://schemas.microsoft.com/office/drawing/2014/main" id="{36F2EF41-0256-7DD5-AA1D-7E2800E8EEF4}"/>
+              </a:ext>
+            </a:extLst>
+          </p:cNvPr>
+          <p:cNvSpPr txBox="1"/>
+          <p:nvPr/>
+        </p:nvSpPr>
+        <p:spPr>
+          <a:xfrm>
+            <a:off x="7720734" y="1918693"/>
+            <a:ext cx="695708" cy="400110"/>
+          </a:xfrm>
+          <a:prstGeom prst="rect">
+            <a:avLst/>
+          </a:prstGeom>
+          <a:noFill/>
+        </p:spPr>
+        <p:txBody>
+          <a:bodyPr wrap="square" rtlCol="0">
+            <a:spAutoFit/>
+          </a:bodyPr>
+          <a:lstStyle/>
+          <a:p>
+            <a:pPr algn="r"/>
+            <a:r>
+              <a:rPr lang="en-US" sz="2000" dirty="0"/>
+              <a:t>171</a:t>
+            </a:r>
+            <a:endParaRPr lang="en-US" dirty="0"/>
+          </a:p>
+        </p:txBody>
+      </p:sp>
+      <p:sp>
+        <p:nvSpPr>
+          <p:cNvPr id="44" name="TextBox 43">
+            <a:extLst>
+              <a:ext uri="{FF2B5EF4-FFF2-40B4-BE49-F238E27FC236}">
+                <a16:creationId xmlns:a16="http://schemas.microsoft.com/office/drawing/2014/main" id="{BB1CFDD6-5624-9709-50D2-DBFED6A840A3}"/>
+              </a:ext>
+            </a:extLst>
+          </p:cNvPr>
+          <p:cNvSpPr txBox="1"/>
+          <p:nvPr/>
+        </p:nvSpPr>
+        <p:spPr>
+          <a:xfrm>
+            <a:off x="1854086" y="3314581"/>
+            <a:ext cx="695708" cy="400110"/>
+          </a:xfrm>
+          <a:prstGeom prst="rect">
+            <a:avLst/>
+          </a:prstGeom>
+          <a:noFill/>
+        </p:spPr>
+        <p:txBody>
+          <a:bodyPr wrap="square" rtlCol="0">
+            <a:spAutoFit/>
+          </a:bodyPr>
+          <a:lstStyle/>
+          <a:p>
+            <a:pPr algn="r"/>
+            <a:r>
+              <a:rPr lang="en-US" sz="2000" dirty="0"/>
+              <a:t>172</a:t>
+            </a:r>
+            <a:endParaRPr lang="en-US" dirty="0"/>
+          </a:p>
+        </p:txBody>
+      </p:sp>
+      <p:sp>
+        <p:nvSpPr>
+          <p:cNvPr id="45" name="TextBox 44">
+            <a:extLst>
+              <a:ext uri="{FF2B5EF4-FFF2-40B4-BE49-F238E27FC236}">
+                <a16:creationId xmlns:a16="http://schemas.microsoft.com/office/drawing/2014/main" id="{A5A25A7F-7747-6287-9DC3-58E12D520C58}"/>
+              </a:ext>
+            </a:extLst>
+          </p:cNvPr>
+          <p:cNvSpPr txBox="1"/>
+          <p:nvPr/>
+        </p:nvSpPr>
+        <p:spPr>
+          <a:xfrm>
+            <a:off x="3819061" y="3286496"/>
+            <a:ext cx="695708" cy="400110"/>
+          </a:xfrm>
+          <a:prstGeom prst="rect">
+            <a:avLst/>
+          </a:prstGeom>
+          <a:noFill/>
+        </p:spPr>
+        <p:txBody>
+          <a:bodyPr wrap="square" rtlCol="0">
+            <a:spAutoFit/>
+          </a:bodyPr>
+          <a:lstStyle/>
+          <a:p>
+            <a:pPr algn="r"/>
+            <a:r>
+              <a:rPr lang="en-US" sz="2000" dirty="0"/>
+              <a:t>225</a:t>
+            </a:r>
+            <a:endParaRPr lang="en-US" dirty="0"/>
+          </a:p>
+        </p:txBody>
+      </p:sp>
+      <p:sp>
+        <p:nvSpPr>
+          <p:cNvPr id="46" name="TextBox 45">
+            <a:extLst>
+              <a:ext uri="{FF2B5EF4-FFF2-40B4-BE49-F238E27FC236}">
+                <a16:creationId xmlns:a16="http://schemas.microsoft.com/office/drawing/2014/main" id="{C8DB10D6-FE33-92B7-A01A-76CA66D40E4A}"/>
+              </a:ext>
+            </a:extLst>
+          </p:cNvPr>
+          <p:cNvSpPr txBox="1"/>
+          <p:nvPr/>
+        </p:nvSpPr>
+        <p:spPr>
+          <a:xfrm>
+            <a:off x="5764746" y="3294849"/>
+            <a:ext cx="695708" cy="400110"/>
+          </a:xfrm>
+          <a:prstGeom prst="rect">
+            <a:avLst/>
+          </a:prstGeom>
+          <a:noFill/>
+        </p:spPr>
+        <p:txBody>
+          <a:bodyPr wrap="square" rtlCol="0">
+            <a:spAutoFit/>
+          </a:bodyPr>
+          <a:lstStyle/>
+          <a:p>
+            <a:pPr algn="r"/>
+            <a:r>
+              <a:rPr lang="en-US" sz="2000" dirty="0"/>
+              <a:t>226</a:t>
+            </a:r>
+            <a:endParaRPr lang="en-US" dirty="0"/>
+          </a:p>
+        </p:txBody>
+      </p:sp>
+      <p:sp>
+        <p:nvSpPr>
+          <p:cNvPr id="47" name="TextBox 46">
+            <a:extLst>
+              <a:ext uri="{FF2B5EF4-FFF2-40B4-BE49-F238E27FC236}">
+                <a16:creationId xmlns:a16="http://schemas.microsoft.com/office/drawing/2014/main" id="{11C50466-3032-F444-CC4C-471F5B8C1589}"/>
+              </a:ext>
+            </a:extLst>
+          </p:cNvPr>
+          <p:cNvSpPr txBox="1"/>
+          <p:nvPr/>
+        </p:nvSpPr>
+        <p:spPr>
+          <a:xfrm>
+            <a:off x="7720734" y="3305962"/>
+            <a:ext cx="695708" cy="400110"/>
+          </a:xfrm>
+          <a:prstGeom prst="rect">
+            <a:avLst/>
+          </a:prstGeom>
+          <a:noFill/>
+        </p:spPr>
+        <p:txBody>
+          <a:bodyPr wrap="square" rtlCol="0">
+            <a:spAutoFit/>
+          </a:bodyPr>
+          <a:lstStyle/>
+          <a:p>
+            <a:pPr algn="r"/>
+            <a:r>
+              <a:rPr lang="en-US" sz="2000" dirty="0"/>
+              <a:t>243</a:t>
+            </a:r>
+            <a:endParaRPr lang="en-US" dirty="0"/>
+          </a:p>
+        </p:txBody>
+      </p:sp>
+      <p:grpSp>
+        <p:nvGrpSpPr>
+          <p:cNvPr id="51" name="Group 50">
+            <a:extLst>
+              <a:ext uri="{FF2B5EF4-FFF2-40B4-BE49-F238E27FC236}">
+                <a16:creationId xmlns:a16="http://schemas.microsoft.com/office/drawing/2014/main" id="{1DE59F22-BF58-0EA3-4F7E-6DBA888C14EA}"/>
+              </a:ext>
+            </a:extLst>
+          </p:cNvPr>
+          <p:cNvGrpSpPr/>
+          <p:nvPr/>
+        </p:nvGrpSpPr>
+        <p:grpSpPr>
+          <a:xfrm>
+            <a:off x="1032971" y="2859188"/>
+            <a:ext cx="302454" cy="302454"/>
+            <a:chOff x="1035837" y="2834035"/>
+            <a:chExt cx="302454" cy="302454"/>
+          </a:xfrm>
+        </p:grpSpPr>
+        <p:sp>
+          <p:nvSpPr>
+            <p:cNvPr id="48" name="Oval 47">
+              <a:extLst>
+                <a:ext uri="{FF2B5EF4-FFF2-40B4-BE49-F238E27FC236}">
+                  <a16:creationId xmlns:a16="http://schemas.microsoft.com/office/drawing/2014/main" id="{68FA8F63-6CD5-D7ED-5890-36C0EA8039B8}"/>
+                </a:ext>
+              </a:extLst>
+            </p:cNvPr>
+            <p:cNvSpPr/>
+            <p:nvPr/>
+          </p:nvSpPr>
+          <p:spPr>
+            <a:xfrm>
+              <a:off x="1035837" y="2834035"/>
+              <a:ext cx="302454" cy="302454"/>
+            </a:xfrm>
+            <a:prstGeom prst="ellipse">
+              <a:avLst/>
+            </a:prstGeom>
+            <a:ln w="31750">
+              <a:solidFill>
+                <a:srgbClr val="FF0000"/>
+              </a:solidFill>
+            </a:ln>
+            <a:effectLst>
+              <a:outerShdw blurRad="50800" dist="38100" dir="2700000" algn="tl" rotWithShape="0">
+                <a:prstClr val="black">
+                  <a:alpha val="40000"/>
+                </a:prstClr>
+              </a:outerShdw>
+            </a:effectLst>
+          </p:spPr>
+          <p:style>
+            <a:lnRef idx="1">
+              <a:schemeClr val="accent1"/>
+            </a:lnRef>
+            <a:fillRef idx="0">
+              <a:schemeClr val="accent1"/>
+            </a:fillRef>
+            <a:effectRef idx="0">
+              <a:schemeClr val="accent1"/>
+            </a:effectRef>
+            <a:fontRef idx="minor">
+              <a:schemeClr val="tx1"/>
+            </a:fontRef>
+          </p:style>
+          <p:txBody>
+            <a:bodyPr rtlCol="0" anchor="ctr"/>
+            <a:lstStyle/>
+            <a:p>
+              <a:pPr algn="ctr"/>
+              <a:endParaRPr lang="en-US"/>
+            </a:p>
+          </p:txBody>
+        </p:sp>
+        <p:sp>
+          <p:nvSpPr>
+            <p:cNvPr id="50" name="Oval 49">
+              <a:extLst>
+                <a:ext uri="{FF2B5EF4-FFF2-40B4-BE49-F238E27FC236}">
+                  <a16:creationId xmlns:a16="http://schemas.microsoft.com/office/drawing/2014/main" id="{87E453F1-7C0C-0BFB-6F4D-24ED4D094EEC}"/>
+                </a:ext>
+              </a:extLst>
+            </p:cNvPr>
+            <p:cNvSpPr/>
+            <p:nvPr/>
+          </p:nvSpPr>
+          <p:spPr>
+            <a:xfrm>
+              <a:off x="1147711" y="2945909"/>
+              <a:ext cx="78707" cy="78707"/>
+            </a:xfrm>
+            <a:prstGeom prst="ellipse">
+              <a:avLst/>
+            </a:prstGeom>
+            <a:solidFill>
+              <a:srgbClr val="FF0000"/>
+            </a:solidFill>
+            <a:ln w="19050">
+              <a:noFill/>
+            </a:ln>
+            <a:effectLst>
+              <a:outerShdw blurRad="50800" dist="38100" dir="2700000" algn="tl" rotWithShape="0">
+                <a:prstClr val="black">
+                  <a:alpha val="40000"/>
+                </a:prstClr>
+              </a:outerShdw>
+            </a:effectLst>
+          </p:spPr>
+          <p:style>
+            <a:lnRef idx="1">
+              <a:schemeClr val="accent1"/>
+            </a:lnRef>
+            <a:fillRef idx="0">
+              <a:schemeClr val="accent1"/>
+            </a:fillRef>
+            <a:effectRef idx="0">
+              <a:schemeClr val="accent1"/>
+            </a:effectRef>
+            <a:fontRef idx="minor">
+              <a:schemeClr val="tx1"/>
+            </a:fontRef>
+          </p:style>
+          <p:txBody>
+            <a:bodyPr rtlCol="0" anchor="ctr"/>
+            <a:lstStyle/>
+            <a:p>
+              <a:pPr algn="ctr"/>
+              <a:endParaRPr lang="en-US"/>
+            </a:p>
+          </p:txBody>
+        </p:sp>
+      </p:grpSp>
+      <p:grpSp>
+        <p:nvGrpSpPr>
+          <p:cNvPr id="52" name="Group 51">
+            <a:extLst>
+              <a:ext uri="{FF2B5EF4-FFF2-40B4-BE49-F238E27FC236}">
+                <a16:creationId xmlns:a16="http://schemas.microsoft.com/office/drawing/2014/main" id="{F84FDC9C-D8C5-D4D0-B1CC-FF4683B403E7}"/>
+              </a:ext>
+            </a:extLst>
+          </p:cNvPr>
+          <p:cNvGrpSpPr/>
+          <p:nvPr/>
+        </p:nvGrpSpPr>
+        <p:grpSpPr>
+          <a:xfrm>
+            <a:off x="3025876" y="2859188"/>
+            <a:ext cx="302454" cy="302454"/>
+            <a:chOff x="1035837" y="2834035"/>
+            <a:chExt cx="302454" cy="302454"/>
+          </a:xfrm>
+        </p:grpSpPr>
+        <p:sp>
+          <p:nvSpPr>
+            <p:cNvPr id="53" name="Oval 52">
+              <a:extLst>
+                <a:ext uri="{FF2B5EF4-FFF2-40B4-BE49-F238E27FC236}">
+                  <a16:creationId xmlns:a16="http://schemas.microsoft.com/office/drawing/2014/main" id="{19EF7967-3344-876D-F5D5-1C7E80E32496}"/>
+                </a:ext>
+              </a:extLst>
+            </p:cNvPr>
+            <p:cNvSpPr/>
+            <p:nvPr/>
+          </p:nvSpPr>
+          <p:spPr>
+            <a:xfrm>
+              <a:off x="1035837" y="2834035"/>
+              <a:ext cx="302454" cy="302454"/>
+            </a:xfrm>
+            <a:prstGeom prst="ellipse">
+              <a:avLst/>
+            </a:prstGeom>
+            <a:ln w="31750">
+              <a:solidFill>
+                <a:srgbClr val="FF0000"/>
+              </a:solidFill>
+            </a:ln>
+            <a:effectLst>
+              <a:outerShdw blurRad="50800" dist="38100" dir="2700000" algn="tl" rotWithShape="0">
+                <a:prstClr val="black">
+                  <a:alpha val="40000"/>
+                </a:prstClr>
+              </a:outerShdw>
+            </a:effectLst>
+          </p:spPr>
+          <p:style>
+            <a:lnRef idx="1">
+              <a:schemeClr val="accent1"/>
+            </a:lnRef>
+            <a:fillRef idx="0">
+              <a:schemeClr val="accent1"/>
+            </a:fillRef>
+            <a:effectRef idx="0">
+              <a:schemeClr val="accent1"/>
+            </a:effectRef>
+            <a:fontRef idx="minor">
+              <a:schemeClr val="tx1"/>
+            </a:fontRef>
+          </p:style>
+          <p:txBody>
+            <a:bodyPr rtlCol="0" anchor="ctr"/>
+            <a:lstStyle/>
+            <a:p>
+              <a:pPr algn="ctr"/>
+              <a:endParaRPr lang="en-US"/>
+            </a:p>
+          </p:txBody>
+        </p:sp>
+        <p:sp>
+          <p:nvSpPr>
+            <p:cNvPr id="54" name="Oval 53">
+              <a:extLst>
+                <a:ext uri="{FF2B5EF4-FFF2-40B4-BE49-F238E27FC236}">
+                  <a16:creationId xmlns:a16="http://schemas.microsoft.com/office/drawing/2014/main" id="{11AA332F-C935-78E9-DCF4-365DB5AC0DA8}"/>
+                </a:ext>
+              </a:extLst>
+            </p:cNvPr>
+            <p:cNvSpPr/>
+            <p:nvPr/>
+          </p:nvSpPr>
+          <p:spPr>
+            <a:xfrm>
+              <a:off x="1147711" y="2945909"/>
+              <a:ext cx="78707" cy="78707"/>
+            </a:xfrm>
+            <a:prstGeom prst="ellipse">
+              <a:avLst/>
+            </a:prstGeom>
+            <a:solidFill>
+              <a:srgbClr val="FF0000"/>
+            </a:solidFill>
+            <a:ln w="19050">
+              <a:noFill/>
+            </a:ln>
+            <a:effectLst>
+              <a:outerShdw blurRad="50800" dist="38100" dir="2700000" algn="tl" rotWithShape="0">
+                <a:prstClr val="black">
+                  <a:alpha val="40000"/>
+                </a:prstClr>
+              </a:outerShdw>
+            </a:effectLst>
+          </p:spPr>
+          <p:style>
+            <a:lnRef idx="1">
+              <a:schemeClr val="accent1"/>
+            </a:lnRef>
+            <a:fillRef idx="0">
+              <a:schemeClr val="accent1"/>
+            </a:fillRef>
+            <a:effectRef idx="0">
+              <a:schemeClr val="accent1"/>
+            </a:effectRef>
+            <a:fontRef idx="minor">
+              <a:schemeClr val="tx1"/>
+            </a:fontRef>
+          </p:style>
+          <p:txBody>
+            <a:bodyPr rtlCol="0" anchor="ctr"/>
+            <a:lstStyle/>
+            <a:p>
+              <a:pPr algn="ctr"/>
+              <a:endParaRPr lang="en-US"/>
+            </a:p>
+          </p:txBody>
+        </p:sp>
+      </p:grpSp>
+      <p:grpSp>
+        <p:nvGrpSpPr>
+          <p:cNvPr id="55" name="Group 54">
+            <a:extLst>
+              <a:ext uri="{FF2B5EF4-FFF2-40B4-BE49-F238E27FC236}">
+                <a16:creationId xmlns:a16="http://schemas.microsoft.com/office/drawing/2014/main" id="{4C46E8CB-DD08-E6C3-A0B6-8484D3AB9B37}"/>
+              </a:ext>
+            </a:extLst>
+          </p:cNvPr>
+          <p:cNvGrpSpPr/>
+          <p:nvPr/>
+        </p:nvGrpSpPr>
+        <p:grpSpPr>
+          <a:xfrm>
+            <a:off x="4962481" y="2868499"/>
+            <a:ext cx="302454" cy="302454"/>
+            <a:chOff x="1035837" y="2834035"/>
+            <a:chExt cx="302454" cy="302454"/>
+          </a:xfrm>
+        </p:grpSpPr>
+        <p:sp>
+          <p:nvSpPr>
+            <p:cNvPr id="56" name="Oval 55">
+              <a:extLst>
+                <a:ext uri="{FF2B5EF4-FFF2-40B4-BE49-F238E27FC236}">
+                  <a16:creationId xmlns:a16="http://schemas.microsoft.com/office/drawing/2014/main" id="{7B96711E-314A-3533-2455-0CF4AEE689E7}"/>
+                </a:ext>
+              </a:extLst>
+            </p:cNvPr>
+            <p:cNvSpPr/>
+            <p:nvPr/>
+          </p:nvSpPr>
+          <p:spPr>
+            <a:xfrm>
+              <a:off x="1035837" y="2834035"/>
+              <a:ext cx="302454" cy="302454"/>
+            </a:xfrm>
+            <a:prstGeom prst="ellipse">
+              <a:avLst/>
+            </a:prstGeom>
+            <a:ln w="31750">
+              <a:solidFill>
+                <a:srgbClr val="FF0000"/>
+              </a:solidFill>
+            </a:ln>
+            <a:effectLst>
+              <a:outerShdw blurRad="50800" dist="38100" dir="2700000" algn="tl" rotWithShape="0">
+                <a:prstClr val="black">
+                  <a:alpha val="40000"/>
+                </a:prstClr>
+              </a:outerShdw>
+            </a:effectLst>
+          </p:spPr>
+          <p:style>
+            <a:lnRef idx="1">
+              <a:schemeClr val="accent1"/>
+            </a:lnRef>
+            <a:fillRef idx="0">
+              <a:schemeClr val="accent1"/>
+            </a:fillRef>
+            <a:effectRef idx="0">
+              <a:schemeClr val="accent1"/>
+            </a:effectRef>
+            <a:fontRef idx="minor">
+              <a:schemeClr val="tx1"/>
+            </a:fontRef>
+          </p:style>
+          <p:txBody>
+            <a:bodyPr rtlCol="0" anchor="ctr"/>
+            <a:lstStyle/>
+            <a:p>
+              <a:pPr algn="ctr"/>
+              <a:endParaRPr lang="en-US"/>
+            </a:p>
+          </p:txBody>
+        </p:sp>
+        <p:sp>
+          <p:nvSpPr>
+            <p:cNvPr id="57" name="Oval 56">
+              <a:extLst>
+                <a:ext uri="{FF2B5EF4-FFF2-40B4-BE49-F238E27FC236}">
+                  <a16:creationId xmlns:a16="http://schemas.microsoft.com/office/drawing/2014/main" id="{5A5AC7B3-E083-B43A-DE69-AB2EE6BB8721}"/>
+                </a:ext>
+              </a:extLst>
+            </p:cNvPr>
+            <p:cNvSpPr/>
+            <p:nvPr/>
+          </p:nvSpPr>
+          <p:spPr>
+            <a:xfrm>
+              <a:off x="1147711" y="2945909"/>
+              <a:ext cx="78707" cy="78707"/>
+            </a:xfrm>
+            <a:prstGeom prst="ellipse">
+              <a:avLst/>
+            </a:prstGeom>
+            <a:solidFill>
+              <a:srgbClr val="FF0000"/>
+            </a:solidFill>
+            <a:ln w="19050">
+              <a:noFill/>
+            </a:ln>
+            <a:effectLst>
+              <a:outerShdw blurRad="50800" dist="38100" dir="2700000" algn="tl" rotWithShape="0">
+                <a:prstClr val="black">
+                  <a:alpha val="40000"/>
+                </a:prstClr>
+              </a:outerShdw>
+            </a:effectLst>
+          </p:spPr>
+          <p:style>
+            <a:lnRef idx="1">
+              <a:schemeClr val="accent1"/>
+            </a:lnRef>
+            <a:fillRef idx="0">
+              <a:schemeClr val="accent1"/>
+            </a:fillRef>
+            <a:effectRef idx="0">
+              <a:schemeClr val="accent1"/>
+            </a:effectRef>
+            <a:fontRef idx="minor">
+              <a:schemeClr val="tx1"/>
+            </a:fontRef>
+          </p:style>
+          <p:txBody>
+            <a:bodyPr rtlCol="0" anchor="ctr"/>
+            <a:lstStyle/>
+            <a:p>
+              <a:pPr algn="ctr"/>
+              <a:endParaRPr lang="en-US"/>
+            </a:p>
+          </p:txBody>
+        </p:sp>
+      </p:grpSp>
+      <p:sp>
+        <p:nvSpPr>
+          <p:cNvPr id="58" name="TextBox 57">
+            <a:extLst>
+              <a:ext uri="{FF2B5EF4-FFF2-40B4-BE49-F238E27FC236}">
+                <a16:creationId xmlns:a16="http://schemas.microsoft.com/office/drawing/2014/main" id="{5F836C3C-1FB4-9EB5-DCED-4AE076EA540D}"/>
+              </a:ext>
+            </a:extLst>
+          </p:cNvPr>
+          <p:cNvSpPr txBox="1"/>
+          <p:nvPr/>
+        </p:nvSpPr>
+        <p:spPr>
+          <a:xfrm>
+            <a:off x="921256" y="2534946"/>
+            <a:ext cx="604591" cy="369332"/>
+          </a:xfrm>
+          <a:prstGeom prst="rect">
+            <a:avLst/>
+          </a:prstGeom>
+          <a:noFill/>
+        </p:spPr>
+        <p:txBody>
+          <a:bodyPr wrap="square" rtlCol="0">
+            <a:spAutoFit/>
+          </a:bodyPr>
+          <a:lstStyle/>
+          <a:p>
+            <a:pPr algn="ctr"/>
+            <a:r>
+              <a:rPr lang="en-US" dirty="0"/>
+              <a:t>add</a:t>
+            </a:r>
+          </a:p>
+        </p:txBody>
+      </p:sp>
+      <p:sp>
+        <p:nvSpPr>
+          <p:cNvPr id="59" name="TextBox 58">
+            <a:extLst>
+              <a:ext uri="{FF2B5EF4-FFF2-40B4-BE49-F238E27FC236}">
+                <a16:creationId xmlns:a16="http://schemas.microsoft.com/office/drawing/2014/main" id="{48F6221C-38A4-7552-6A32-2F0F7C50A5FE}"/>
+              </a:ext>
+            </a:extLst>
+          </p:cNvPr>
+          <p:cNvSpPr txBox="1"/>
+          <p:nvPr/>
+        </p:nvSpPr>
+        <p:spPr>
+          <a:xfrm>
+            <a:off x="2901459" y="2530498"/>
+            <a:ext cx="590682" cy="369332"/>
+          </a:xfrm>
+          <a:prstGeom prst="rect">
+            <a:avLst/>
+          </a:prstGeom>
+          <a:noFill/>
+        </p:spPr>
+        <p:txBody>
+          <a:bodyPr wrap="square" rtlCol="0">
+            <a:spAutoFit/>
+          </a:bodyPr>
+          <a:lstStyle/>
+          <a:p>
+            <a:r>
+              <a:rPr lang="en-US" dirty="0"/>
+              <a:t>add</a:t>
+            </a:r>
+          </a:p>
+        </p:txBody>
+      </p:sp>
+      <p:sp>
+        <p:nvSpPr>
+          <p:cNvPr id="60" name="TextBox 59">
+            <a:extLst>
+              <a:ext uri="{FF2B5EF4-FFF2-40B4-BE49-F238E27FC236}">
+                <a16:creationId xmlns:a16="http://schemas.microsoft.com/office/drawing/2014/main" id="{0CCBC1A4-AC2B-1A3A-491D-85AFE6B9DBAD}"/>
+              </a:ext>
+            </a:extLst>
+          </p:cNvPr>
+          <p:cNvSpPr txBox="1"/>
+          <p:nvPr/>
+        </p:nvSpPr>
+        <p:spPr>
+          <a:xfrm>
+            <a:off x="4782978" y="2546803"/>
+            <a:ext cx="690829" cy="369332"/>
+          </a:xfrm>
+          <a:prstGeom prst="rect">
+            <a:avLst/>
+          </a:prstGeom>
+          <a:noFill/>
+        </p:spPr>
+        <p:txBody>
+          <a:bodyPr wrap="square" rtlCol="0">
+            <a:spAutoFit/>
+          </a:bodyPr>
+          <a:lstStyle/>
+          <a:p>
+            <a:pPr algn="ctr"/>
+            <a:r>
+              <a:rPr lang="en-US" dirty="0"/>
+              <a:t>add</a:t>
+            </a:r>
+          </a:p>
+        </p:txBody>
+      </p:sp>
+      <p:grpSp>
+        <p:nvGrpSpPr>
+          <p:cNvPr id="61" name="Group 60">
+            <a:extLst>
+              <a:ext uri="{FF2B5EF4-FFF2-40B4-BE49-F238E27FC236}">
+                <a16:creationId xmlns:a16="http://schemas.microsoft.com/office/drawing/2014/main" id="{A07B942C-4154-7B4C-844D-7B8C463CF6A7}"/>
+              </a:ext>
+            </a:extLst>
+          </p:cNvPr>
+          <p:cNvGrpSpPr/>
+          <p:nvPr/>
+        </p:nvGrpSpPr>
+        <p:grpSpPr>
+          <a:xfrm>
+            <a:off x="6920008" y="2868499"/>
+            <a:ext cx="302454" cy="302454"/>
+            <a:chOff x="1035837" y="2834035"/>
+            <a:chExt cx="302454" cy="302454"/>
+          </a:xfrm>
+        </p:grpSpPr>
+        <p:sp>
+          <p:nvSpPr>
+            <p:cNvPr id="62" name="Oval 61">
+              <a:extLst>
+                <a:ext uri="{FF2B5EF4-FFF2-40B4-BE49-F238E27FC236}">
+                  <a16:creationId xmlns:a16="http://schemas.microsoft.com/office/drawing/2014/main" id="{C6A1351B-A8DF-E7F0-B089-F8D7395B8AB8}"/>
+                </a:ext>
+              </a:extLst>
+            </p:cNvPr>
+            <p:cNvSpPr/>
+            <p:nvPr/>
+          </p:nvSpPr>
+          <p:spPr>
+            <a:xfrm>
+              <a:off x="1035837" y="2834035"/>
+              <a:ext cx="302454" cy="302454"/>
+            </a:xfrm>
+            <a:prstGeom prst="ellipse">
+              <a:avLst/>
+            </a:prstGeom>
+            <a:ln w="31750">
+              <a:solidFill>
+                <a:schemeClr val="accent5"/>
+              </a:solidFill>
+            </a:ln>
+            <a:effectLst>
+              <a:outerShdw blurRad="50800" dist="38100" dir="2700000" algn="tl" rotWithShape="0">
+                <a:prstClr val="black">
+                  <a:alpha val="40000"/>
+                </a:prstClr>
+              </a:outerShdw>
+            </a:effectLst>
+          </p:spPr>
+          <p:style>
+            <a:lnRef idx="1">
+              <a:schemeClr val="accent1"/>
+            </a:lnRef>
+            <a:fillRef idx="0">
+              <a:schemeClr val="accent1"/>
+            </a:fillRef>
+            <a:effectRef idx="0">
+              <a:schemeClr val="accent1"/>
+            </a:effectRef>
+            <a:fontRef idx="minor">
+              <a:schemeClr val="tx1"/>
+            </a:fontRef>
+          </p:style>
+          <p:txBody>
+            <a:bodyPr rtlCol="0" anchor="ctr"/>
+            <a:lstStyle/>
+            <a:p>
+              <a:pPr algn="ctr"/>
+              <a:endParaRPr lang="en-US"/>
+            </a:p>
+          </p:txBody>
+        </p:sp>
+        <p:sp>
+          <p:nvSpPr>
+            <p:cNvPr id="63" name="Oval 62">
+              <a:extLst>
+                <a:ext uri="{FF2B5EF4-FFF2-40B4-BE49-F238E27FC236}">
+                  <a16:creationId xmlns:a16="http://schemas.microsoft.com/office/drawing/2014/main" id="{5B2AA114-95AD-304F-D1B7-BD8A9D7F866B}"/>
+                </a:ext>
+              </a:extLst>
+            </p:cNvPr>
+            <p:cNvSpPr/>
+            <p:nvPr/>
+          </p:nvSpPr>
+          <p:spPr>
+            <a:xfrm>
+              <a:off x="1147711" y="2945909"/>
+              <a:ext cx="78707" cy="78707"/>
+            </a:xfrm>
+            <a:prstGeom prst="ellipse">
+              <a:avLst/>
+            </a:prstGeom>
+            <a:solidFill>
+              <a:schemeClr val="accent5"/>
+            </a:solidFill>
+            <a:ln w="19050">
+              <a:noFill/>
+            </a:ln>
+            <a:effectLst>
+              <a:outerShdw blurRad="50800" dist="38100" dir="2700000" algn="tl" rotWithShape="0">
+                <a:prstClr val="black">
+                  <a:alpha val="40000"/>
+                </a:prstClr>
+              </a:outerShdw>
+            </a:effectLst>
+          </p:spPr>
+          <p:style>
+            <a:lnRef idx="1">
+              <a:schemeClr val="accent1"/>
+            </a:lnRef>
+            <a:fillRef idx="0">
+              <a:schemeClr val="accent1"/>
+            </a:fillRef>
+            <a:effectRef idx="0">
+              <a:schemeClr val="accent1"/>
+            </a:effectRef>
+            <a:fontRef idx="minor">
+              <a:schemeClr val="tx1"/>
+            </a:fontRef>
+          </p:style>
+          <p:txBody>
+            <a:bodyPr rtlCol="0" anchor="ctr"/>
+            <a:lstStyle/>
+            <a:p>
+              <a:pPr algn="ctr"/>
+              <a:endParaRPr lang="en-US"/>
+            </a:p>
+          </p:txBody>
+        </p:sp>
+      </p:grpSp>
+      <p:grpSp>
+        <p:nvGrpSpPr>
+          <p:cNvPr id="64" name="Group 63">
+            <a:extLst>
+              <a:ext uri="{FF2B5EF4-FFF2-40B4-BE49-F238E27FC236}">
+                <a16:creationId xmlns:a16="http://schemas.microsoft.com/office/drawing/2014/main" id="{4651FF4D-EF06-93FF-9558-5B94410F1A19}"/>
+              </a:ext>
+            </a:extLst>
+          </p:cNvPr>
+          <p:cNvGrpSpPr/>
+          <p:nvPr/>
+        </p:nvGrpSpPr>
+        <p:grpSpPr>
+          <a:xfrm>
+            <a:off x="7384311" y="2859188"/>
+            <a:ext cx="302454" cy="302454"/>
+            <a:chOff x="1035837" y="2834035"/>
+            <a:chExt cx="302454" cy="302454"/>
+          </a:xfrm>
+        </p:grpSpPr>
+        <p:sp>
+          <p:nvSpPr>
+            <p:cNvPr id="65" name="Oval 64">
+              <a:extLst>
+                <a:ext uri="{FF2B5EF4-FFF2-40B4-BE49-F238E27FC236}">
+                  <a16:creationId xmlns:a16="http://schemas.microsoft.com/office/drawing/2014/main" id="{4B765A86-200F-1388-3D5B-CF7673E3EE40}"/>
+                </a:ext>
+              </a:extLst>
+            </p:cNvPr>
+            <p:cNvSpPr/>
+            <p:nvPr/>
+          </p:nvSpPr>
+          <p:spPr>
+            <a:xfrm>
+              <a:off x="1035837" y="2834035"/>
+              <a:ext cx="302454" cy="302454"/>
+            </a:xfrm>
+            <a:prstGeom prst="ellipse">
+              <a:avLst/>
+            </a:prstGeom>
+            <a:ln w="31750">
+              <a:solidFill>
+                <a:srgbClr val="FF0000"/>
+              </a:solidFill>
+            </a:ln>
+            <a:effectLst>
+              <a:outerShdw blurRad="50800" dist="38100" dir="2700000" algn="tl" rotWithShape="0">
+                <a:prstClr val="black">
+                  <a:alpha val="40000"/>
+                </a:prstClr>
+              </a:outerShdw>
+            </a:effectLst>
+          </p:spPr>
+          <p:style>
+            <a:lnRef idx="1">
+              <a:schemeClr val="accent1"/>
+            </a:lnRef>
+            <a:fillRef idx="0">
+              <a:schemeClr val="accent1"/>
+            </a:fillRef>
+            <a:effectRef idx="0">
+              <a:schemeClr val="accent1"/>
+            </a:effectRef>
+            <a:fontRef idx="minor">
+              <a:schemeClr val="tx1"/>
+            </a:fontRef>
+          </p:style>
+          <p:txBody>
+            <a:bodyPr rtlCol="0" anchor="ctr"/>
+            <a:lstStyle/>
+            <a:p>
+              <a:pPr algn="ctr"/>
+              <a:endParaRPr lang="en-US"/>
+            </a:p>
+          </p:txBody>
+        </p:sp>
+        <p:sp>
+          <p:nvSpPr>
+            <p:cNvPr id="66" name="Oval 65">
+              <a:extLst>
+                <a:ext uri="{FF2B5EF4-FFF2-40B4-BE49-F238E27FC236}">
+                  <a16:creationId xmlns:a16="http://schemas.microsoft.com/office/drawing/2014/main" id="{48D62C5A-6B8B-6F22-957F-C476DB6F7092}"/>
+                </a:ext>
+              </a:extLst>
+            </p:cNvPr>
+            <p:cNvSpPr/>
+            <p:nvPr/>
+          </p:nvSpPr>
+          <p:spPr>
+            <a:xfrm>
+              <a:off x="1147711" y="2945909"/>
+              <a:ext cx="78707" cy="78707"/>
+            </a:xfrm>
+            <a:prstGeom prst="ellipse">
+              <a:avLst/>
+            </a:prstGeom>
+            <a:solidFill>
+              <a:srgbClr val="FF0000"/>
+            </a:solidFill>
+            <a:ln w="19050">
+              <a:noFill/>
+            </a:ln>
+            <a:effectLst>
+              <a:outerShdw blurRad="50800" dist="38100" dir="2700000" algn="tl" rotWithShape="0">
+                <a:prstClr val="black">
+                  <a:alpha val="40000"/>
+                </a:prstClr>
+              </a:outerShdw>
+            </a:effectLst>
+          </p:spPr>
+          <p:style>
+            <a:lnRef idx="1">
+              <a:schemeClr val="accent1"/>
+            </a:lnRef>
+            <a:fillRef idx="0">
+              <a:schemeClr val="accent1"/>
+            </a:fillRef>
+            <a:effectRef idx="0">
+              <a:schemeClr val="accent1"/>
+            </a:effectRef>
+            <a:fontRef idx="minor">
+              <a:schemeClr val="tx1"/>
+            </a:fontRef>
+          </p:style>
+          <p:txBody>
+            <a:bodyPr rtlCol="0" anchor="ctr"/>
+            <a:lstStyle/>
+            <a:p>
+              <a:pPr algn="ctr"/>
+              <a:endParaRPr lang="en-US"/>
+            </a:p>
+          </p:txBody>
+        </p:sp>
+      </p:grpSp>
+      <p:sp>
+        <p:nvSpPr>
+          <p:cNvPr id="67" name="TextBox 66">
+            <a:extLst>
+              <a:ext uri="{FF2B5EF4-FFF2-40B4-BE49-F238E27FC236}">
+                <a16:creationId xmlns:a16="http://schemas.microsoft.com/office/drawing/2014/main" id="{32359206-5D96-9C77-D323-9205A98D3E18}"/>
+              </a:ext>
+            </a:extLst>
+          </p:cNvPr>
+          <p:cNvSpPr txBox="1"/>
+          <p:nvPr/>
+        </p:nvSpPr>
+        <p:spPr>
+          <a:xfrm>
+            <a:off x="7311078" y="2533007"/>
+            <a:ext cx="601773" cy="369332"/>
+          </a:xfrm>
+          <a:prstGeom prst="rect">
+            <a:avLst/>
+          </a:prstGeom>
+          <a:noFill/>
+        </p:spPr>
+        <p:txBody>
+          <a:bodyPr wrap="square" rtlCol="0">
+            <a:spAutoFit/>
+          </a:bodyPr>
+          <a:lstStyle/>
+          <a:p>
+            <a:pPr algn="ctr"/>
+            <a:r>
+              <a:rPr lang="en-US" dirty="0"/>
+              <a:t>add</a:t>
+            </a:r>
+          </a:p>
+        </p:txBody>
+      </p:sp>
+      <p:sp>
+        <p:nvSpPr>
+          <p:cNvPr id="68" name="TextBox 67">
+            <a:extLst>
+              <a:ext uri="{FF2B5EF4-FFF2-40B4-BE49-F238E27FC236}">
+                <a16:creationId xmlns:a16="http://schemas.microsoft.com/office/drawing/2014/main" id="{ACD42E6A-EB56-AB3C-225A-E414DCB0C640}"/>
+              </a:ext>
+            </a:extLst>
+          </p:cNvPr>
+          <p:cNvSpPr txBox="1"/>
+          <p:nvPr/>
+        </p:nvSpPr>
+        <p:spPr>
+          <a:xfrm>
+            <a:off x="6551892" y="2543392"/>
+            <a:ext cx="905149" cy="369332"/>
+          </a:xfrm>
+          <a:prstGeom prst="rect">
+            <a:avLst/>
+          </a:prstGeom>
+          <a:noFill/>
+        </p:spPr>
+        <p:txBody>
+          <a:bodyPr wrap="square" rtlCol="0">
+            <a:spAutoFit/>
+          </a:bodyPr>
+          <a:lstStyle/>
+          <a:p>
+            <a:pPr algn="ctr"/>
+            <a:r>
+              <a:rPr lang="en-US" dirty="0"/>
+              <a:t>persist</a:t>
+            </a:r>
+          </a:p>
+        </p:txBody>
+      </p:sp>
+      <p:grpSp>
+        <p:nvGrpSpPr>
+          <p:cNvPr id="77" name="Group 76">
+            <a:extLst>
+              <a:ext uri="{FF2B5EF4-FFF2-40B4-BE49-F238E27FC236}">
+                <a16:creationId xmlns:a16="http://schemas.microsoft.com/office/drawing/2014/main" id="{6F4368B0-7EDE-D327-7E13-693428ED4439}"/>
+              </a:ext>
+            </a:extLst>
+          </p:cNvPr>
+          <p:cNvGrpSpPr/>
+          <p:nvPr/>
+        </p:nvGrpSpPr>
+        <p:grpSpPr>
+          <a:xfrm>
+            <a:off x="1516528" y="4242134"/>
+            <a:ext cx="302454" cy="302454"/>
+            <a:chOff x="1035837" y="2834035"/>
+            <a:chExt cx="302454" cy="302454"/>
+          </a:xfrm>
+        </p:grpSpPr>
+        <p:sp>
+          <p:nvSpPr>
+            <p:cNvPr id="78" name="Oval 77">
+              <a:extLst>
+                <a:ext uri="{FF2B5EF4-FFF2-40B4-BE49-F238E27FC236}">
+                  <a16:creationId xmlns:a16="http://schemas.microsoft.com/office/drawing/2014/main" id="{BA1D6CF6-3038-37DE-A1AD-BBD126AE6FAD}"/>
+                </a:ext>
+              </a:extLst>
+            </p:cNvPr>
+            <p:cNvSpPr/>
+            <p:nvPr/>
+          </p:nvSpPr>
+          <p:spPr>
+            <a:xfrm>
+              <a:off x="1035837" y="2834035"/>
+              <a:ext cx="302454" cy="302454"/>
+            </a:xfrm>
+            <a:prstGeom prst="ellipse">
+              <a:avLst/>
+            </a:prstGeom>
+            <a:ln w="31750">
+              <a:solidFill>
+                <a:schemeClr val="accent5"/>
+              </a:solidFill>
+            </a:ln>
+            <a:effectLst>
+              <a:outerShdw blurRad="50800" dist="38100" dir="2700000" algn="tl" rotWithShape="0">
+                <a:prstClr val="black">
+                  <a:alpha val="40000"/>
+                </a:prstClr>
+              </a:outerShdw>
+            </a:effectLst>
+          </p:spPr>
+          <p:style>
+            <a:lnRef idx="1">
+              <a:schemeClr val="accent1"/>
+            </a:lnRef>
+            <a:fillRef idx="0">
+              <a:schemeClr val="accent1"/>
+            </a:fillRef>
+            <a:effectRef idx="0">
+              <a:schemeClr val="accent1"/>
+            </a:effectRef>
+            <a:fontRef idx="minor">
+              <a:schemeClr val="tx1"/>
+            </a:fontRef>
+          </p:style>
+          <p:txBody>
+            <a:bodyPr rtlCol="0" anchor="ctr"/>
+            <a:lstStyle/>
+            <a:p>
+              <a:pPr algn="ctr"/>
+              <a:endParaRPr lang="en-US"/>
+            </a:p>
+          </p:txBody>
+        </p:sp>
+        <p:sp>
+          <p:nvSpPr>
+            <p:cNvPr id="79" name="Oval 78">
+              <a:extLst>
+                <a:ext uri="{FF2B5EF4-FFF2-40B4-BE49-F238E27FC236}">
+                  <a16:creationId xmlns:a16="http://schemas.microsoft.com/office/drawing/2014/main" id="{8CFE98C9-81C7-23FD-3FBD-298855CFD39F}"/>
+                </a:ext>
+              </a:extLst>
+            </p:cNvPr>
+            <p:cNvSpPr/>
+            <p:nvPr/>
+          </p:nvSpPr>
+          <p:spPr>
+            <a:xfrm>
+              <a:off x="1147711" y="2945909"/>
+              <a:ext cx="78707" cy="78707"/>
+            </a:xfrm>
+            <a:prstGeom prst="ellipse">
+              <a:avLst/>
+            </a:prstGeom>
+            <a:solidFill>
+              <a:schemeClr val="accent5"/>
+            </a:solidFill>
+            <a:ln w="19050">
+              <a:noFill/>
+            </a:ln>
+            <a:effectLst>
+              <a:outerShdw blurRad="50800" dist="38100" dir="2700000" algn="tl" rotWithShape="0">
+                <a:prstClr val="black">
+                  <a:alpha val="40000"/>
+                </a:prstClr>
+              </a:outerShdw>
+            </a:effectLst>
+          </p:spPr>
+          <p:style>
+            <a:lnRef idx="1">
+              <a:schemeClr val="accent1"/>
+            </a:lnRef>
+            <a:fillRef idx="0">
+              <a:schemeClr val="accent1"/>
+            </a:fillRef>
+            <a:effectRef idx="0">
+              <a:schemeClr val="accent1"/>
+            </a:effectRef>
+            <a:fontRef idx="minor">
+              <a:schemeClr val="tx1"/>
+            </a:fontRef>
+          </p:style>
+          <p:txBody>
+            <a:bodyPr rtlCol="0" anchor="ctr"/>
+            <a:lstStyle/>
+            <a:p>
+              <a:pPr algn="ctr"/>
+              <a:endParaRPr lang="en-US"/>
+            </a:p>
+          </p:txBody>
+        </p:sp>
+      </p:grpSp>
+      <p:sp>
+        <p:nvSpPr>
+          <p:cNvPr id="80" name="TextBox 79">
+            <a:extLst>
+              <a:ext uri="{FF2B5EF4-FFF2-40B4-BE49-F238E27FC236}">
+                <a16:creationId xmlns:a16="http://schemas.microsoft.com/office/drawing/2014/main" id="{EE713282-54DB-117D-3E9A-3008143B64FE}"/>
+              </a:ext>
+            </a:extLst>
+          </p:cNvPr>
+          <p:cNvSpPr txBox="1"/>
+          <p:nvPr/>
+        </p:nvSpPr>
+        <p:spPr>
+          <a:xfrm>
+            <a:off x="1578664" y="3903615"/>
+            <a:ext cx="905149" cy="369332"/>
+          </a:xfrm>
+          <a:prstGeom prst="rect">
+            <a:avLst/>
+          </a:prstGeom>
+          <a:noFill/>
+        </p:spPr>
+        <p:txBody>
+          <a:bodyPr wrap="square" rtlCol="0">
+            <a:spAutoFit/>
+          </a:bodyPr>
+          <a:lstStyle/>
+          <a:p>
+            <a:pPr algn="ctr"/>
+            <a:r>
+              <a:rPr lang="en-US" dirty="0"/>
+              <a:t>persist</a:t>
+            </a:r>
+          </a:p>
+        </p:txBody>
+      </p:sp>
+      <p:grpSp>
+        <p:nvGrpSpPr>
+          <p:cNvPr id="81" name="Group 80">
+            <a:extLst>
+              <a:ext uri="{FF2B5EF4-FFF2-40B4-BE49-F238E27FC236}">
+                <a16:creationId xmlns:a16="http://schemas.microsoft.com/office/drawing/2014/main" id="{68168309-DC37-E05C-4743-D246F208C685}"/>
+              </a:ext>
+            </a:extLst>
+          </p:cNvPr>
+          <p:cNvGrpSpPr/>
+          <p:nvPr/>
+        </p:nvGrpSpPr>
+        <p:grpSpPr>
+          <a:xfrm>
+            <a:off x="3482311" y="4230640"/>
+            <a:ext cx="302454" cy="302454"/>
+            <a:chOff x="1035837" y="2834035"/>
+            <a:chExt cx="302454" cy="302454"/>
+          </a:xfrm>
+        </p:grpSpPr>
+        <p:sp>
+          <p:nvSpPr>
+            <p:cNvPr id="82" name="Oval 81">
+              <a:extLst>
+                <a:ext uri="{FF2B5EF4-FFF2-40B4-BE49-F238E27FC236}">
+                  <a16:creationId xmlns:a16="http://schemas.microsoft.com/office/drawing/2014/main" id="{88751EE5-1741-2CDE-9273-7D400ED9CBC6}"/>
+                </a:ext>
+              </a:extLst>
+            </p:cNvPr>
+            <p:cNvSpPr/>
+            <p:nvPr/>
+          </p:nvSpPr>
+          <p:spPr>
+            <a:xfrm>
+              <a:off x="1035837" y="2834035"/>
+              <a:ext cx="302454" cy="302454"/>
+            </a:xfrm>
+            <a:prstGeom prst="ellipse">
+              <a:avLst/>
+            </a:prstGeom>
+            <a:ln w="31750">
+              <a:solidFill>
+                <a:schemeClr val="accent5"/>
+              </a:solidFill>
+            </a:ln>
+            <a:effectLst>
+              <a:outerShdw blurRad="50800" dist="38100" dir="2700000" algn="tl" rotWithShape="0">
+                <a:prstClr val="black">
+                  <a:alpha val="40000"/>
+                </a:prstClr>
+              </a:outerShdw>
+            </a:effectLst>
+          </p:spPr>
+          <p:style>
+            <a:lnRef idx="1">
+              <a:schemeClr val="accent1"/>
+            </a:lnRef>
+            <a:fillRef idx="0">
+              <a:schemeClr val="accent1"/>
+            </a:fillRef>
+            <a:effectRef idx="0">
+              <a:schemeClr val="accent1"/>
+            </a:effectRef>
+            <a:fontRef idx="minor">
+              <a:schemeClr val="tx1"/>
+            </a:fontRef>
+          </p:style>
+          <p:txBody>
+            <a:bodyPr rtlCol="0" anchor="ctr"/>
+            <a:lstStyle/>
+            <a:p>
+              <a:pPr algn="ctr"/>
+              <a:endParaRPr lang="en-US"/>
+            </a:p>
+          </p:txBody>
+        </p:sp>
+        <p:sp>
+          <p:nvSpPr>
+            <p:cNvPr id="83" name="Oval 82">
+              <a:extLst>
+                <a:ext uri="{FF2B5EF4-FFF2-40B4-BE49-F238E27FC236}">
+                  <a16:creationId xmlns:a16="http://schemas.microsoft.com/office/drawing/2014/main" id="{71E31BBF-9C8F-9A78-29E1-3EC5F2BBB30B}"/>
+                </a:ext>
+              </a:extLst>
+            </p:cNvPr>
+            <p:cNvSpPr/>
+            <p:nvPr/>
+          </p:nvSpPr>
+          <p:spPr>
+            <a:xfrm>
+              <a:off x="1147711" y="2945909"/>
+              <a:ext cx="78707" cy="78707"/>
+            </a:xfrm>
+            <a:prstGeom prst="ellipse">
+              <a:avLst/>
+            </a:prstGeom>
+            <a:solidFill>
+              <a:schemeClr val="accent5"/>
+            </a:solidFill>
+            <a:ln w="19050">
+              <a:noFill/>
+            </a:ln>
+            <a:effectLst>
+              <a:outerShdw blurRad="50800" dist="38100" dir="2700000" algn="tl" rotWithShape="0">
+                <a:prstClr val="black">
+                  <a:alpha val="40000"/>
+                </a:prstClr>
+              </a:outerShdw>
+            </a:effectLst>
+          </p:spPr>
+          <p:style>
+            <a:lnRef idx="1">
+              <a:schemeClr val="accent1"/>
+            </a:lnRef>
+            <a:fillRef idx="0">
+              <a:schemeClr val="accent1"/>
+            </a:fillRef>
+            <a:effectRef idx="0">
+              <a:schemeClr val="accent1"/>
+            </a:effectRef>
+            <a:fontRef idx="minor">
+              <a:schemeClr val="tx1"/>
+            </a:fontRef>
+          </p:style>
+          <p:txBody>
+            <a:bodyPr rtlCol="0" anchor="ctr"/>
+            <a:lstStyle/>
+            <a:p>
+              <a:pPr algn="ctr"/>
+              <a:endParaRPr lang="en-US"/>
+            </a:p>
+          </p:txBody>
+        </p:sp>
+      </p:grpSp>
+      <p:sp>
+        <p:nvSpPr>
+          <p:cNvPr id="84" name="TextBox 83">
+            <a:extLst>
+              <a:ext uri="{FF2B5EF4-FFF2-40B4-BE49-F238E27FC236}">
+                <a16:creationId xmlns:a16="http://schemas.microsoft.com/office/drawing/2014/main" id="{6B992689-8D71-B49D-16DC-3A84439A7E55}"/>
+              </a:ext>
+            </a:extLst>
+          </p:cNvPr>
+          <p:cNvSpPr txBox="1"/>
+          <p:nvPr/>
+        </p:nvSpPr>
+        <p:spPr>
+          <a:xfrm>
+            <a:off x="3327462" y="3885283"/>
+            <a:ext cx="905149" cy="369332"/>
+          </a:xfrm>
+          <a:prstGeom prst="rect">
+            <a:avLst/>
+          </a:prstGeom>
+          <a:noFill/>
+        </p:spPr>
+        <p:txBody>
+          <a:bodyPr wrap="square" rtlCol="0">
+            <a:spAutoFit/>
+          </a:bodyPr>
+          <a:lstStyle/>
+          <a:p>
+            <a:pPr algn="ctr"/>
+            <a:r>
+              <a:rPr lang="en-US" dirty="0"/>
+              <a:t>persist</a:t>
+            </a:r>
+          </a:p>
+        </p:txBody>
+      </p:sp>
+      <p:grpSp>
+        <p:nvGrpSpPr>
+          <p:cNvPr id="85" name="Group 84">
+            <a:extLst>
+              <a:ext uri="{FF2B5EF4-FFF2-40B4-BE49-F238E27FC236}">
+                <a16:creationId xmlns:a16="http://schemas.microsoft.com/office/drawing/2014/main" id="{3C5E7AA5-FDA1-5582-5A57-89C7323B4287}"/>
+              </a:ext>
+            </a:extLst>
+          </p:cNvPr>
+          <p:cNvGrpSpPr/>
+          <p:nvPr/>
+        </p:nvGrpSpPr>
+        <p:grpSpPr>
+          <a:xfrm>
+            <a:off x="4955057" y="4242134"/>
+            <a:ext cx="302454" cy="302454"/>
+            <a:chOff x="1035837" y="2834035"/>
+            <a:chExt cx="302454" cy="302454"/>
+          </a:xfrm>
+        </p:grpSpPr>
+        <p:sp>
+          <p:nvSpPr>
+            <p:cNvPr id="86" name="Oval 85">
+              <a:extLst>
+                <a:ext uri="{FF2B5EF4-FFF2-40B4-BE49-F238E27FC236}">
+                  <a16:creationId xmlns:a16="http://schemas.microsoft.com/office/drawing/2014/main" id="{4598E43A-B590-CFA3-2A5B-C40476A616E6}"/>
+                </a:ext>
+              </a:extLst>
+            </p:cNvPr>
+            <p:cNvSpPr/>
+            <p:nvPr/>
+          </p:nvSpPr>
+          <p:spPr>
+            <a:xfrm>
+              <a:off x="1035837" y="2834035"/>
+              <a:ext cx="302454" cy="302454"/>
+            </a:xfrm>
+            <a:prstGeom prst="ellipse">
+              <a:avLst/>
+            </a:prstGeom>
+            <a:ln w="31750">
+              <a:solidFill>
+                <a:schemeClr val="accent5"/>
+              </a:solidFill>
+            </a:ln>
+            <a:effectLst>
+              <a:outerShdw blurRad="50800" dist="38100" dir="2700000" algn="tl" rotWithShape="0">
+                <a:prstClr val="black">
+                  <a:alpha val="40000"/>
+                </a:prstClr>
+              </a:outerShdw>
+            </a:effectLst>
+          </p:spPr>
+          <p:style>
+            <a:lnRef idx="1">
+              <a:schemeClr val="accent1"/>
+            </a:lnRef>
+            <a:fillRef idx="0">
+              <a:schemeClr val="accent1"/>
+            </a:fillRef>
+            <a:effectRef idx="0">
+              <a:schemeClr val="accent1"/>
+            </a:effectRef>
+            <a:fontRef idx="minor">
+              <a:schemeClr val="tx1"/>
+            </a:fontRef>
+          </p:style>
+          <p:txBody>
+            <a:bodyPr rtlCol="0" anchor="ctr"/>
+            <a:lstStyle/>
+            <a:p>
+              <a:pPr algn="ctr"/>
+              <a:endParaRPr lang="en-US"/>
+            </a:p>
+          </p:txBody>
+        </p:sp>
+        <p:sp>
+          <p:nvSpPr>
+            <p:cNvPr id="87" name="Oval 86">
+              <a:extLst>
+                <a:ext uri="{FF2B5EF4-FFF2-40B4-BE49-F238E27FC236}">
+                  <a16:creationId xmlns:a16="http://schemas.microsoft.com/office/drawing/2014/main" id="{3CEB835D-CC2B-DD11-FC0C-9595D03D7DC0}"/>
+                </a:ext>
+              </a:extLst>
+            </p:cNvPr>
+            <p:cNvSpPr/>
+            <p:nvPr/>
+          </p:nvSpPr>
+          <p:spPr>
+            <a:xfrm>
+              <a:off x="1147711" y="2945909"/>
+              <a:ext cx="78707" cy="78707"/>
+            </a:xfrm>
+            <a:prstGeom prst="ellipse">
+              <a:avLst/>
+            </a:prstGeom>
+            <a:solidFill>
+              <a:schemeClr val="accent5"/>
+            </a:solidFill>
+            <a:ln w="19050">
+              <a:noFill/>
+            </a:ln>
+            <a:effectLst>
+              <a:outerShdw blurRad="50800" dist="38100" dir="2700000" algn="tl" rotWithShape="0">
+                <a:prstClr val="black">
+                  <a:alpha val="40000"/>
+                </a:prstClr>
+              </a:outerShdw>
+            </a:effectLst>
+          </p:spPr>
+          <p:style>
+            <a:lnRef idx="1">
+              <a:schemeClr val="accent1"/>
+            </a:lnRef>
+            <a:fillRef idx="0">
+              <a:schemeClr val="accent1"/>
+            </a:fillRef>
+            <a:effectRef idx="0">
+              <a:schemeClr val="accent1"/>
+            </a:effectRef>
+            <a:fontRef idx="minor">
+              <a:schemeClr val="tx1"/>
+            </a:fontRef>
+          </p:style>
+          <p:txBody>
+            <a:bodyPr rtlCol="0" anchor="ctr"/>
+            <a:lstStyle/>
+            <a:p>
+              <a:pPr algn="ctr"/>
+              <a:endParaRPr lang="en-US"/>
+            </a:p>
+          </p:txBody>
+        </p:sp>
+      </p:grpSp>
+      <p:sp>
+        <p:nvSpPr>
+          <p:cNvPr id="88" name="TextBox 87">
+            <a:extLst>
+              <a:ext uri="{FF2B5EF4-FFF2-40B4-BE49-F238E27FC236}">
+                <a16:creationId xmlns:a16="http://schemas.microsoft.com/office/drawing/2014/main" id="{6464E5C9-35D1-CE79-C8E5-A21756DBBBFA}"/>
+              </a:ext>
+            </a:extLst>
+          </p:cNvPr>
+          <p:cNvSpPr txBox="1"/>
+          <p:nvPr/>
+        </p:nvSpPr>
+        <p:spPr>
+          <a:xfrm>
+            <a:off x="4515479" y="3917027"/>
+            <a:ext cx="905149" cy="369332"/>
+          </a:xfrm>
+          <a:prstGeom prst="rect">
+            <a:avLst/>
+          </a:prstGeom>
+          <a:noFill/>
+        </p:spPr>
+        <p:txBody>
+          <a:bodyPr wrap="square" rtlCol="0">
+            <a:spAutoFit/>
+          </a:bodyPr>
+          <a:lstStyle/>
+          <a:p>
+            <a:pPr algn="ctr"/>
+            <a:r>
+              <a:rPr lang="en-US" dirty="0"/>
+              <a:t>persist</a:t>
+            </a:r>
+          </a:p>
+        </p:txBody>
+      </p:sp>
+      <p:grpSp>
+        <p:nvGrpSpPr>
+          <p:cNvPr id="89" name="Group 88">
+            <a:extLst>
+              <a:ext uri="{FF2B5EF4-FFF2-40B4-BE49-F238E27FC236}">
+                <a16:creationId xmlns:a16="http://schemas.microsoft.com/office/drawing/2014/main" id="{8CFA309E-F129-3F75-1F38-4144B8B04AC2}"/>
+              </a:ext>
+            </a:extLst>
+          </p:cNvPr>
+          <p:cNvGrpSpPr/>
+          <p:nvPr/>
+        </p:nvGrpSpPr>
+        <p:grpSpPr>
+          <a:xfrm>
+            <a:off x="6911655" y="4244557"/>
+            <a:ext cx="302454" cy="302454"/>
+            <a:chOff x="1035837" y="2834035"/>
+            <a:chExt cx="302454" cy="302454"/>
+          </a:xfrm>
+        </p:grpSpPr>
+        <p:sp>
+          <p:nvSpPr>
+            <p:cNvPr id="90" name="Oval 89">
+              <a:extLst>
+                <a:ext uri="{FF2B5EF4-FFF2-40B4-BE49-F238E27FC236}">
+                  <a16:creationId xmlns:a16="http://schemas.microsoft.com/office/drawing/2014/main" id="{C4A5CAC1-35F0-C804-A546-E1398A699102}"/>
+                </a:ext>
+              </a:extLst>
+            </p:cNvPr>
+            <p:cNvSpPr/>
+            <p:nvPr/>
+          </p:nvSpPr>
+          <p:spPr>
+            <a:xfrm>
+              <a:off x="1035837" y="2834035"/>
+              <a:ext cx="302454" cy="302454"/>
+            </a:xfrm>
+            <a:prstGeom prst="ellipse">
+              <a:avLst/>
+            </a:prstGeom>
+            <a:ln w="31750">
+              <a:solidFill>
+                <a:schemeClr val="accent5"/>
+              </a:solidFill>
+            </a:ln>
+            <a:effectLst>
+              <a:outerShdw blurRad="50800" dist="38100" dir="2700000" algn="tl" rotWithShape="0">
+                <a:prstClr val="black">
+                  <a:alpha val="40000"/>
+                </a:prstClr>
+              </a:outerShdw>
+            </a:effectLst>
+          </p:spPr>
+          <p:style>
+            <a:lnRef idx="1">
+              <a:schemeClr val="accent1"/>
+            </a:lnRef>
+            <a:fillRef idx="0">
+              <a:schemeClr val="accent1"/>
+            </a:fillRef>
+            <a:effectRef idx="0">
+              <a:schemeClr val="accent1"/>
+            </a:effectRef>
+            <a:fontRef idx="minor">
+              <a:schemeClr val="tx1"/>
+            </a:fontRef>
+          </p:style>
+          <p:txBody>
+            <a:bodyPr rtlCol="0" anchor="ctr"/>
+            <a:lstStyle/>
+            <a:p>
+              <a:pPr algn="ctr"/>
+              <a:endParaRPr lang="en-US"/>
+            </a:p>
+          </p:txBody>
+        </p:sp>
+        <p:sp>
+          <p:nvSpPr>
+            <p:cNvPr id="91" name="Oval 90">
+              <a:extLst>
+                <a:ext uri="{FF2B5EF4-FFF2-40B4-BE49-F238E27FC236}">
+                  <a16:creationId xmlns:a16="http://schemas.microsoft.com/office/drawing/2014/main" id="{C75DF190-9ADD-6E0C-560D-DE03ECB429CB}"/>
+                </a:ext>
+              </a:extLst>
+            </p:cNvPr>
+            <p:cNvSpPr/>
+            <p:nvPr/>
+          </p:nvSpPr>
+          <p:spPr>
+            <a:xfrm>
+              <a:off x="1147711" y="2945909"/>
+              <a:ext cx="78707" cy="78707"/>
+            </a:xfrm>
+            <a:prstGeom prst="ellipse">
+              <a:avLst/>
+            </a:prstGeom>
+            <a:solidFill>
+              <a:schemeClr val="accent5"/>
+            </a:solidFill>
+            <a:ln w="19050">
+              <a:noFill/>
+            </a:ln>
+            <a:effectLst>
+              <a:outerShdw blurRad="50800" dist="38100" dir="2700000" algn="tl" rotWithShape="0">
+                <a:prstClr val="black">
+                  <a:alpha val="40000"/>
+                </a:prstClr>
+              </a:outerShdw>
+            </a:effectLst>
+          </p:spPr>
+          <p:style>
+            <a:lnRef idx="1">
+              <a:schemeClr val="accent1"/>
+            </a:lnRef>
+            <a:fillRef idx="0">
+              <a:schemeClr val="accent1"/>
+            </a:fillRef>
+            <a:effectRef idx="0">
+              <a:schemeClr val="accent1"/>
+            </a:effectRef>
+            <a:fontRef idx="minor">
+              <a:schemeClr val="tx1"/>
+            </a:fontRef>
+          </p:style>
+          <p:txBody>
+            <a:bodyPr rtlCol="0" anchor="ctr"/>
+            <a:lstStyle/>
+            <a:p>
+              <a:pPr algn="ctr"/>
+              <a:endParaRPr lang="en-US"/>
+            </a:p>
+          </p:txBody>
+        </p:sp>
+      </p:grpSp>
+      <p:sp>
+        <p:nvSpPr>
+          <p:cNvPr id="92" name="TextBox 91">
+            <a:extLst>
+              <a:ext uri="{FF2B5EF4-FFF2-40B4-BE49-F238E27FC236}">
+                <a16:creationId xmlns:a16="http://schemas.microsoft.com/office/drawing/2014/main" id="{363E26E7-FFAD-8AB5-5D1D-C15D8C865C56}"/>
+              </a:ext>
+            </a:extLst>
+          </p:cNvPr>
+          <p:cNvSpPr txBox="1"/>
+          <p:nvPr/>
+        </p:nvSpPr>
+        <p:spPr>
+          <a:xfrm>
+            <a:off x="6543539" y="3919450"/>
+            <a:ext cx="905149" cy="369332"/>
+          </a:xfrm>
+          <a:prstGeom prst="rect">
+            <a:avLst/>
+          </a:prstGeom>
+          <a:noFill/>
+        </p:spPr>
+        <p:txBody>
+          <a:bodyPr wrap="square" rtlCol="0">
+            <a:spAutoFit/>
+          </a:bodyPr>
+          <a:lstStyle/>
+          <a:p>
+            <a:pPr algn="ctr"/>
+            <a:r>
+              <a:rPr lang="en-US" dirty="0"/>
+              <a:t>persist</a:t>
+            </a:r>
+          </a:p>
+        </p:txBody>
+      </p:sp>
+      <p:grpSp>
+        <p:nvGrpSpPr>
+          <p:cNvPr id="93" name="Group 92">
+            <a:extLst>
+              <a:ext uri="{FF2B5EF4-FFF2-40B4-BE49-F238E27FC236}">
+                <a16:creationId xmlns:a16="http://schemas.microsoft.com/office/drawing/2014/main" id="{B799E49D-58D9-299C-BCB6-11726C472062}"/>
+              </a:ext>
+            </a:extLst>
+          </p:cNvPr>
+          <p:cNvGrpSpPr/>
+          <p:nvPr/>
+        </p:nvGrpSpPr>
+        <p:grpSpPr>
+          <a:xfrm>
+            <a:off x="7384311" y="4251735"/>
+            <a:ext cx="302454" cy="302454"/>
+            <a:chOff x="1035837" y="2834035"/>
+            <a:chExt cx="302454" cy="302454"/>
+          </a:xfrm>
+        </p:grpSpPr>
+        <p:sp>
+          <p:nvSpPr>
+            <p:cNvPr id="94" name="Oval 93">
+              <a:extLst>
+                <a:ext uri="{FF2B5EF4-FFF2-40B4-BE49-F238E27FC236}">
+                  <a16:creationId xmlns:a16="http://schemas.microsoft.com/office/drawing/2014/main" id="{184F02F4-ED63-3249-1B24-F169FA862C2A}"/>
+                </a:ext>
+              </a:extLst>
+            </p:cNvPr>
+            <p:cNvSpPr/>
+            <p:nvPr/>
+          </p:nvSpPr>
+          <p:spPr>
+            <a:xfrm>
+              <a:off x="1035837" y="2834035"/>
+              <a:ext cx="302454" cy="302454"/>
+            </a:xfrm>
+            <a:prstGeom prst="ellipse">
+              <a:avLst/>
+            </a:prstGeom>
+            <a:ln w="31750">
+              <a:solidFill>
+                <a:srgbClr val="FF0000"/>
+              </a:solidFill>
+            </a:ln>
+            <a:effectLst>
+              <a:outerShdw blurRad="50800" dist="38100" dir="2700000" algn="tl" rotWithShape="0">
+                <a:prstClr val="black">
+                  <a:alpha val="40000"/>
+                </a:prstClr>
+              </a:outerShdw>
+            </a:effectLst>
+          </p:spPr>
+          <p:style>
+            <a:lnRef idx="1">
+              <a:schemeClr val="accent1"/>
+            </a:lnRef>
+            <a:fillRef idx="0">
+              <a:schemeClr val="accent1"/>
+            </a:fillRef>
+            <a:effectRef idx="0">
+              <a:schemeClr val="accent1"/>
+            </a:effectRef>
+            <a:fontRef idx="minor">
+              <a:schemeClr val="tx1"/>
+            </a:fontRef>
+          </p:style>
+          <p:txBody>
+            <a:bodyPr rtlCol="0" anchor="ctr"/>
+            <a:lstStyle/>
+            <a:p>
+              <a:pPr algn="ctr"/>
+              <a:endParaRPr lang="en-US"/>
+            </a:p>
+          </p:txBody>
+        </p:sp>
+        <p:sp>
+          <p:nvSpPr>
+            <p:cNvPr id="95" name="Oval 94">
+              <a:extLst>
+                <a:ext uri="{FF2B5EF4-FFF2-40B4-BE49-F238E27FC236}">
+                  <a16:creationId xmlns:a16="http://schemas.microsoft.com/office/drawing/2014/main" id="{441ECF5A-A04F-1D32-AADB-A6610912A949}"/>
+                </a:ext>
+              </a:extLst>
+            </p:cNvPr>
+            <p:cNvSpPr/>
+            <p:nvPr/>
+          </p:nvSpPr>
+          <p:spPr>
+            <a:xfrm>
+              <a:off x="1147711" y="2945909"/>
+              <a:ext cx="78707" cy="78707"/>
+            </a:xfrm>
+            <a:prstGeom prst="ellipse">
+              <a:avLst/>
+            </a:prstGeom>
+            <a:solidFill>
+              <a:srgbClr val="FF0000"/>
+            </a:solidFill>
+            <a:ln w="19050">
+              <a:noFill/>
+            </a:ln>
+            <a:effectLst>
+              <a:outerShdw blurRad="50800" dist="38100" dir="2700000" algn="tl" rotWithShape="0">
+                <a:prstClr val="black">
+                  <a:alpha val="40000"/>
+                </a:prstClr>
+              </a:outerShdw>
+            </a:effectLst>
+          </p:spPr>
+          <p:style>
+            <a:lnRef idx="1">
+              <a:schemeClr val="accent1"/>
+            </a:lnRef>
+            <a:fillRef idx="0">
+              <a:schemeClr val="accent1"/>
+            </a:fillRef>
+            <a:effectRef idx="0">
+              <a:schemeClr val="accent1"/>
+            </a:effectRef>
+            <a:fontRef idx="minor">
+              <a:schemeClr val="tx1"/>
+            </a:fontRef>
+          </p:style>
+          <p:txBody>
+            <a:bodyPr rtlCol="0" anchor="ctr"/>
+            <a:lstStyle/>
+            <a:p>
+              <a:pPr algn="ctr"/>
+              <a:endParaRPr lang="en-US"/>
+            </a:p>
+          </p:txBody>
+        </p:sp>
+      </p:grpSp>
+      <p:sp>
+        <p:nvSpPr>
+          <p:cNvPr id="96" name="TextBox 95">
+            <a:extLst>
+              <a:ext uri="{FF2B5EF4-FFF2-40B4-BE49-F238E27FC236}">
+                <a16:creationId xmlns:a16="http://schemas.microsoft.com/office/drawing/2014/main" id="{D59C1C9A-8231-987E-BD93-F9782053C03A}"/>
+              </a:ext>
+            </a:extLst>
+          </p:cNvPr>
+          <p:cNvSpPr txBox="1"/>
+          <p:nvPr/>
+        </p:nvSpPr>
+        <p:spPr>
+          <a:xfrm>
+            <a:off x="7204808" y="3930039"/>
+            <a:ext cx="690829" cy="369332"/>
+          </a:xfrm>
+          <a:prstGeom prst="rect">
+            <a:avLst/>
+          </a:prstGeom>
+          <a:noFill/>
+        </p:spPr>
+        <p:txBody>
+          <a:bodyPr wrap="square" rtlCol="0">
+            <a:spAutoFit/>
+          </a:bodyPr>
+          <a:lstStyle/>
+          <a:p>
+            <a:pPr algn="ctr"/>
+            <a:r>
+              <a:rPr lang="en-US" dirty="0"/>
+              <a:t>add</a:t>
+            </a:r>
+          </a:p>
+        </p:txBody>
+      </p:sp>
+      <p:grpSp>
+        <p:nvGrpSpPr>
+          <p:cNvPr id="97" name="Group 96">
+            <a:extLst>
+              <a:ext uri="{FF2B5EF4-FFF2-40B4-BE49-F238E27FC236}">
+                <a16:creationId xmlns:a16="http://schemas.microsoft.com/office/drawing/2014/main" id="{A01565FC-7FFF-9B92-4890-0AF0F136389F}"/>
+              </a:ext>
+            </a:extLst>
+          </p:cNvPr>
+          <p:cNvGrpSpPr/>
+          <p:nvPr/>
+        </p:nvGrpSpPr>
+        <p:grpSpPr>
+          <a:xfrm>
+            <a:off x="1041631" y="4242134"/>
+            <a:ext cx="302454" cy="302454"/>
+            <a:chOff x="1035837" y="2834035"/>
+            <a:chExt cx="302454" cy="302454"/>
+          </a:xfrm>
+        </p:grpSpPr>
+        <p:sp>
+          <p:nvSpPr>
+            <p:cNvPr id="98" name="Oval 97">
+              <a:extLst>
+                <a:ext uri="{FF2B5EF4-FFF2-40B4-BE49-F238E27FC236}">
+                  <a16:creationId xmlns:a16="http://schemas.microsoft.com/office/drawing/2014/main" id="{93FF0999-7301-8668-45B1-8AC284C16A10}"/>
+                </a:ext>
+              </a:extLst>
+            </p:cNvPr>
+            <p:cNvSpPr/>
+            <p:nvPr/>
+          </p:nvSpPr>
+          <p:spPr>
+            <a:xfrm>
+              <a:off x="1035837" y="2834035"/>
+              <a:ext cx="302454" cy="302454"/>
+            </a:xfrm>
+            <a:prstGeom prst="ellipse">
+              <a:avLst/>
+            </a:prstGeom>
+            <a:ln w="31750">
+              <a:solidFill>
+                <a:schemeClr val="tx1"/>
+              </a:solidFill>
+            </a:ln>
+            <a:effectLst>
+              <a:outerShdw blurRad="50800" dist="38100" dir="2700000" algn="tl" rotWithShape="0">
+                <a:prstClr val="black">
+                  <a:alpha val="40000"/>
+                </a:prstClr>
+              </a:outerShdw>
+            </a:effectLst>
+          </p:spPr>
+          <p:style>
+            <a:lnRef idx="1">
+              <a:schemeClr val="accent1"/>
+            </a:lnRef>
+            <a:fillRef idx="0">
+              <a:schemeClr val="accent1"/>
+            </a:fillRef>
+            <a:effectRef idx="0">
+              <a:schemeClr val="accent1"/>
+            </a:effectRef>
+            <a:fontRef idx="minor">
+              <a:schemeClr val="tx1"/>
+            </a:fontRef>
+          </p:style>
+          <p:txBody>
+            <a:bodyPr rtlCol="0" anchor="ctr"/>
+            <a:lstStyle/>
+            <a:p>
+              <a:pPr algn="ctr"/>
+              <a:endParaRPr lang="en-US"/>
+            </a:p>
+          </p:txBody>
+        </p:sp>
+        <p:sp>
+          <p:nvSpPr>
+            <p:cNvPr id="99" name="Oval 98">
+              <a:extLst>
+                <a:ext uri="{FF2B5EF4-FFF2-40B4-BE49-F238E27FC236}">
+                  <a16:creationId xmlns:a16="http://schemas.microsoft.com/office/drawing/2014/main" id="{2CFE5A8F-83A9-B893-76BC-E61CF7146643}"/>
+                </a:ext>
+              </a:extLst>
+            </p:cNvPr>
+            <p:cNvSpPr/>
+            <p:nvPr/>
+          </p:nvSpPr>
+          <p:spPr>
+            <a:xfrm>
+              <a:off x="1147711" y="2945909"/>
+              <a:ext cx="78707" cy="78707"/>
+            </a:xfrm>
+            <a:prstGeom prst="ellipse">
+              <a:avLst/>
+            </a:prstGeom>
+            <a:solidFill>
+              <a:schemeClr val="tx1"/>
+            </a:solidFill>
+            <a:ln w="19050">
+              <a:noFill/>
+            </a:ln>
+            <a:effectLst>
+              <a:outerShdw blurRad="50800" dist="38100" dir="2700000" algn="tl" rotWithShape="0">
+                <a:prstClr val="black">
+                  <a:alpha val="40000"/>
+                </a:prstClr>
+              </a:outerShdw>
+            </a:effectLst>
+          </p:spPr>
+          <p:style>
+            <a:lnRef idx="1">
+              <a:schemeClr val="accent1"/>
+            </a:lnRef>
+            <a:fillRef idx="0">
+              <a:schemeClr val="accent1"/>
+            </a:fillRef>
+            <a:effectRef idx="0">
+              <a:schemeClr val="accent1"/>
+            </a:effectRef>
+            <a:fontRef idx="minor">
+              <a:schemeClr val="tx1"/>
+            </a:fontRef>
+          </p:style>
+          <p:txBody>
+            <a:bodyPr rtlCol="0" anchor="ctr"/>
+            <a:lstStyle/>
+            <a:p>
+              <a:pPr algn="ctr"/>
+              <a:endParaRPr lang="en-US"/>
+            </a:p>
+          </p:txBody>
+        </p:sp>
+      </p:grpSp>
+      <p:sp>
+        <p:nvSpPr>
+          <p:cNvPr id="100" name="TextBox 99">
+            <a:extLst>
+              <a:ext uri="{FF2B5EF4-FFF2-40B4-BE49-F238E27FC236}">
+                <a16:creationId xmlns:a16="http://schemas.microsoft.com/office/drawing/2014/main" id="{B56AF38B-87E2-D11F-C01C-CB123F38BD80}"/>
+              </a:ext>
+            </a:extLst>
+          </p:cNvPr>
+          <p:cNvSpPr txBox="1"/>
+          <p:nvPr/>
+        </p:nvSpPr>
+        <p:spPr>
+          <a:xfrm>
+            <a:off x="673515" y="3917027"/>
+            <a:ext cx="905149" cy="369332"/>
+          </a:xfrm>
+          <a:prstGeom prst="rect">
+            <a:avLst/>
+          </a:prstGeom>
+          <a:noFill/>
+        </p:spPr>
+        <p:txBody>
+          <a:bodyPr wrap="square" rtlCol="0">
+            <a:spAutoFit/>
+          </a:bodyPr>
+          <a:lstStyle/>
+          <a:p>
+            <a:pPr algn="ctr"/>
+            <a:r>
+              <a:rPr lang="en-US" dirty="0"/>
+              <a:t>remove</a:t>
+            </a:r>
+          </a:p>
+        </p:txBody>
+      </p:sp>
+      <p:grpSp>
+        <p:nvGrpSpPr>
+          <p:cNvPr id="101" name="Group 100">
+            <a:extLst>
+              <a:ext uri="{FF2B5EF4-FFF2-40B4-BE49-F238E27FC236}">
+                <a16:creationId xmlns:a16="http://schemas.microsoft.com/office/drawing/2014/main" id="{EF9EEA66-A0F8-F277-2BC7-613EB4FC1D63}"/>
+              </a:ext>
+            </a:extLst>
+          </p:cNvPr>
+          <p:cNvGrpSpPr/>
+          <p:nvPr/>
+        </p:nvGrpSpPr>
+        <p:grpSpPr>
+          <a:xfrm>
+            <a:off x="3016302" y="4249975"/>
+            <a:ext cx="302454" cy="302454"/>
+            <a:chOff x="1035837" y="2834035"/>
+            <a:chExt cx="302454" cy="302454"/>
+          </a:xfrm>
+        </p:grpSpPr>
+        <p:sp>
+          <p:nvSpPr>
+            <p:cNvPr id="102" name="Oval 101">
+              <a:extLst>
+                <a:ext uri="{FF2B5EF4-FFF2-40B4-BE49-F238E27FC236}">
+                  <a16:creationId xmlns:a16="http://schemas.microsoft.com/office/drawing/2014/main" id="{E5EC3DB7-5BEE-F23C-624B-94E6FC832DCF}"/>
+                </a:ext>
+              </a:extLst>
+            </p:cNvPr>
+            <p:cNvSpPr/>
+            <p:nvPr/>
+          </p:nvSpPr>
+          <p:spPr>
+            <a:xfrm>
+              <a:off x="1035837" y="2834035"/>
+              <a:ext cx="302454" cy="302454"/>
+            </a:xfrm>
+            <a:prstGeom prst="ellipse">
+              <a:avLst/>
+            </a:prstGeom>
+            <a:ln w="31750">
+              <a:solidFill>
+                <a:srgbClr val="FF0000"/>
+              </a:solidFill>
+            </a:ln>
+            <a:effectLst>
+              <a:outerShdw blurRad="50800" dist="38100" dir="2700000" algn="tl" rotWithShape="0">
+                <a:prstClr val="black">
+                  <a:alpha val="40000"/>
+                </a:prstClr>
+              </a:outerShdw>
+            </a:effectLst>
+          </p:spPr>
+          <p:style>
+            <a:lnRef idx="1">
+              <a:schemeClr val="accent1"/>
+            </a:lnRef>
+            <a:fillRef idx="0">
+              <a:schemeClr val="accent1"/>
+            </a:fillRef>
+            <a:effectRef idx="0">
+              <a:schemeClr val="accent1"/>
+            </a:effectRef>
+            <a:fontRef idx="minor">
+              <a:schemeClr val="tx1"/>
+            </a:fontRef>
+          </p:style>
+          <p:txBody>
+            <a:bodyPr rtlCol="0" anchor="ctr"/>
+            <a:lstStyle/>
+            <a:p>
+              <a:pPr algn="ctr"/>
+              <a:endParaRPr lang="en-US"/>
+            </a:p>
+          </p:txBody>
+        </p:sp>
+        <p:sp>
+          <p:nvSpPr>
+            <p:cNvPr id="103" name="Oval 102">
+              <a:extLst>
+                <a:ext uri="{FF2B5EF4-FFF2-40B4-BE49-F238E27FC236}">
+                  <a16:creationId xmlns:a16="http://schemas.microsoft.com/office/drawing/2014/main" id="{15D768C9-A7DF-35D7-3CA0-288FA45B416F}"/>
+                </a:ext>
+              </a:extLst>
+            </p:cNvPr>
+            <p:cNvSpPr/>
+            <p:nvPr/>
+          </p:nvSpPr>
+          <p:spPr>
+            <a:xfrm>
+              <a:off x="1147711" y="2945909"/>
+              <a:ext cx="78707" cy="78707"/>
+            </a:xfrm>
+            <a:prstGeom prst="ellipse">
+              <a:avLst/>
+            </a:prstGeom>
+            <a:solidFill>
+              <a:srgbClr val="FF0000"/>
+            </a:solidFill>
+            <a:ln w="19050">
+              <a:noFill/>
+            </a:ln>
+            <a:effectLst>
+              <a:outerShdw blurRad="50800" dist="38100" dir="2700000" algn="tl" rotWithShape="0">
+                <a:prstClr val="black">
+                  <a:alpha val="40000"/>
+                </a:prstClr>
+              </a:outerShdw>
+            </a:effectLst>
+          </p:spPr>
+          <p:style>
+            <a:lnRef idx="1">
+              <a:schemeClr val="accent1"/>
+            </a:lnRef>
+            <a:fillRef idx="0">
+              <a:schemeClr val="accent1"/>
+            </a:fillRef>
+            <a:effectRef idx="0">
+              <a:schemeClr val="accent1"/>
+            </a:effectRef>
+            <a:fontRef idx="minor">
+              <a:schemeClr val="tx1"/>
+            </a:fontRef>
+          </p:style>
+          <p:txBody>
+            <a:bodyPr rtlCol="0" anchor="ctr"/>
+            <a:lstStyle/>
+            <a:p>
+              <a:pPr algn="ctr"/>
+              <a:endParaRPr lang="en-US"/>
+            </a:p>
+          </p:txBody>
+        </p:sp>
+      </p:grpSp>
+      <p:sp>
+        <p:nvSpPr>
+          <p:cNvPr id="104" name="TextBox 103">
+            <a:extLst>
+              <a:ext uri="{FF2B5EF4-FFF2-40B4-BE49-F238E27FC236}">
+                <a16:creationId xmlns:a16="http://schemas.microsoft.com/office/drawing/2014/main" id="{43B12351-AF43-90C1-48FD-C8EB61799B76}"/>
+              </a:ext>
+            </a:extLst>
+          </p:cNvPr>
+          <p:cNvSpPr txBox="1"/>
+          <p:nvPr/>
+        </p:nvSpPr>
+        <p:spPr>
+          <a:xfrm>
+            <a:off x="2835430" y="3919450"/>
+            <a:ext cx="590682" cy="369332"/>
+          </a:xfrm>
+          <a:prstGeom prst="rect">
+            <a:avLst/>
+          </a:prstGeom>
+          <a:noFill/>
+        </p:spPr>
+        <p:txBody>
+          <a:bodyPr wrap="square" rtlCol="0">
+            <a:spAutoFit/>
+          </a:bodyPr>
+          <a:lstStyle/>
+          <a:p>
+            <a:r>
+              <a:rPr lang="en-US" dirty="0"/>
+              <a:t>add</a:t>
+            </a:r>
+          </a:p>
+        </p:txBody>
+      </p:sp>
+      <p:grpSp>
+        <p:nvGrpSpPr>
+          <p:cNvPr id="105" name="Group 104">
+            <a:extLst>
+              <a:ext uri="{FF2B5EF4-FFF2-40B4-BE49-F238E27FC236}">
+                <a16:creationId xmlns:a16="http://schemas.microsoft.com/office/drawing/2014/main" id="{B2CAAE2A-458D-37EA-210C-274F90F20743}"/>
+              </a:ext>
+            </a:extLst>
+          </p:cNvPr>
+          <p:cNvGrpSpPr/>
+          <p:nvPr/>
+        </p:nvGrpSpPr>
+        <p:grpSpPr>
+          <a:xfrm>
+            <a:off x="5462292" y="4246875"/>
+            <a:ext cx="302454" cy="302454"/>
+            <a:chOff x="1035837" y="2834035"/>
+            <a:chExt cx="302454" cy="302454"/>
+          </a:xfrm>
+        </p:grpSpPr>
+        <p:sp>
+          <p:nvSpPr>
+            <p:cNvPr id="106" name="Oval 105">
+              <a:extLst>
+                <a:ext uri="{FF2B5EF4-FFF2-40B4-BE49-F238E27FC236}">
+                  <a16:creationId xmlns:a16="http://schemas.microsoft.com/office/drawing/2014/main" id="{80E89877-8E64-1798-DCC4-E4A4292847FF}"/>
+                </a:ext>
+              </a:extLst>
+            </p:cNvPr>
+            <p:cNvSpPr/>
+            <p:nvPr/>
+          </p:nvSpPr>
+          <p:spPr>
+            <a:xfrm>
+              <a:off x="1035837" y="2834035"/>
+              <a:ext cx="302454" cy="302454"/>
+            </a:xfrm>
+            <a:prstGeom prst="ellipse">
+              <a:avLst/>
+            </a:prstGeom>
+            <a:ln w="31750">
+              <a:solidFill>
+                <a:schemeClr val="tx1"/>
+              </a:solidFill>
+            </a:ln>
+            <a:effectLst>
+              <a:outerShdw blurRad="50800" dist="38100" dir="2700000" algn="tl" rotWithShape="0">
+                <a:prstClr val="black">
+                  <a:alpha val="40000"/>
+                </a:prstClr>
+              </a:outerShdw>
+            </a:effectLst>
+          </p:spPr>
+          <p:style>
+            <a:lnRef idx="1">
+              <a:schemeClr val="accent1"/>
+            </a:lnRef>
+            <a:fillRef idx="0">
+              <a:schemeClr val="accent1"/>
+            </a:fillRef>
+            <a:effectRef idx="0">
+              <a:schemeClr val="accent1"/>
+            </a:effectRef>
+            <a:fontRef idx="minor">
+              <a:schemeClr val="tx1"/>
+            </a:fontRef>
+          </p:style>
+          <p:txBody>
+            <a:bodyPr rtlCol="0" anchor="ctr"/>
+            <a:lstStyle/>
+            <a:p>
+              <a:pPr algn="ctr"/>
+              <a:endParaRPr lang="en-US"/>
+            </a:p>
+          </p:txBody>
+        </p:sp>
+        <p:sp>
+          <p:nvSpPr>
+            <p:cNvPr id="107" name="Oval 106">
+              <a:extLst>
+                <a:ext uri="{FF2B5EF4-FFF2-40B4-BE49-F238E27FC236}">
+                  <a16:creationId xmlns:a16="http://schemas.microsoft.com/office/drawing/2014/main" id="{80E753EB-DAEF-F418-7B59-F09A45C15B1D}"/>
+                </a:ext>
+              </a:extLst>
+            </p:cNvPr>
+            <p:cNvSpPr/>
+            <p:nvPr/>
+          </p:nvSpPr>
+          <p:spPr>
+            <a:xfrm>
+              <a:off x="1147711" y="2945909"/>
+              <a:ext cx="78707" cy="78707"/>
+            </a:xfrm>
+            <a:prstGeom prst="ellipse">
+              <a:avLst/>
+            </a:prstGeom>
+            <a:solidFill>
+              <a:schemeClr val="tx1"/>
+            </a:solidFill>
+            <a:ln w="19050">
+              <a:noFill/>
+            </a:ln>
+            <a:effectLst>
+              <a:outerShdw blurRad="50800" dist="38100" dir="2700000" algn="tl" rotWithShape="0">
+                <a:prstClr val="black">
+                  <a:alpha val="40000"/>
+                </a:prstClr>
+              </a:outerShdw>
+            </a:effectLst>
+          </p:spPr>
+          <p:style>
+            <a:lnRef idx="1">
+              <a:schemeClr val="accent1"/>
+            </a:lnRef>
+            <a:fillRef idx="0">
+              <a:schemeClr val="accent1"/>
+            </a:fillRef>
+            <a:effectRef idx="0">
+              <a:schemeClr val="accent1"/>
+            </a:effectRef>
+            <a:fontRef idx="minor">
+              <a:schemeClr val="tx1"/>
+            </a:fontRef>
+          </p:style>
+          <p:txBody>
+            <a:bodyPr rtlCol="0" anchor="ctr"/>
+            <a:lstStyle/>
+            <a:p>
+              <a:pPr algn="ctr"/>
+              <a:endParaRPr lang="en-US"/>
+            </a:p>
+          </p:txBody>
+        </p:sp>
+      </p:grpSp>
+      <p:sp>
+        <p:nvSpPr>
+          <p:cNvPr id="108" name="TextBox 107">
+            <a:extLst>
+              <a:ext uri="{FF2B5EF4-FFF2-40B4-BE49-F238E27FC236}">
+                <a16:creationId xmlns:a16="http://schemas.microsoft.com/office/drawing/2014/main" id="{D072FE37-0CB4-3533-56F8-B279156D2B69}"/>
+              </a:ext>
+            </a:extLst>
+          </p:cNvPr>
+          <p:cNvSpPr txBox="1"/>
+          <p:nvPr/>
+        </p:nvSpPr>
+        <p:spPr>
+          <a:xfrm>
+            <a:off x="5529046" y="3897463"/>
+            <a:ext cx="905149" cy="369332"/>
+          </a:xfrm>
+          <a:prstGeom prst="rect">
+            <a:avLst/>
+          </a:prstGeom>
+          <a:noFill/>
+        </p:spPr>
+        <p:txBody>
+          <a:bodyPr wrap="square" rtlCol="0">
+            <a:spAutoFit/>
+          </a:bodyPr>
+          <a:lstStyle/>
+          <a:p>
+            <a:pPr algn="ctr"/>
+            <a:r>
+              <a:rPr lang="en-US" dirty="0"/>
+              <a:t>remove</a:t>
+            </a:r>
+          </a:p>
+        </p:txBody>
+      </p:sp>
+    </p:spTree>
+    <p:extLst>
+      <p:ext uri="{BB962C8B-B14F-4D97-AF65-F5344CB8AC3E}">
+        <p14:creationId xmlns:p14="http://schemas.microsoft.com/office/powerpoint/2010/main" val="391324788"/>
+      </p:ext>
+    </p:extLst>
+  </p:cSld>
+  <p:clrMapOvr>
+    <a:masterClrMapping/>
+  </p:clrMapOvr>
+  <mc:AlternateContent xmlns:mc="http://schemas.openxmlformats.org/markup-compatibility/2006" xmlns:p14="http://schemas.microsoft.com/office/powerpoint/2010/main">
+    <mc:Choice Requires="p14">
+      <p:transition p14:dur="10"/>
+    </mc:Choice>
+    <mc:Fallback xmlns="">
+      <p:transition/>
+    </mc:Fallback>
+  </mc:AlternateContent>
 </p:sld>
 </file>
 
@@ -3643,4 +10851,612 @@
     </a:ext>
   </a:extLst>
 </a:theme>
+</file>
+
+<file path=ppt/theme/theme2.xml><?xml version="1.0" encoding="utf-8"?>
+<a:theme xmlns:a="http://schemas.openxmlformats.org/drawingml/2006/main" name="1_Office Theme">
+  <a:themeElements>
+    <a:clrScheme name="Office">
+      <a:dk1>
+        <a:sysClr val="windowText" lastClr="000000"/>
+      </a:dk1>
+      <a:lt1>
+        <a:sysClr val="window" lastClr="FFFFFF"/>
+      </a:lt1>
+      <a:dk2>
+        <a:srgbClr val="1F497D"/>
+      </a:dk2>
+      <a:lt2>
+        <a:srgbClr val="EEECE1"/>
+      </a:lt2>
+      <a:accent1>
+        <a:srgbClr val="4F81BD"/>
+      </a:accent1>
+      <a:accent2>
+        <a:srgbClr val="C0504D"/>
+      </a:accent2>
+      <a:accent3>
+        <a:srgbClr val="9BBB59"/>
+      </a:accent3>
+      <a:accent4>
+        <a:srgbClr val="8064A2"/>
+      </a:accent4>
+      <a:accent5>
+        <a:srgbClr val="4BACC6"/>
+      </a:accent5>
+      <a:accent6>
+        <a:srgbClr val="F79646"/>
+      </a:accent6>
+      <a:hlink>
+        <a:srgbClr val="0000FF"/>
+      </a:hlink>
+      <a:folHlink>
+        <a:srgbClr val="800080"/>
+      </a:folHlink>
+    </a:clrScheme>
+    <a:fontScheme name="Office">
+      <a:majorFont>
+        <a:latin typeface="Calibri"/>
+        <a:ea typeface=""/>
+        <a:cs typeface=""/>
+        <a:font script="Jpan" typeface="ＭＳ Ｐゴシック"/>
+        <a:font script="Hang" typeface="맑은 고딕"/>
+        <a:font script="Hans" typeface="宋体"/>
+        <a:font script="Hant" typeface="新細明體"/>
+        <a:font script="Arab" typeface="Times New Roman"/>
+        <a:font script="Hebr" typeface="Times New Roman"/>
+        <a:font script="Thai" typeface="Angsana New"/>
+        <a:font script="Ethi" typeface="Nyala"/>
+        <a:font script="Beng" typeface="Vrinda"/>
+        <a:font script="Gujr" typeface="Shruti"/>
+        <a:font script="Khmr" typeface="MoolBoran"/>
+        <a:font script="Knda" typeface="Tunga"/>
+        <a:font script="Guru" typeface="Raavi"/>
+        <a:font script="Cans" typeface="Euphemia"/>
+        <a:font script="Cher" typeface="Plantagenet Cherokee"/>
+        <a:font script="Yiii" typeface="Microsoft Yi Baiti"/>
+        <a:font script="Tibt" typeface="Microsoft Himalaya"/>
+        <a:font script="Thaa" typeface="MV Boli"/>
+        <a:font script="Deva" typeface="Mangal"/>
+        <a:font script="Telu" typeface="Gautami"/>
+        <a:font script="Taml" typeface="Latha"/>
+        <a:font script="Syrc" typeface="Estrangelo Edessa"/>
+        <a:font script="Orya" typeface="Kalinga"/>
+        <a:font script="Mlym" typeface="Kartika"/>
+        <a:font script="Laoo" typeface="DokChampa"/>
+        <a:font script="Sinh" typeface="Iskoola Pota"/>
+        <a:font script="Mong" typeface="Mongolian Baiti"/>
+        <a:font script="Viet" typeface="Times New Roman"/>
+        <a:font script="Uigh" typeface="Microsoft Uighur"/>
+      </a:majorFont>
+      <a:minorFont>
+        <a:latin typeface="Calibri"/>
+        <a:ea typeface=""/>
+        <a:cs typeface=""/>
+        <a:font script="Jpan" typeface="ＭＳ Ｐゴシック"/>
+        <a:font script="Hang" typeface="맑은 고딕"/>
+        <a:font script="Hans" typeface="宋体"/>
+        <a:font script="Hant" typeface="新細明體"/>
+        <a:font script="Arab" typeface="Arial"/>
+        <a:font script="Hebr" typeface="Arial"/>
+        <a:font script="Thai" typeface="Cordia New"/>
+        <a:font script="Ethi" typeface="Nyala"/>
+        <a:font script="Beng" typeface="Vrinda"/>
+        <a:font script="Gujr" typeface="Shruti"/>
+        <a:font script="Khmr" typeface="DaunPenh"/>
+        <a:font script="Knda" typeface="Tunga"/>
+        <a:font script="Guru" typeface="Raavi"/>
+        <a:font script="Cans" typeface="Euphemia"/>
+        <a:font script="Cher" typeface="Plantagenet Cherokee"/>
+        <a:font script="Yiii" typeface="Microsoft Yi Baiti"/>
+        <a:font script="Tibt" typeface="Microsoft Himalaya"/>
+        <a:font script="Thaa" typeface="MV Boli"/>
+        <a:font script="Deva" typeface="Mangal"/>
+        <a:font script="Telu" typeface="Gautami"/>
+        <a:font script="Taml" typeface="Latha"/>
+        <a:font script="Syrc" typeface="Estrangelo Edessa"/>
+        <a:font script="Orya" typeface="Kalinga"/>
+        <a:font script="Mlym" typeface="Kartika"/>
+        <a:font script="Laoo" typeface="DokChampa"/>
+        <a:font script="Sinh" typeface="Iskoola Pota"/>
+        <a:font script="Mong" typeface="Mongolian Baiti"/>
+        <a:font script="Viet" typeface="Arial"/>
+        <a:font script="Uigh" typeface="Microsoft Uighur"/>
+      </a:minorFont>
+    </a:fontScheme>
+    <a:fmtScheme name="Office">
+      <a:fillStyleLst>
+        <a:solidFill>
+          <a:schemeClr val="phClr"/>
+        </a:solidFill>
+        <a:gradFill rotWithShape="1">
+          <a:gsLst>
+            <a:gs pos="0">
+              <a:schemeClr val="phClr">
+                <a:tint val="50000"/>
+                <a:satMod val="300000"/>
+              </a:schemeClr>
+            </a:gs>
+            <a:gs pos="35000">
+              <a:schemeClr val="phClr">
+                <a:tint val="37000"/>
+                <a:satMod val="300000"/>
+              </a:schemeClr>
+            </a:gs>
+            <a:gs pos="100000">
+              <a:schemeClr val="phClr">
+                <a:tint val="15000"/>
+                <a:satMod val="350000"/>
+              </a:schemeClr>
+            </a:gs>
+          </a:gsLst>
+          <a:lin ang="16200000" scaled="1"/>
+        </a:gradFill>
+        <a:gradFill rotWithShape="1">
+          <a:gsLst>
+            <a:gs pos="0">
+              <a:schemeClr val="phClr">
+                <a:shade val="51000"/>
+                <a:satMod val="130000"/>
+              </a:schemeClr>
+            </a:gs>
+            <a:gs pos="80000">
+              <a:schemeClr val="phClr">
+                <a:shade val="93000"/>
+                <a:satMod val="130000"/>
+              </a:schemeClr>
+            </a:gs>
+            <a:gs pos="100000">
+              <a:schemeClr val="phClr">
+                <a:shade val="94000"/>
+                <a:satMod val="135000"/>
+              </a:schemeClr>
+            </a:gs>
+          </a:gsLst>
+          <a:lin ang="16200000" scaled="0"/>
+        </a:gradFill>
+      </a:fillStyleLst>
+      <a:lnStyleLst>
+        <a:ln w="9525" cap="flat" cmpd="sng" algn="ctr">
+          <a:solidFill>
+            <a:schemeClr val="phClr">
+              <a:shade val="95000"/>
+              <a:satMod val="105000"/>
+            </a:schemeClr>
+          </a:solidFill>
+          <a:prstDash val="solid"/>
+        </a:ln>
+        <a:ln w="25400" cap="flat" cmpd="sng" algn="ctr">
+          <a:solidFill>
+            <a:schemeClr val="phClr"/>
+          </a:solidFill>
+          <a:prstDash val="solid"/>
+        </a:ln>
+        <a:ln w="38100" cap="flat" cmpd="sng" algn="ctr">
+          <a:solidFill>
+            <a:schemeClr val="phClr"/>
+          </a:solidFill>
+          <a:prstDash val="solid"/>
+        </a:ln>
+      </a:lnStyleLst>
+      <a:effectStyleLst>
+        <a:effectStyle>
+          <a:effectLst>
+            <a:outerShdw blurRad="40000" dist="20000" dir="5400000" rotWithShape="0">
+              <a:srgbClr val="000000">
+                <a:alpha val="38000"/>
+              </a:srgbClr>
+            </a:outerShdw>
+          </a:effectLst>
+        </a:effectStyle>
+        <a:effectStyle>
+          <a:effectLst>
+            <a:outerShdw blurRad="40000" dist="23000" dir="5400000" rotWithShape="0">
+              <a:srgbClr val="000000">
+                <a:alpha val="35000"/>
+              </a:srgbClr>
+            </a:outerShdw>
+          </a:effectLst>
+        </a:effectStyle>
+        <a:effectStyle>
+          <a:effectLst>
+            <a:outerShdw blurRad="40000" dist="23000" dir="5400000" rotWithShape="0">
+              <a:srgbClr val="000000">
+                <a:alpha val="35000"/>
+              </a:srgbClr>
+            </a:outerShdw>
+          </a:effectLst>
+          <a:scene3d>
+            <a:camera prst="orthographicFront">
+              <a:rot lat="0" lon="0" rev="0"/>
+            </a:camera>
+            <a:lightRig rig="threePt" dir="t">
+              <a:rot lat="0" lon="0" rev="1200000"/>
+            </a:lightRig>
+          </a:scene3d>
+          <a:sp3d>
+            <a:bevelT w="63500" h="25400"/>
+          </a:sp3d>
+        </a:effectStyle>
+      </a:effectStyleLst>
+      <a:bgFillStyleLst>
+        <a:solidFill>
+          <a:schemeClr val="phClr"/>
+        </a:solidFill>
+        <a:gradFill rotWithShape="1">
+          <a:gsLst>
+            <a:gs pos="0">
+              <a:schemeClr val="phClr">
+                <a:tint val="40000"/>
+                <a:satMod val="350000"/>
+              </a:schemeClr>
+            </a:gs>
+            <a:gs pos="40000">
+              <a:schemeClr val="phClr">
+                <a:tint val="45000"/>
+                <a:shade val="99000"/>
+                <a:satMod val="350000"/>
+              </a:schemeClr>
+            </a:gs>
+            <a:gs pos="100000">
+              <a:schemeClr val="phClr">
+                <a:shade val="20000"/>
+                <a:satMod val="255000"/>
+              </a:schemeClr>
+            </a:gs>
+          </a:gsLst>
+          <a:path path="circle">
+            <a:fillToRect l="50000" t="-80000" r="50000" b="180000"/>
+          </a:path>
+        </a:gradFill>
+        <a:gradFill rotWithShape="1">
+          <a:gsLst>
+            <a:gs pos="0">
+              <a:schemeClr val="phClr">
+                <a:tint val="80000"/>
+                <a:satMod val="300000"/>
+              </a:schemeClr>
+            </a:gs>
+            <a:gs pos="100000">
+              <a:schemeClr val="phClr">
+                <a:shade val="30000"/>
+                <a:satMod val="200000"/>
+              </a:schemeClr>
+            </a:gs>
+          </a:gsLst>
+          <a:path path="circle">
+            <a:fillToRect l="50000" t="50000" r="50000" b="50000"/>
+          </a:path>
+        </a:gradFill>
+      </a:bgFillStyleLst>
+    </a:fmtScheme>
+  </a:themeElements>
+  <a:objectDefaults>
+    <a:spDef>
+      <a:spPr>
+        <a:ln w="19050">
+          <a:solidFill>
+            <a:schemeClr val="tx1"/>
+          </a:solidFill>
+        </a:ln>
+      </a:spPr>
+      <a:bodyPr rtlCol="0" anchor="ctr"/>
+      <a:lstStyle>
+        <a:defPPr algn="ctr">
+          <a:defRPr/>
+        </a:defPPr>
+      </a:lstStyle>
+      <a:style>
+        <a:lnRef idx="1">
+          <a:schemeClr val="accent1"/>
+        </a:lnRef>
+        <a:fillRef idx="0">
+          <a:schemeClr val="accent1"/>
+        </a:fillRef>
+        <a:effectRef idx="0">
+          <a:schemeClr val="accent1"/>
+        </a:effectRef>
+        <a:fontRef idx="minor">
+          <a:schemeClr val="tx1"/>
+        </a:fontRef>
+      </a:style>
+    </a:spDef>
+  </a:objectDefaults>
+  <a:extraClrSchemeLst/>
+</a:theme>
+</file>
+
+<file path=ppt/theme/theme3.xml><?xml version="1.0" encoding="utf-8"?>
+<a:theme xmlns:a="http://schemas.openxmlformats.org/drawingml/2006/main" name="Office Theme">
+  <a:themeElements>
+    <a:clrScheme name="Office">
+      <a:dk1>
+        <a:sysClr val="windowText" lastClr="000000"/>
+      </a:dk1>
+      <a:lt1>
+        <a:sysClr val="window" lastClr="FFFFFF"/>
+      </a:lt1>
+      <a:dk2>
+        <a:srgbClr val="44546A"/>
+      </a:dk2>
+      <a:lt2>
+        <a:srgbClr val="E7E6E6"/>
+      </a:lt2>
+      <a:accent1>
+        <a:srgbClr val="4472C4"/>
+      </a:accent1>
+      <a:accent2>
+        <a:srgbClr val="ED7D31"/>
+      </a:accent2>
+      <a:accent3>
+        <a:srgbClr val="A5A5A5"/>
+      </a:accent3>
+      <a:accent4>
+        <a:srgbClr val="FFC000"/>
+      </a:accent4>
+      <a:accent5>
+        <a:srgbClr val="5B9BD5"/>
+      </a:accent5>
+      <a:accent6>
+        <a:srgbClr val="70AD47"/>
+      </a:accent6>
+      <a:hlink>
+        <a:srgbClr val="0563C1"/>
+      </a:hlink>
+      <a:folHlink>
+        <a:srgbClr val="954F72"/>
+      </a:folHlink>
+    </a:clrScheme>
+    <a:fontScheme name="Office">
+      <a:majorFont>
+        <a:latin typeface="Calibri Light" panose="020F0302020204030204"/>
+        <a:ea typeface=""/>
+        <a:cs typeface=""/>
+        <a:font script="Jpan" typeface="游ゴシック Light"/>
+        <a:font script="Hang" typeface="맑은 고딕"/>
+        <a:font script="Hans" typeface="等线 Light"/>
+        <a:font script="Hant" typeface="新細明體"/>
+        <a:font script="Arab" typeface="Times New Roman"/>
+        <a:font script="Hebr" typeface="Times New Roman"/>
+        <a:font script="Thai" typeface="Angsana New"/>
+        <a:font script="Ethi" typeface="Nyala"/>
+        <a:font script="Beng" typeface="Vrinda"/>
+        <a:font script="Gujr" typeface="Shruti"/>
+        <a:font script="Khmr" typeface="MoolBoran"/>
+        <a:font script="Knda" typeface="Tunga"/>
+        <a:font script="Guru" typeface="Raavi"/>
+        <a:font script="Cans" typeface="Euphemia"/>
+        <a:font script="Cher" typeface="Plantagenet Cherokee"/>
+        <a:font script="Yiii" typeface="Microsoft Yi Baiti"/>
+        <a:font script="Tibt" typeface="Microsoft Himalaya"/>
+        <a:font script="Thaa" typeface="MV Boli"/>
+        <a:font script="Deva" typeface="Mangal"/>
+        <a:font script="Telu" typeface="Gautami"/>
+        <a:font script="Taml" typeface="Latha"/>
+        <a:font script="Syrc" typeface="Estrangelo Edessa"/>
+        <a:font script="Orya" typeface="Kalinga"/>
+        <a:font script="Mlym" typeface="Kartika"/>
+        <a:font script="Laoo" typeface="DokChampa"/>
+        <a:font script="Sinh" typeface="Iskoola Pota"/>
+        <a:font script="Mong" typeface="Mongolian Baiti"/>
+        <a:font script="Viet" typeface="Times New Roman"/>
+        <a:font script="Uigh" typeface="Microsoft Uighur"/>
+        <a:font script="Geor" typeface="Sylfaen"/>
+        <a:font script="Armn" typeface="Arial"/>
+        <a:font script="Bugi" typeface="Leelawadee UI"/>
+        <a:font script="Bopo" typeface="Microsoft JhengHei"/>
+        <a:font script="Java" typeface="Javanese Text"/>
+        <a:font script="Lisu" typeface="Segoe UI"/>
+        <a:font script="Mymr" typeface="Myanmar Text"/>
+        <a:font script="Nkoo" typeface="Ebrima"/>
+        <a:font script="Olck" typeface="Nirmala UI"/>
+        <a:font script="Osma" typeface="Ebrima"/>
+        <a:font script="Phag" typeface="Phagspa"/>
+        <a:font script="Syrn" typeface="Estrangelo Edessa"/>
+        <a:font script="Syrj" typeface="Estrangelo Edessa"/>
+        <a:font script="Syre" typeface="Estrangelo Edessa"/>
+        <a:font script="Sora" typeface="Nirmala UI"/>
+        <a:font script="Tale" typeface="Microsoft Tai Le"/>
+        <a:font script="Talu" typeface="Microsoft New Tai Lue"/>
+        <a:font script="Tfng" typeface="Ebrima"/>
+      </a:majorFont>
+      <a:minorFont>
+        <a:latin typeface="Calibri" panose="020F0502020204030204"/>
+        <a:ea typeface=""/>
+        <a:cs typeface=""/>
+        <a:font script="Jpan" typeface="游ゴシック"/>
+        <a:font script="Hang" typeface="맑은 고딕"/>
+        <a:font script="Hans" typeface="等线"/>
+        <a:font script="Hant" typeface="新細明體"/>
+        <a:font script="Arab" typeface="Arial"/>
+        <a:font script="Hebr" typeface="Arial"/>
+        <a:font script="Thai" typeface="Cordia New"/>
+        <a:font script="Ethi" typeface="Nyala"/>
+        <a:font script="Beng" typeface="Vrinda"/>
+        <a:font script="Gujr" typeface="Shruti"/>
+        <a:font script="Khmr" typeface="DaunPenh"/>
+        <a:font script="Knda" typeface="Tunga"/>
+        <a:font script="Guru" typeface="Raavi"/>
+        <a:font script="Cans" typeface="Euphemia"/>
+        <a:font script="Cher" typeface="Plantagenet Cherokee"/>
+        <a:font script="Yiii" typeface="Microsoft Yi Baiti"/>
+        <a:font script="Tibt" typeface="Microsoft Himalaya"/>
+        <a:font script="Thaa" typeface="MV Boli"/>
+        <a:font script="Deva" typeface="Mangal"/>
+        <a:font script="Telu" typeface="Gautami"/>
+        <a:font script="Taml" typeface="Latha"/>
+        <a:font script="Syrc" typeface="Estrangelo Edessa"/>
+        <a:font script="Orya" typeface="Kalinga"/>
+        <a:font script="Mlym" typeface="Kartika"/>
+        <a:font script="Laoo" typeface="DokChampa"/>
+        <a:font script="Sinh" typeface="Iskoola Pota"/>
+        <a:font script="Mong" typeface="Mongolian Baiti"/>
+        <a:font script="Viet" typeface="Arial"/>
+        <a:font script="Uigh" typeface="Microsoft Uighur"/>
+        <a:font script="Geor" typeface="Sylfaen"/>
+        <a:font script="Armn" typeface="Arial"/>
+        <a:font script="Bugi" typeface="Leelawadee UI"/>
+        <a:font script="Bopo" typeface="Microsoft JhengHei"/>
+        <a:font script="Java" typeface="Javanese Text"/>
+        <a:font script="Lisu" typeface="Segoe UI"/>
+        <a:font script="Mymr" typeface="Myanmar Text"/>
+        <a:font script="Nkoo" typeface="Ebrima"/>
+        <a:font script="Olck" typeface="Nirmala UI"/>
+        <a:font script="Osma" typeface="Ebrima"/>
+        <a:font script="Phag" typeface="Phagspa"/>
+        <a:font script="Syrn" typeface="Estrangelo Edessa"/>
+        <a:font script="Syrj" typeface="Estrangelo Edessa"/>
+        <a:font script="Syre" typeface="Estrangelo Edessa"/>
+        <a:font script="Sora" typeface="Nirmala UI"/>
+        <a:font script="Tale" typeface="Microsoft Tai Le"/>
+        <a:font script="Talu" typeface="Microsoft New Tai Lue"/>
+        <a:font script="Tfng" typeface="Ebrima"/>
+      </a:minorFont>
+    </a:fontScheme>
+    <a:fmtScheme name="Office">
+      <a:fillStyleLst>
+        <a:solidFill>
+          <a:schemeClr val="phClr"/>
+        </a:solidFill>
+        <a:gradFill rotWithShape="1">
+          <a:gsLst>
+            <a:gs pos="0">
+              <a:schemeClr val="phClr">
+                <a:lumMod val="110000"/>
+                <a:satMod val="105000"/>
+                <a:tint val="67000"/>
+              </a:schemeClr>
+            </a:gs>
+            <a:gs pos="50000">
+              <a:schemeClr val="phClr">
+                <a:lumMod val="105000"/>
+                <a:satMod val="103000"/>
+                <a:tint val="73000"/>
+              </a:schemeClr>
+            </a:gs>
+            <a:gs pos="100000">
+              <a:schemeClr val="phClr">
+                <a:lumMod val="105000"/>
+                <a:satMod val="109000"/>
+                <a:tint val="81000"/>
+              </a:schemeClr>
+            </a:gs>
+          </a:gsLst>
+          <a:lin ang="5400000" scaled="0"/>
+        </a:gradFill>
+        <a:gradFill rotWithShape="1">
+          <a:gsLst>
+            <a:gs pos="0">
+              <a:schemeClr val="phClr">
+                <a:satMod val="103000"/>
+                <a:lumMod val="102000"/>
+                <a:tint val="94000"/>
+              </a:schemeClr>
+            </a:gs>
+            <a:gs pos="50000">
+              <a:schemeClr val="phClr">
+                <a:satMod val="110000"/>
+                <a:lumMod val="100000"/>
+                <a:shade val="100000"/>
+              </a:schemeClr>
+            </a:gs>
+            <a:gs pos="100000">
+              <a:schemeClr val="phClr">
+                <a:lumMod val="99000"/>
+                <a:satMod val="120000"/>
+                <a:shade val="78000"/>
+              </a:schemeClr>
+            </a:gs>
+          </a:gsLst>
+          <a:lin ang="5400000" scaled="0"/>
+        </a:gradFill>
+      </a:fillStyleLst>
+      <a:lnStyleLst>
+        <a:ln w="6350" cap="flat" cmpd="sng" algn="ctr">
+          <a:solidFill>
+            <a:schemeClr val="phClr"/>
+          </a:solidFill>
+          <a:prstDash val="solid"/>
+          <a:miter lim="800000"/>
+        </a:ln>
+        <a:ln w="12700" cap="flat" cmpd="sng" algn="ctr">
+          <a:solidFill>
+            <a:schemeClr val="phClr"/>
+          </a:solidFill>
+          <a:prstDash val="solid"/>
+          <a:miter lim="800000"/>
+        </a:ln>
+        <a:ln w="19050" cap="flat" cmpd="sng" algn="ctr">
+          <a:solidFill>
+            <a:schemeClr val="phClr"/>
+          </a:solidFill>
+          <a:prstDash val="solid"/>
+          <a:miter lim="800000"/>
+        </a:ln>
+      </a:lnStyleLst>
+      <a:effectStyleLst>
+        <a:effectStyle>
+          <a:effectLst/>
+        </a:effectStyle>
+        <a:effectStyle>
+          <a:effectLst/>
+        </a:effectStyle>
+        <a:effectStyle>
+          <a:effectLst>
+            <a:outerShdw blurRad="57150" dist="19050" dir="5400000" algn="ctr" rotWithShape="0">
+              <a:srgbClr val="000000">
+                <a:alpha val="63000"/>
+              </a:srgbClr>
+            </a:outerShdw>
+          </a:effectLst>
+        </a:effectStyle>
+      </a:effectStyleLst>
+      <a:bgFillStyleLst>
+        <a:solidFill>
+          <a:schemeClr val="phClr"/>
+        </a:solidFill>
+        <a:solidFill>
+          <a:schemeClr val="phClr">
+            <a:tint val="95000"/>
+            <a:satMod val="170000"/>
+          </a:schemeClr>
+        </a:solidFill>
+        <a:gradFill rotWithShape="1">
+          <a:gsLst>
+            <a:gs pos="0">
+              <a:schemeClr val="phClr">
+                <a:tint val="93000"/>
+                <a:satMod val="150000"/>
+                <a:shade val="98000"/>
+                <a:lumMod val="102000"/>
+              </a:schemeClr>
+            </a:gs>
+            <a:gs pos="50000">
+              <a:schemeClr val="phClr">
+                <a:tint val="98000"/>
+                <a:satMod val="130000"/>
+                <a:shade val="90000"/>
+                <a:lumMod val="103000"/>
+              </a:schemeClr>
+            </a:gs>
+            <a:gs pos="100000">
+              <a:schemeClr val="phClr">
+                <a:shade val="63000"/>
+                <a:satMod val="120000"/>
+              </a:schemeClr>
+            </a:gs>
+          </a:gsLst>
+          <a:lin ang="5400000" scaled="0"/>
+        </a:gradFill>
+      </a:bgFillStyleLst>
+    </a:fmtScheme>
+  </a:themeElements>
+  <a:objectDefaults/>
+  <a:extraClrSchemeLst/>
+  <a:extLst>
+    <a:ext uri="{05A4C25C-085E-4340-85A3-A5531E510DB2}">
+      <thm15:themeFamily xmlns:thm15="http://schemas.microsoft.com/office/thememl/2012/main" name="Office Theme" id="{62F939B6-93AF-4DB8-9C6B-D6C7DFDC589F}" vid="{4A3C46E8-61CC-4603-A589-7422A47A8E4A}"/>
+    </a:ext>
+  </a:extLst>
+</a:theme>
 </file>
--- a/Doxygen/physics/10. Box2D Cannon Game with Stars/Images/figures.pptx
+++ b/Doxygen/physics/10. Box2D Cannon Game with Stars/Images/figures.pptx
@@ -6,11 +6,12 @@
     <p:sldMasterId id="2147483672" r:id="rId2"/>
   </p:sldMasterIdLst>
   <p:notesMasterIdLst>
-    <p:notesMasterId r:id="rId5"/>
+    <p:notesMasterId r:id="rId6"/>
   </p:notesMasterIdLst>
   <p:sldIdLst>
     <p:sldId id="475" r:id="rId3"/>
     <p:sldId id="508" r:id="rId4"/>
+    <p:sldId id="509" r:id="rId5"/>
   </p:sldIdLst>
   <p:sldSz cx="9144000" cy="6858000" type="screen4x3"/>
   <p:notesSz cx="6858000" cy="9144000"/>
@@ -199,7 +200,7 @@
           <a:p>
             <a:fld id="{D385A659-7CA7-4DB6-8785-174E471F03B2}" type="datetimeFigureOut">
               <a:rPr lang="en-US" smtClean="0"/>
-              <a:t>9/18/2024</a:t>
+              <a:t>9/25/2024</a:t>
             </a:fld>
             <a:endParaRPr lang="en-US"/>
           </a:p>
@@ -741,7 +742,7 @@
           <a:p>
             <a:fld id="{C5F54AF0-DD67-41F0-897B-AA0BF403EE70}" type="datetimeFigureOut">
               <a:rPr lang="en-US" smtClean="0"/>
-              <a:t>9/18/2024</a:t>
+              <a:t>9/25/2024</a:t>
             </a:fld>
             <a:endParaRPr lang="en-US"/>
           </a:p>
@@ -911,7 +912,7 @@
           <a:p>
             <a:fld id="{C5F54AF0-DD67-41F0-897B-AA0BF403EE70}" type="datetimeFigureOut">
               <a:rPr lang="en-US" smtClean="0"/>
-              <a:t>9/18/2024</a:t>
+              <a:t>9/25/2024</a:t>
             </a:fld>
             <a:endParaRPr lang="en-US"/>
           </a:p>
@@ -1091,7 +1092,7 @@
           <a:p>
             <a:fld id="{C5F54AF0-DD67-41F0-897B-AA0BF403EE70}" type="datetimeFigureOut">
               <a:rPr lang="en-US" smtClean="0"/>
-              <a:t>9/18/2024</a:t>
+              <a:t>9/25/2024</a:t>
             </a:fld>
             <a:endParaRPr lang="en-US"/>
           </a:p>
@@ -3216,7 +3217,7 @@
           <a:p>
             <a:fld id="{C5F54AF0-DD67-41F0-897B-AA0BF403EE70}" type="datetimeFigureOut">
               <a:rPr lang="en-US" smtClean="0"/>
-              <a:t>9/18/2024</a:t>
+              <a:t>9/25/2024</a:t>
             </a:fld>
             <a:endParaRPr lang="en-US"/>
           </a:p>
@@ -4091,7 +4092,7 @@
           <a:p>
             <a:fld id="{C5F54AF0-DD67-41F0-897B-AA0BF403EE70}" type="datetimeFigureOut">
               <a:rPr lang="en-US" smtClean="0"/>
-              <a:t>9/18/2024</a:t>
+              <a:t>9/25/2024</a:t>
             </a:fld>
             <a:endParaRPr lang="en-US"/>
           </a:p>
@@ -4323,7 +4324,7 @@
           <a:p>
             <a:fld id="{C5F54AF0-DD67-41F0-897B-AA0BF403EE70}" type="datetimeFigureOut">
               <a:rPr lang="en-US" smtClean="0"/>
-              <a:t>9/18/2024</a:t>
+              <a:t>9/25/2024</a:t>
             </a:fld>
             <a:endParaRPr lang="en-US"/>
           </a:p>
@@ -4690,7 +4691,7 @@
           <a:p>
             <a:fld id="{C5F54AF0-DD67-41F0-897B-AA0BF403EE70}" type="datetimeFigureOut">
               <a:rPr lang="en-US" smtClean="0"/>
-              <a:t>9/18/2024</a:t>
+              <a:t>9/25/2024</a:t>
             </a:fld>
             <a:endParaRPr lang="en-US"/>
           </a:p>
@@ -4808,7 +4809,7 @@
           <a:p>
             <a:fld id="{C5F54AF0-DD67-41F0-897B-AA0BF403EE70}" type="datetimeFigureOut">
               <a:rPr lang="en-US" smtClean="0"/>
-              <a:t>9/18/2024</a:t>
+              <a:t>9/25/2024</a:t>
             </a:fld>
             <a:endParaRPr lang="en-US"/>
           </a:p>
@@ -4903,7 +4904,7 @@
           <a:p>
             <a:fld id="{C5F54AF0-DD67-41F0-897B-AA0BF403EE70}" type="datetimeFigureOut">
               <a:rPr lang="en-US" smtClean="0"/>
-              <a:t>9/18/2024</a:t>
+              <a:t>9/25/2024</a:t>
             </a:fld>
             <a:endParaRPr lang="en-US"/>
           </a:p>
@@ -5180,7 +5181,7 @@
           <a:p>
             <a:fld id="{C5F54AF0-DD67-41F0-897B-AA0BF403EE70}" type="datetimeFigureOut">
               <a:rPr lang="en-US" smtClean="0"/>
-              <a:t>9/18/2024</a:t>
+              <a:t>9/25/2024</a:t>
             </a:fld>
             <a:endParaRPr lang="en-US"/>
           </a:p>
@@ -5437,7 +5438,7 @@
           <a:p>
             <a:fld id="{C5F54AF0-DD67-41F0-897B-AA0BF403EE70}" type="datetimeFigureOut">
               <a:rPr lang="en-US" smtClean="0"/>
-              <a:t>9/18/2024</a:t>
+              <a:t>9/25/2024</a:t>
             </a:fld>
             <a:endParaRPr lang="en-US"/>
           </a:p>
@@ -5650,7 +5651,7 @@
           <a:p>
             <a:fld id="{C5F54AF0-DD67-41F0-897B-AA0BF403EE70}" type="datetimeFigureOut">
               <a:rPr lang="en-US" smtClean="0"/>
-              <a:t>9/18/2024</a:t>
+              <a:t>9/25/2024</a:t>
             </a:fld>
             <a:endParaRPr lang="en-US"/>
           </a:p>
@@ -10575,6 +10576,441 @@
     <p:extLst>
       <p:ext uri="{BB962C8B-B14F-4D97-AF65-F5344CB8AC3E}">
         <p14:creationId xmlns:p14="http://schemas.microsoft.com/office/powerpoint/2010/main" val="391324788"/>
+      </p:ext>
+    </p:extLst>
+  </p:cSld>
+  <p:clrMapOvr>
+    <a:masterClrMapping/>
+  </p:clrMapOvr>
+  <mc:AlternateContent xmlns:mc="http://schemas.openxmlformats.org/markup-compatibility/2006" xmlns:p14="http://schemas.microsoft.com/office/powerpoint/2010/main">
+    <mc:Choice Requires="p14">
+      <p:transition p14:dur="10"/>
+    </mc:Choice>
+    <mc:Fallback xmlns="">
+      <p:transition/>
+    </mc:Fallback>
+  </mc:AlternateContent>
+</p:sld>
+</file>
+
+<file path=ppt/slides/slide3.xml><?xml version="1.0" encoding="utf-8"?>
+<p:sld xmlns:a="http://schemas.openxmlformats.org/drawingml/2006/main" xmlns:r="http://schemas.openxmlformats.org/officeDocument/2006/relationships" xmlns:p="http://schemas.openxmlformats.org/presentationml/2006/main">
+  <p:cSld>
+    <p:spTree>
+      <p:nvGrpSpPr>
+        <p:cNvPr id="1" name=""/>
+        <p:cNvGrpSpPr/>
+        <p:nvPr/>
+      </p:nvGrpSpPr>
+      <p:grpSpPr>
+        <a:xfrm>
+          <a:off x="0" y="0"/>
+          <a:ext cx="0" cy="0"/>
+          <a:chOff x="0" y="0"/>
+          <a:chExt cx="0" cy="0"/>
+        </a:xfrm>
+      </p:grpSpPr>
+      <p:sp>
+        <p:nvSpPr>
+          <p:cNvPr id="11" name="Rectangle 10">
+            <a:extLst>
+              <a:ext uri="{FF2B5EF4-FFF2-40B4-BE49-F238E27FC236}">
+                <a16:creationId xmlns:a16="http://schemas.microsoft.com/office/drawing/2014/main" id="{24E8FF3B-8FF5-43BA-73A6-493098BCA63E}"/>
+              </a:ext>
+            </a:extLst>
+          </p:cNvPr>
+          <p:cNvSpPr/>
+          <p:nvPr/>
+        </p:nvSpPr>
+        <p:spPr>
+          <a:xfrm>
+            <a:off x="2282875" y="3656407"/>
+            <a:ext cx="1590261" cy="1152255"/>
+          </a:xfrm>
+          <a:prstGeom prst="rect">
+            <a:avLst/>
+          </a:prstGeom>
+          <a:solidFill>
+            <a:schemeClr val="accent6">
+              <a:lumMod val="40000"/>
+              <a:lumOff val="60000"/>
+            </a:schemeClr>
+          </a:solidFill>
+          <a:ln w="22225">
+            <a:solidFill>
+              <a:schemeClr val="tx1"/>
+            </a:solidFill>
+          </a:ln>
+        </p:spPr>
+        <p:style>
+          <a:lnRef idx="1">
+            <a:schemeClr val="accent1"/>
+          </a:lnRef>
+          <a:fillRef idx="0">
+            <a:schemeClr val="accent1"/>
+          </a:fillRef>
+          <a:effectRef idx="0">
+            <a:schemeClr val="accent1"/>
+          </a:effectRef>
+          <a:fontRef idx="minor">
+            <a:schemeClr val="tx1"/>
+          </a:fontRef>
+        </p:style>
+        <p:txBody>
+          <a:bodyPr rtlCol="0" anchor="ctr"/>
+          <a:lstStyle/>
+          <a:p>
+            <a:pPr algn="ctr"/>
+            <a:endParaRPr lang="en-US"/>
+          </a:p>
+        </p:txBody>
+      </p:sp>
+      <p:sp>
+        <p:nvSpPr>
+          <p:cNvPr id="5" name="Oval 4">
+            <a:extLst>
+              <a:ext uri="{FF2B5EF4-FFF2-40B4-BE49-F238E27FC236}">
+                <a16:creationId xmlns:a16="http://schemas.microsoft.com/office/drawing/2014/main" id="{E628D0C5-3557-9627-8468-14E97C1F0AC3}"/>
+              </a:ext>
+            </a:extLst>
+          </p:cNvPr>
+          <p:cNvSpPr/>
+          <p:nvPr/>
+        </p:nvSpPr>
+        <p:spPr>
+          <a:xfrm>
+            <a:off x="2592094" y="2832769"/>
+            <a:ext cx="823638" cy="823638"/>
+          </a:xfrm>
+          <a:prstGeom prst="ellipse">
+            <a:avLst/>
+          </a:prstGeom>
+          <a:solidFill>
+            <a:srgbClr val="FFFFCD"/>
+          </a:solidFill>
+          <a:ln w="25400">
+            <a:solidFill>
+              <a:schemeClr val="tx1"/>
+            </a:solidFill>
+            <a:prstDash val="solid"/>
+          </a:ln>
+        </p:spPr>
+        <p:style>
+          <a:lnRef idx="2">
+            <a:schemeClr val="accent1">
+              <a:shade val="50000"/>
+            </a:schemeClr>
+          </a:lnRef>
+          <a:fillRef idx="1">
+            <a:schemeClr val="accent1"/>
+          </a:fillRef>
+          <a:effectRef idx="0">
+            <a:schemeClr val="accent1"/>
+          </a:effectRef>
+          <a:fontRef idx="minor">
+            <a:schemeClr val="lt1"/>
+          </a:fontRef>
+        </p:style>
+        <p:txBody>
+          <a:bodyPr rtlCol="0" anchor="ctr"/>
+          <a:lstStyle/>
+          <a:p>
+            <a:pPr algn="ctr"/>
+            <a:endParaRPr lang="en-US" sz="2400"/>
+          </a:p>
+        </p:txBody>
+      </p:sp>
+      <p:sp>
+        <p:nvSpPr>
+          <p:cNvPr id="7" name="Oval 6">
+            <a:extLst>
+              <a:ext uri="{FF2B5EF4-FFF2-40B4-BE49-F238E27FC236}">
+                <a16:creationId xmlns:a16="http://schemas.microsoft.com/office/drawing/2014/main" id="{B013F194-B897-104C-B1BD-34B290F3D8EB}"/>
+              </a:ext>
+            </a:extLst>
+          </p:cNvPr>
+          <p:cNvSpPr/>
+          <p:nvPr/>
+        </p:nvSpPr>
+        <p:spPr>
+          <a:xfrm flipH="1">
+            <a:off x="2929823" y="3587009"/>
+            <a:ext cx="148183" cy="146140"/>
+          </a:xfrm>
+          <a:prstGeom prst="ellipse">
+            <a:avLst/>
+          </a:prstGeom>
+          <a:solidFill>
+            <a:schemeClr val="tx1"/>
+          </a:solidFill>
+          <a:ln>
+            <a:noFill/>
+          </a:ln>
+          <a:effectLst>
+            <a:outerShdw blurRad="50800" dist="38100" dir="2700000" algn="tl" rotWithShape="0">
+              <a:prstClr val="black">
+                <a:alpha val="40000"/>
+              </a:prstClr>
+            </a:outerShdw>
+          </a:effectLst>
+        </p:spPr>
+        <p:style>
+          <a:lnRef idx="2">
+            <a:schemeClr val="accent1">
+              <a:shade val="50000"/>
+            </a:schemeClr>
+          </a:lnRef>
+          <a:fillRef idx="1">
+            <a:schemeClr val="accent1"/>
+          </a:fillRef>
+          <a:effectRef idx="0">
+            <a:schemeClr val="accent1"/>
+          </a:effectRef>
+          <a:fontRef idx="minor">
+            <a:schemeClr val="lt1"/>
+          </a:fontRef>
+        </p:style>
+        <p:txBody>
+          <a:bodyPr rtlCol="0" anchor="ctr"/>
+          <a:lstStyle/>
+          <a:p>
+            <a:pPr algn="ctr"/>
+            <a:endParaRPr lang="en-US" sz="2400"/>
+          </a:p>
+        </p:txBody>
+      </p:sp>
+      <p:sp>
+        <p:nvSpPr>
+          <p:cNvPr id="12" name="Rectangle 11">
+            <a:extLst>
+              <a:ext uri="{FF2B5EF4-FFF2-40B4-BE49-F238E27FC236}">
+                <a16:creationId xmlns:a16="http://schemas.microsoft.com/office/drawing/2014/main" id="{4ABF44DC-18B9-5411-C2BD-D3468F688AE6}"/>
+              </a:ext>
+            </a:extLst>
+          </p:cNvPr>
+          <p:cNvSpPr/>
+          <p:nvPr/>
+        </p:nvSpPr>
+        <p:spPr>
+          <a:xfrm>
+            <a:off x="4685494" y="3656407"/>
+            <a:ext cx="1590261" cy="1152255"/>
+          </a:xfrm>
+          <a:prstGeom prst="rect">
+            <a:avLst/>
+          </a:prstGeom>
+          <a:solidFill>
+            <a:schemeClr val="accent6">
+              <a:lumMod val="40000"/>
+              <a:lumOff val="60000"/>
+            </a:schemeClr>
+          </a:solidFill>
+          <a:ln w="22225">
+            <a:solidFill>
+              <a:schemeClr val="tx1"/>
+            </a:solidFill>
+          </a:ln>
+        </p:spPr>
+        <p:style>
+          <a:lnRef idx="1">
+            <a:schemeClr val="accent1"/>
+          </a:lnRef>
+          <a:fillRef idx="0">
+            <a:schemeClr val="accent1"/>
+          </a:fillRef>
+          <a:effectRef idx="0">
+            <a:schemeClr val="accent1"/>
+          </a:effectRef>
+          <a:fontRef idx="minor">
+            <a:schemeClr val="tx1"/>
+          </a:fontRef>
+        </p:style>
+        <p:txBody>
+          <a:bodyPr rtlCol="0" anchor="ctr"/>
+          <a:lstStyle/>
+          <a:p>
+            <a:pPr algn="ctr"/>
+            <a:endParaRPr lang="en-US"/>
+          </a:p>
+        </p:txBody>
+      </p:sp>
+      <p:sp>
+        <p:nvSpPr>
+          <p:cNvPr id="13" name="Rectangle 12">
+            <a:extLst>
+              <a:ext uri="{FF2B5EF4-FFF2-40B4-BE49-F238E27FC236}">
+                <a16:creationId xmlns:a16="http://schemas.microsoft.com/office/drawing/2014/main" id="{F97B09CF-238B-7A35-7158-9188CEBDCBA5}"/>
+              </a:ext>
+            </a:extLst>
+          </p:cNvPr>
+          <p:cNvSpPr/>
+          <p:nvPr/>
+        </p:nvSpPr>
+        <p:spPr>
+          <a:xfrm>
+            <a:off x="5243410" y="2708097"/>
+            <a:ext cx="823639" cy="948310"/>
+          </a:xfrm>
+          <a:prstGeom prst="rect">
+            <a:avLst/>
+          </a:prstGeom>
+          <a:solidFill>
+            <a:schemeClr val="accent3">
+              <a:lumMod val="40000"/>
+              <a:lumOff val="60000"/>
+            </a:schemeClr>
+          </a:solidFill>
+          <a:ln w="22225">
+            <a:solidFill>
+              <a:schemeClr val="tx1"/>
+            </a:solidFill>
+          </a:ln>
+        </p:spPr>
+        <p:style>
+          <a:lnRef idx="1">
+            <a:schemeClr val="accent1"/>
+          </a:lnRef>
+          <a:fillRef idx="0">
+            <a:schemeClr val="accent1"/>
+          </a:fillRef>
+          <a:effectRef idx="0">
+            <a:schemeClr val="accent1"/>
+          </a:effectRef>
+          <a:fontRef idx="minor">
+            <a:schemeClr val="tx1"/>
+          </a:fontRef>
+        </p:style>
+        <p:txBody>
+          <a:bodyPr rtlCol="0" anchor="ctr"/>
+          <a:lstStyle/>
+          <a:p>
+            <a:pPr algn="ctr"/>
+            <a:endParaRPr lang="en-US"/>
+          </a:p>
+        </p:txBody>
+      </p:sp>
+      <p:sp>
+        <p:nvSpPr>
+          <p:cNvPr id="14" name="Oval 13">
+            <a:extLst>
+              <a:ext uri="{FF2B5EF4-FFF2-40B4-BE49-F238E27FC236}">
+                <a16:creationId xmlns:a16="http://schemas.microsoft.com/office/drawing/2014/main" id="{EA394A68-2415-1D67-7EBC-F2601D6BF3C7}"/>
+              </a:ext>
+            </a:extLst>
+          </p:cNvPr>
+          <p:cNvSpPr/>
+          <p:nvPr/>
+        </p:nvSpPr>
+        <p:spPr>
+          <a:xfrm flipH="1">
+            <a:off x="5166826" y="3596785"/>
+            <a:ext cx="148183" cy="146140"/>
+          </a:xfrm>
+          <a:prstGeom prst="ellipse">
+            <a:avLst/>
+          </a:prstGeom>
+          <a:solidFill>
+            <a:schemeClr val="tx1"/>
+          </a:solidFill>
+          <a:ln>
+            <a:noFill/>
+          </a:ln>
+          <a:effectLst>
+            <a:outerShdw blurRad="50800" dist="38100" dir="2700000" algn="tl" rotWithShape="0">
+              <a:prstClr val="black">
+                <a:alpha val="40000"/>
+              </a:prstClr>
+            </a:outerShdw>
+          </a:effectLst>
+        </p:spPr>
+        <p:style>
+          <a:lnRef idx="2">
+            <a:schemeClr val="accent1">
+              <a:shade val="50000"/>
+            </a:schemeClr>
+          </a:lnRef>
+          <a:fillRef idx="1">
+            <a:schemeClr val="accent1"/>
+          </a:fillRef>
+          <a:effectRef idx="0">
+            <a:schemeClr val="accent1"/>
+          </a:effectRef>
+          <a:fontRef idx="minor">
+            <a:schemeClr val="lt1"/>
+          </a:fontRef>
+        </p:style>
+        <p:txBody>
+          <a:bodyPr rtlCol="0" anchor="ctr"/>
+          <a:lstStyle/>
+          <a:p>
+            <a:pPr algn="ctr"/>
+            <a:endParaRPr lang="en-US" sz="2400"/>
+          </a:p>
+        </p:txBody>
+      </p:sp>
+      <p:sp>
+        <p:nvSpPr>
+          <p:cNvPr id="15" name="Oval 14">
+            <a:extLst>
+              <a:ext uri="{FF2B5EF4-FFF2-40B4-BE49-F238E27FC236}">
+                <a16:creationId xmlns:a16="http://schemas.microsoft.com/office/drawing/2014/main" id="{85BC1685-37B6-F32D-FE43-5A035C30D2D6}"/>
+              </a:ext>
+            </a:extLst>
+          </p:cNvPr>
+          <p:cNvSpPr/>
+          <p:nvPr/>
+        </p:nvSpPr>
+        <p:spPr>
+          <a:xfrm flipH="1">
+            <a:off x="5995450" y="3596785"/>
+            <a:ext cx="148183" cy="146140"/>
+          </a:xfrm>
+          <a:prstGeom prst="ellipse">
+            <a:avLst/>
+          </a:prstGeom>
+          <a:solidFill>
+            <a:schemeClr val="tx1"/>
+          </a:solidFill>
+          <a:ln>
+            <a:noFill/>
+          </a:ln>
+          <a:effectLst>
+            <a:outerShdw blurRad="50800" dist="38100" dir="2700000" algn="tl" rotWithShape="0">
+              <a:prstClr val="black">
+                <a:alpha val="40000"/>
+              </a:prstClr>
+            </a:outerShdw>
+          </a:effectLst>
+        </p:spPr>
+        <p:style>
+          <a:lnRef idx="2">
+            <a:schemeClr val="accent1">
+              <a:shade val="50000"/>
+            </a:schemeClr>
+          </a:lnRef>
+          <a:fillRef idx="1">
+            <a:schemeClr val="accent1"/>
+          </a:fillRef>
+          <a:effectRef idx="0">
+            <a:schemeClr val="accent1"/>
+          </a:effectRef>
+          <a:fontRef idx="minor">
+            <a:schemeClr val="lt1"/>
+          </a:fontRef>
+        </p:style>
+        <p:txBody>
+          <a:bodyPr rtlCol="0" anchor="ctr"/>
+          <a:lstStyle/>
+          <a:p>
+            <a:pPr algn="ctr"/>
+            <a:endParaRPr lang="en-US" sz="2400"/>
+          </a:p>
+        </p:txBody>
+      </p:sp>
+    </p:spTree>
+    <p:extLst>
+      <p:ext uri="{BB962C8B-B14F-4D97-AF65-F5344CB8AC3E}">
+        <p14:creationId xmlns:p14="http://schemas.microsoft.com/office/powerpoint/2010/main" val="2092100007"/>
       </p:ext>
     </p:extLst>
   </p:cSld>
